--- a/DOC/공통문서/필수프로그램 설치법.pptx
+++ b/DOC/공통문서/필수프로그램 설치법.pptx
@@ -38,19 +38,25 @@
     <p:sldId id="305" r:id="rId32"/>
     <p:sldId id="306" r:id="rId33"/>
     <p:sldId id="307" r:id="rId34"/>
-    <p:sldId id="302" r:id="rId35"/>
-    <p:sldId id="288" r:id="rId36"/>
-    <p:sldId id="289" r:id="rId37"/>
-    <p:sldId id="290" r:id="rId38"/>
-    <p:sldId id="291" r:id="rId39"/>
-    <p:sldId id="292" r:id="rId40"/>
-    <p:sldId id="293" r:id="rId41"/>
-    <p:sldId id="294" r:id="rId42"/>
-    <p:sldId id="295" r:id="rId43"/>
-    <p:sldId id="296" r:id="rId44"/>
-    <p:sldId id="297" r:id="rId45"/>
-    <p:sldId id="298" r:id="rId46"/>
-    <p:sldId id="299" r:id="rId47"/>
+    <p:sldId id="308" r:id="rId35"/>
+    <p:sldId id="309" r:id="rId36"/>
+    <p:sldId id="310" r:id="rId37"/>
+    <p:sldId id="311" r:id="rId38"/>
+    <p:sldId id="312" r:id="rId39"/>
+    <p:sldId id="313" r:id="rId40"/>
+    <p:sldId id="302" r:id="rId41"/>
+    <p:sldId id="288" r:id="rId42"/>
+    <p:sldId id="289" r:id="rId43"/>
+    <p:sldId id="290" r:id="rId44"/>
+    <p:sldId id="291" r:id="rId45"/>
+    <p:sldId id="292" r:id="rId46"/>
+    <p:sldId id="293" r:id="rId47"/>
+    <p:sldId id="294" r:id="rId48"/>
+    <p:sldId id="295" r:id="rId49"/>
+    <p:sldId id="296" r:id="rId50"/>
+    <p:sldId id="297" r:id="rId51"/>
+    <p:sldId id="298" r:id="rId52"/>
+    <p:sldId id="299" r:id="rId53"/>
   </p:sldIdLst>
   <p:sldSz cx="12192000" cy="6858000"/>
   <p:notesSz cx="6858000" cy="9144000"/>
@@ -453,7 +459,7 @@
           <inkml:channelProperty channel="F" name="resolution" value="0" units="1/dev"/>
         </inkml:channelProperties>
       </inkml:inkSource>
-      <inkml:timestamp xml:id="ts0" timeString="2024-09-09T08:22:32.312"/>
+      <inkml:timestamp xml:id="ts0" timeString="2024-09-10T05:10:05.410"/>
     </inkml:context>
     <inkml:brush xml:id="br0">
       <inkml:brushProperty name="width" value="0.035" units="cm"/>
@@ -461,7 +467,7 @@
       <inkml:brushProperty name="color" value="#E71224"/>
     </inkml:brush>
   </inkml:definitions>
-  <inkml:trace contextRef="#ctx0" brushRef="#br0">2491 1 24575,'-126'2'0,"102"-2"0,0 2 0,-42 8 0,-31 2 0,-23-4 0,-138 28 0,150-18 0,-191 29 0,-310 45 0,149-36 0,423-53 0,1 2 0,0 1 0,-53 16 0,84-20 0,1 0 0,0 0 0,0 0 0,0 1 0,0-1 0,1 1 0,-1 0 0,1 0 0,-1 0 0,1 1 0,0-1 0,1 1 0,-1 0 0,0 0 0,1 0 0,0 0 0,0 0 0,0 0 0,-2 9 0,0 5 0,0 1 0,1 0 0,-1 31 0,-2 17 0,1-49 0,1 0 0,2 0 0,0 0 0,0 0 0,2 0 0,0 0 0,1 1 0,1-1 0,1 0 0,0 0 0,2-1 0,0 1 0,10 23 0,3-7 0,3-2 0,0 0 0,2-1 0,1-1 0,2-1 0,40 34 0,-60-56 0,3 1 0,1-1 0,0 0 0,0 0 0,0-1 0,1 0 0,0 0 0,0-2 0,17 6 0,-8-4 0,0-1 0,1-1 0,-1 0 0,23-1 0,120 9 0,66 1 0,2173-14 0,-2234 15 0,-1-1 0,0 0 0,4 0 0,134 2 0,311-2 0,-378-16 0,-5 5 0,252-5 0,-217-24 0,-110 3 0,-105 14 0,93-7 0,-121 15 0,1-2 0,-1-1 0,0-1 0,-1-1 0,36-15 0,15-4 0,-49 18 0,-1-1 0,0-1 0,-1-1 0,0-2 0,0 0 0,-2-1 0,1-2 0,31-28 0,-49 37 0,1 1 0,-1-2 0,0 1 0,-1-1 0,0 1 0,0-1 0,-1-1 0,0 1 0,0 0 0,1-9 0,0 2 0,-1 0 0,-1-1 0,-1 1 0,-1-30 0,-2 29 0,0 0 0,-2 0 0,0 1 0,0 0 0,-2 0 0,0 0 0,-15-28 0,-7-1 0,-35-45 0,37 58 0,-1 1 0,-1 1 0,-1 2 0,-1 1 0,-48-32 0,10 15 0,-125-59 0,136 81 0,-1 2 0,-1 2 0,0 4 0,-87-10 0,105 17 0,-88-7 0,0 6 0,-130 9 0,70 1 0,-89-5 0,-287 5 0,411 9 0,-48 2 0,40-1 0,-4 0 0,-1105-14 0,1255 0 34,0-1-1,0 0 0,-20-6 0,-34-5-1531,50 12-5328</inkml:trace>
+  <inkml:trace contextRef="#ctx0" brushRef="#br0">1826 232 24575,'-20'-2'0,"0"0"0,0-1 0,1-2 0,-33-10 0,-15-4 0,-517-87 0,351 77 0,141 18 0,45 5 0,-59-2 0,-38 7 0,-147 4 0,287-2 0,-1-1 0,1 1 0,0 0 0,0 0 0,0 0 0,0 1 0,0-1 0,0 1 0,0 0 0,1 0 0,-1 1 0,1-1 0,-1 1 0,1 0 0,-5 4 0,3 0 0,0-1 0,1 0 0,0 1 0,0 0 0,0 0 0,1 0 0,-5 15 0,1 6 0,1 1 0,2-1 0,-2 46 0,6-72 0,-4 76 0,3 0 0,4-1 0,3 1 0,4 0 0,3-2 0,3 1 0,31 85 0,5 24 0,-9-29 0,-22-89 0,-2 1 0,14 104 0,-9 5 0,-13-99 0,-4-37 0,1 68 0,-9-46 0,-1-30 0,2 0 0,1-1 0,1 1 0,2-1 0,12 47 0,-15-77 0,0 0 0,0 0 0,1 0 0,-1 0 0,1-1 0,0 1 0,0-1 0,0 1 0,0-1 0,0 0 0,1 0 0,-1 0 0,1 0 0,-1 0 0,1-1 0,0 1 0,0-1 0,-1 1 0,1-1 0,0 0 0,0 0 0,0-1 0,0 1 0,5 0 0,9 1 0,-1-1 0,1-1 0,25-2 0,-14 1 0,624 18-542,-426-7 570,129 11-1040,586 89 815,-640-80-71,-54-6 71,143 6 197,-88-8 0,216 15 0,-160-3 1710,-204-17-1232,107 3-478,-4 7 0,137 9 0,-261-25 0,87 4 0,-129-16 0,-2-1 0,173 19 0,-171-8 0,0-4 0,106-7 0,-52 0 0,-98 2 0,11 1 0,-1-3 0,88-12 0,-8-17 0,186-68 0,-260 75 0,80-24 0,139-39 0,-210 66 0,-46 12 0,0 2 0,1 0 0,54-5 0,42-3 0,-40 3 0,-6 2 0,-34 4 0,68-2 0,-77 6 0,59-9 0,-59 5 0,60-2 0,-56 9 0,-21 1 0,0-2 0,0 0 0,0-1 0,30-6 0,-43 6 0,0-1 0,1 1 0,-1-1 0,0 0 0,0 0 0,0 0 0,0 0 0,0-1 0,-1 1 0,1-1 0,-1 0 0,0 0 0,1-1 0,-1 1 0,-1-1 0,1 1 0,0-1 0,-1 0 0,0 0 0,0 0 0,0 0 0,2-8 0,22-84 0,26-191 0,-42 224 0,-3 19 0,3-80 0,-11-491 0,-3 574 0,-1 0 0,-2 0 0,-2 1 0,-24-70 0,22 75 0,-38-114 0,-74-155 0,108 271 0,6 12 0,0 0 0,-2 0 0,-1 1 0,0 0 0,-1 1 0,-19-21 0,19 27 0,-1 1 0,0 0 0,-1 1 0,-1 0 0,0 1 0,0 1 0,-1 1 0,0 0 0,-26-7 0,1 3 0,-1 2 0,-83-7 0,-54-8 0,104 14 0,40 5 0,-62-3 0,-2194 10-732,1568 43 732,-189 32 0,-232 31-64,986-88 138,-295 19 648,300-25-722,3 0 0,108-13 0,0 2 0,-58 10 0,38-4 0,0-3 0,1-2 0,-65-7 0,7 2 0,25 3 0,-107-3 0,118-10 0,58 7 0,-1 1 0,-27 0 0,31 4-273,1-1 0,-1-1 0,1-1 0,-25-6 0,29 4-6553</inkml:trace>
 </inkml:ink>
 </file>
 
@@ -509,7 +515,7 @@
           <inkml:channelProperty channel="F" name="resolution" value="0" units="1/dev"/>
         </inkml:channelProperties>
       </inkml:inkSource>
-      <inkml:timestamp xml:id="ts0" timeString="2024-09-09T08:21:38.849"/>
+      <inkml:timestamp xml:id="ts0" timeString="2024-09-10T05:10:08.268"/>
     </inkml:context>
     <inkml:brush xml:id="br0">
       <inkml:brushProperty name="width" value="0.035" units="cm"/>
@@ -517,7 +523,7 @@
       <inkml:brushProperty name="color" value="#E71224"/>
     </inkml:brush>
   </inkml:definitions>
-  <inkml:trace contextRef="#ctx0" brushRef="#br0">4974 439 24575,'-1'-1'0,"1"0"0,0 0 0,0 0 0,-1 1 0,1-1 0,0 0 0,-1 0 0,1 0 0,-1 1 0,1-1 0,-1 0 0,1 1 0,-1-1 0,0 0 0,1 1 0,-1-1 0,0 1 0,1-1 0,-1 1 0,0-1 0,0 1 0,0 0 0,1-1 0,-2 1 0,-27-9 0,17 6 0,-196-61-299,-329-56 0,-226 15 83,621 88 216,-482-51 0,238 43-68,212 14 480,-213 13-1,280 10-396,0 5 0,2 4 0,-125 42-1,127-28-14,-129 64 0,130-53 0,-25 20 0,84-41 0,-67 28 0,-52 15 0,146-61 0,1 0 0,0 0 0,0 2 0,0 0 0,1 0 0,1 2 0,0-1 0,0 2 0,1 0 0,0 0 0,1 1 0,1 0 0,0 1 0,1 1 0,0-1 0,1 1 0,1 0 0,0 1 0,1 0 0,1 0 0,1 1 0,-5 30 0,2 2 0,1-14 0,2 1 0,1 42 0,3-65 0,2 1 0,-1-1 0,2 1 0,0-1 0,0 0 0,2 0 0,-1 0 0,2 0 0,8 15 0,21 27 0,2-2 0,3-2 0,1-1 0,3-2 0,68 57 0,151 113 0,93 32 0,-326-230 0,20 15 0,2-1 0,99 46 0,-52-44 0,204 44 0,-81-26 0,55 7 0,-249-55 0,0-1 0,41 1 0,-38-4 0,53 10 0,-39-5 0,0-2 0,0-1 0,0-3 0,47-5 0,11 1 0,830 3 0,-900-1 0,55-11 0,14 0 0,-55 7 0,-1-1 0,46-13 0,31-5 0,-65 13 0,91-30 0,-101 26 0,1-2 0,0-2 0,85-49 0,-99 49 0,16-8 0,-2-2 0,69-52 0,-102 68 0,-2 0 0,0-1 0,0-1 0,-1 0 0,-1-1 0,-1 0 0,0-1 0,-1 0 0,-1-1 0,0 0 0,5-20 0,-3-1 0,-3 0 0,-1 0 0,-2-1 0,-1 1 0,-5-80 0,1 99 0,0-4 0,-6-107 0,4 114 0,-1 0 0,-1 0 0,-1 1 0,0 0 0,-14-28 0,-3 5 0,-3 1 0,-1 2 0,-2 0 0,-40-39 0,47 54 0,-2 1 0,-29-20 0,9 8 0,0 0 0,-1 2 0,-2 2 0,-82-37 0,-159-41 0,160 72-1365,104 30-5461</inkml:trace>
+  <inkml:trace contextRef="#ctx0" brushRef="#br0">1 1 24575,'5'1'0,"0"1"0,0 0 0,0 0 0,0 1 0,-1-1 0,1 1 0,-1 0 0,1 0 0,-1 0 0,6 7 0,9 5 0,41 28 0,-2 3 0,-2 3 0,51 57 0,204 218 0,-95-60 0,-170-205 0,154 234 0,76 111 0,-168-218 0,-90-155 42,16 39 0,-22-45-404,0 0 0,1 0-1,20 25 1,-21-35-6464</inkml:trace>
 </inkml:ink>
 </file>
 
@@ -537,7 +543,7 @@
           <inkml:channelProperty channel="F" name="resolution" value="0" units="1/dev"/>
         </inkml:channelProperties>
       </inkml:inkSource>
-      <inkml:timestamp xml:id="ts0" timeString="2024-09-09T08:34:13.866"/>
+      <inkml:timestamp xml:id="ts0" timeString="2024-09-10T05:10:09.228"/>
     </inkml:context>
     <inkml:brush xml:id="br0">
       <inkml:brushProperty name="width" value="0.035" units="cm"/>
@@ -545,7 +551,7 @@
       <inkml:brushProperty name="color" value="#E71224"/>
     </inkml:brush>
   </inkml:definitions>
-  <inkml:trace contextRef="#ctx0" brushRef="#br0">2517 363 24575,'-11'-1'0,"0"-1"0,0 1 0,0-2 0,-11-3 0,-39-6 0,-33-2 0,67 9 0,0 1 0,-32-1 0,18 5 0,-21-2 0,-1 4 0,-106 15 0,113-7 0,-93 24 0,-31 15 0,16 5 0,-114 46 0,2 42 0,251-129 0,-111 60 0,-139 79 0,226-125 0,26-15 0,0 1 0,1 1 0,1 1 0,-27 25 0,13-9 0,28-26 0,-1 1 0,2-1 0,-1 2 0,1-1 0,-1 0 0,2 1 0,-1 0 0,1 1 0,0-1 0,1 1 0,0 0 0,0 0 0,-4 13 0,6-14 0,1 0 0,0 0 0,0 0 0,1 0 0,0 0 0,0 1 0,0-1 0,1 0 0,0 0 0,1 0 0,-1 0 0,1 0 0,6 13 0,-1-8 0,0-1 0,1 0 0,0 0 0,1 0 0,0-1 0,16 14 0,24 20 0,2-3 0,2-2 0,2-2 0,1-2 0,2-3 0,106 43 0,112 23 0,-170-70 0,0-5 0,133 12 0,234-11 0,-158-22 0,254-5 0,-417-9 0,26-1 0,-44 0 0,-3 0 0,15-4 0,-79 8 0,-13-1 0,70-21 0,-71 17 0,-39 9 0,0 0 0,-1 0 0,0-2 0,0 1 0,-1-2 0,1 0 0,-2 0 0,1-1 0,-1 0 0,-1-1 0,1-1 0,-2 1 0,1-1 0,-2-1 0,8-13 0,-2 3 0,-1-2 0,-2 1 0,0-2 0,-2 0 0,0 0 0,-2 0 0,6-38 0,-8 16 0,-3 0 0,-3-60 0,-1 25 0,1 69 0,0-1 0,-1 1 0,0 0 0,-1 0 0,-1 0 0,0 0 0,0 1 0,-2-1 0,1 1 0,-14-19 0,-6-7 0,-56-61 0,49 62 0,9 13 0,-1 2 0,-1 0 0,-53-34 0,17 13 0,-37-27 0,-3 5 0,-3 4 0,-112-47 0,62 43 0,-261-72 0,395 131 0,-238-58 0,204 54 0,0 2 0,-103 0 0,128 6 0,0 0 0,-30-7 0,28 4 0,-49-2 0,66 7-81,-4-2-36,0 2 0,1 0 1,-1 1-1,0 0 0,1 2 1,-1 0-1,1 1 0,0 1 0,0 0 1,-17 9-1,20-6-6709</inkml:trace>
+  <inkml:trace contextRef="#ctx0" brushRef="#br0">1 802 24575,'21'0'0,"163"5"0,-151-2 0,0 2 0,-1 1 0,51 17 0,202 73 0,-233-79 0,57 23 0,111 47 0,-219-86 0,0-1 0,-1 0 0,1 1 0,-1-1 0,1 0 0,0 1 0,-1-1 0,1 0 0,0 0 0,-1 1 0,1-1 0,0 0 0,0 0 0,-1 0 0,1 0 0,0 0 0,-1 0 0,1 0 0,0 0 0,0 0 0,-1-1 0,1 1 0,0 0 0,-1 0 0,1-1 0,0 1 0,-1 0 0,1-1 0,-1 1 0,2-1 0,0-21 0,-17-27 0,-51-88 0,37 80 0,-32-89 0,-7-15 0,43 107 0,-22-65 0,32 76 0,-30-57 0,25 59 0,-21-61 0,27 65-1365,8 22-5461</inkml:trace>
 </inkml:ink>
 </file>
 
@@ -565,7 +571,7 @@
           <inkml:channelProperty channel="F" name="resolution" value="0" units="1/dev"/>
         </inkml:channelProperties>
       </inkml:inkSource>
-      <inkml:timestamp xml:id="ts0" timeString="2024-09-09T08:34:15.499"/>
+      <inkml:timestamp xml:id="ts0" timeString="2024-09-10T05:12:49.249"/>
     </inkml:context>
     <inkml:brush xml:id="br0">
       <inkml:brushProperty name="width" value="0.035" units="cm"/>
@@ -573,7 +579,7 @@
       <inkml:brushProperty name="color" value="#E71224"/>
     </inkml:brush>
   </inkml:definitions>
-  <inkml:trace contextRef="#ctx0" brushRef="#br0">2054 185 24575,'-7'-4'0,"-1"0"0,1 0 0,-1 1 0,0 0 0,0 0 0,0 1 0,0 0 0,0 0 0,0 1 0,-1 0 0,-11 0 0,-26-5 0,6-1 0,-71-3 0,-23-3 0,23 2 0,80 9 0,0 0 0,-37-9 0,24 4 0,0 2 0,-1 1 0,1 3 0,-52 5 0,-7-1 0,17-4 0,13-1 0,1 4 0,-105 15 0,129-9 0,16-4 0,1 2 0,-1 2 0,-57 21 0,68-20 0,1 0 0,0 0 0,1 2 0,0 1 0,1 0 0,0 1 0,1 1 0,0 1 0,1 0 0,-19 25 0,20-21 0,1 1 0,2 1 0,0 0 0,0 0 0,2 2 0,1-1 0,1 1 0,1 0 0,-8 43 0,5-3 0,2 0 0,1 68 0,8-112 0,0 0 0,1 0 0,1-1 0,1 1 0,1-1 0,12 32 0,-2-17 0,1-1 0,34 49 0,-8-22 2,2-3 0,3-1 0,3-2 0,108 89 0,-81-83-33,2-4-1,3-3 0,103 49 1,34-6-628,3-8 1,412 100-1,382 9-143,-927-183 1115,90 10 1259,-148-21-1320,-1-2 0,1 0 1,54-9-1,-71 5-252,0 1 0,0-1 0,-1-1 0,1-1 0,-1 0 0,0 0 0,20-15 0,-1-3 0,42-40 0,-51 42 0,2-5 0,-2-1 0,-1-1 0,-1-1 0,-1-1 0,-2-1 0,18-41 0,-12 25 0,14-28 0,-4-1 0,36-117 0,-55 141 0,-3-1 0,-2 0 0,-2-1 0,1-99 0,-8 35 0,-4-93 0,1 200 0,-1 0 0,0 0 0,0 1 0,-1-1 0,0 1 0,-1 0 0,-1 0 0,0 0 0,0 1 0,-1-1 0,0 2 0,-1-1 0,0 1 0,-1 0 0,-17-14 0,-12-6 0,-1 1 0,-72-38 0,72 44 0,-73-36 0,-187-68 0,-214-59 0,462 166 0,-1 2 0,-76-14 0,-214-41 0,304 66 14,1 1 0,-1 2 1,0 2-1,-47 5 0,-3-2-1450,66-2-5390</inkml:trace>
+  <inkml:trace contextRef="#ctx0" brushRef="#br0">1 1 24575,'0'0'-8191</inkml:trace>
 </inkml:ink>
 </file>
 
@@ -593,7 +599,7 @@
           <inkml:channelProperty channel="F" name="resolution" value="0" units="1/dev"/>
         </inkml:channelProperties>
       </inkml:inkSource>
-      <inkml:timestamp xml:id="ts0" timeString="2024-09-09T08:35:28.548"/>
+      <inkml:timestamp xml:id="ts0" timeString="2024-09-10T05:13:40.752"/>
     </inkml:context>
     <inkml:brush xml:id="br0">
       <inkml:brushProperty name="width" value="0.035" units="cm"/>
@@ -601,7 +607,7 @@
       <inkml:brushProperty name="color" value="#E71224"/>
     </inkml:brush>
   </inkml:definitions>
-  <inkml:trace contextRef="#ctx0" brushRef="#br0">2954 131 24575,'-165'-14'0,"-5"1"0,142 13 0,-28-1 0,-1 3 0,-84 14 0,-64 35 0,49-16 0,-203 19 0,201-31 0,93-12 0,-120 5 0,140-12 0,0 1 0,0 2 0,-79 24 0,24-6 0,62-14 0,1 1 0,0 1 0,0 3 0,2 0 0,0 3 0,1 1 0,-33 25 0,-82 48 0,60-40 0,57-34 0,-4 2 0,2 2 0,0 0 0,-33 32 0,59-47 0,0 0 0,0 1 0,1 0 0,0 0 0,1 0 0,-1 1 0,2 0 0,0 0 0,0 0 0,1 1 0,0-1 0,0 1 0,2 0 0,-1 0 0,1 1 0,0 11 0,1 10 0,1 0 0,8 57 0,-5-73 0,1 0 0,1-1 0,1 1 0,0-1 0,1 0 0,17 30 0,11 11 0,117 171 0,-121-187 0,-12-15 0,1-2 0,1 0 0,0-1 0,31 24 0,-25-25 0,7 5 0,1-2 0,1-1 0,46 23 0,50 18 0,184 77 0,85 2 0,-272-104 0,167 29 0,-228-60 0,91-1 0,4 0 0,79 5 0,-10 0 0,401-1 0,-388-14 0,878 2 0,-1082-2 0,56-10 0,31-1 0,-64 12 0,180-13 0,19-16 0,187-30 0,122-9 0,-321 47 0,345-13 0,-298 22 0,-2 1 0,-242 9 0,69-11 0,-48 4 0,-36 5 0,-1-1 0,0-2 0,0-2 0,-1-2 0,0-1 0,-1-2 0,-1-1 0,0-1 0,37-27 0,-13 7 0,-35 23 0,-1-1 0,0-1 0,21-19 0,-38 29 0,-1 0 0,1 0 0,-1 0 0,0-1 0,-1 1 0,1-1 0,-1 0 0,-1-1 0,1 1 0,-1-1 0,0 1 0,-1-1 0,0 0 0,2-14 0,-1-44 0,-5-72 0,0 32 0,0 88 0,0 0 0,0 0 0,-2 0 0,0 1 0,-2-1 0,1 1 0,-2 0 0,0 1 0,-2 0 0,1 0 0,-2 0 0,0 1 0,-20-23 0,-9-5 0,-2 1 0,-87-68 0,27 35 0,-2 5 0,-182-91 0,-250-62 0,459 195 0,-519-161 0,309 119 0,-3 12 0,-309-22 0,29 50 0,-225 31 0,585 15 0,110-6 0,1 1 0,-90 4 0,5-2 0,-12 0 0,-49 0 0,-10 0 0,202-13 0,-68-1 0,-129 16 0,6-2 0,-9 0 0,-32 14 0,-199 58 0,434-73 25,33-8-488,-1 0-1,-30 3 1,26-6-6363</inkml:trace>
+  <inkml:trace contextRef="#ctx0" brushRef="#br0">878 107 24575,'-13'-2'0,"0"0"0,0 0 0,0-2 0,0 1 0,-24-12 0,-13-3 0,21 9 0,0 2 0,0 1 0,-1 2 0,1 1 0,-33 0 0,-16 2 0,-75 4 0,144-2 0,0 1 0,0 0 0,1 0 0,-1 1 0,1 0 0,-1 0 0,1 1 0,0 0 0,1 0 0,-1 1 0,1 0 0,-1 1 0,-11 11 0,-1 5 0,1 1 0,-30 46 0,38-53 0,3-2 0,0 0 0,1 1 0,0-1 0,1 2 0,1-1 0,0 0 0,1 1 0,1 0 0,-2 20 0,2 17 0,5 79 0,0-37 0,-2-84 0,1 0 0,0 0 0,0-1 0,1 1 0,0-1 0,0 1 0,2-1 0,-1 0 0,1 0 0,1 0 0,7 12 0,-8-17 0,0 1 0,0-1 0,0 0 0,1-1 0,0 1 0,0-1 0,0 0 0,0 0 0,1-1 0,-1 1 0,1-1 0,0 0 0,0-1 0,0 0 0,1 0 0,-1 0 0,1 0 0,-1-1 0,10 0 0,45 3 0,109-9 0,-136-1 0,-1-2 0,-1-1 0,1-2 0,-1-1 0,42-23 0,-46 23 0,2-5 0,-1-1 0,0-2 0,-1-1 0,-1-1 0,47-51 0,-67 66 0,-1-1 0,-1 1 0,1-2 0,-2 1 0,1 0 0,-1-1 0,0 0 0,0 0 0,-1 0 0,-1-1 0,0 1 0,0-1 0,1-10 0,-1-20 0,-3-76 0,-1 52 0,1 38 0,0 1 0,-1 0 0,-6-26 0,6 43 0,0-1 0,-1 1 0,1 0 0,-2 0 0,1 0 0,-1 1 0,0-1 0,-1 1 0,0 0 0,0 0 0,0 0 0,-13-10 0,12 13-77,0 1 1,0 0-1,0 0 0,0 1 0,-1 0 0,0 0 0,1 1 1,-1 0-1,0 0 0,0 0 0,1 1 0,-1 0 0,-10 1 1,13-1-214,-18 0-6536</inkml:trace>
 </inkml:ink>
 </file>
 
@@ -621,7 +627,7 @@
           <inkml:channelProperty channel="F" name="resolution" value="0" units="1/dev"/>
         </inkml:channelProperties>
       </inkml:inkSource>
-      <inkml:timestamp xml:id="ts0" timeString="2024-09-09T08:38:47.680"/>
+      <inkml:timestamp xml:id="ts0" timeString="2024-09-10T05:14:27.266"/>
     </inkml:context>
     <inkml:brush xml:id="br0">
       <inkml:brushProperty name="width" value="0.035" units="cm"/>
@@ -629,7 +635,7 @@
       <inkml:brushProperty name="color" value="#E71224"/>
     </inkml:brush>
   </inkml:definitions>
-  <inkml:trace contextRef="#ctx0" brushRef="#br0">7904 309 24575,'-12'-1'0,"1"-1"0,-1-1 0,0 0 0,1 0 0,0-1 0,0-1 0,-13-6 0,-28-11 0,3 9 0,0 2 0,-57-5 0,79 12 0,-152-16 0,121 12 0,-59 0 0,-16-2 0,-138-7 0,81 8 0,-151-7-615,-55-5 251,-277-16 364,487 30 0,-378-19 0,-340 18 0,518 11 0,52-16-93,-4 0-1,-762 14 94,704 29 800,161-7-434,46 6-366,73-7 0,103-20 0,0 1 0,1 1 0,-1 1 0,1-1 0,-1 2 0,2 0 0,-1 0 0,1 1 0,0 1 0,0 0 0,0 0 0,2 1 0,-1 0 0,1 1 0,0 0 0,1 0 0,0 1 0,-11 20 0,-4 13 0,1 1 0,3 1 0,-21 76 0,28-86 0,2 1 0,-9 66 0,-5 27 0,16-97 0,1 1 0,2 0 0,-2 44 0,9 306 0,-1-372 0,0 1 0,1 0 0,0-1 0,1 1 0,0-1 0,1 0 0,1 0 0,0 0 0,8 15 0,10 11 0,38 49 0,-10-16 0,-20-23 0,107 150 0,-103-152 0,-20-24 0,0-2 0,2 0 0,20 19 0,53 56 0,-64-66 0,0 0 0,37 29 0,136 112 0,-97-97 0,125 67 0,-215-133 0,39 24 0,0-2 0,2-3 0,1-2 0,69 21 0,5-7 0,-76-20 0,0-3 0,2-2 0,97 10 0,55 1 0,-68-11 0,16 1 0,-59-13 0,227 13 0,186 0 0,-36-3 0,169 2 0,-394-15 0,835 2 0,-799-16 0,-119 4 0,59-12 0,33-2 0,-65 13 0,38 0 0,-66 0 0,5 0 0,1225 14 0,-1343-3 0,50-9 0,-51 4 0,54 1 0,-65 5 0,0 0 0,64-12 0,155-34 0,-52-5 0,-132 32 0,88-39 0,-61 21 0,-33 10 0,-2-3 0,-1-2 0,109-77 0,-112 62 0,-2-3 0,-2-3 0,56-69 0,-14 16 0,76-53 0,-55 54 0,122-118 0,-226 210 0,-1-1 0,-1-1 0,0-1 0,-1 0 0,17-31 0,-23 35 0,-1 0 0,-1-1 0,0 1 0,-1-1 0,0 0 0,-1-1 0,-1 1 0,0 0 0,0-20 0,-2 6 0,-1-1 0,-1 1 0,-2-1 0,-9-35 0,9 48 0,-1 1 0,-1-1 0,-1 1 0,0 0 0,-1 1 0,-1 0 0,0 0 0,-21-23 0,-14-13 0,-164-172 0,160 177 0,-1 2 0,-92-60 0,45 41 0,-178-83 0,154 93 0,-2 5 0,-2 5 0,-237-46 0,27 41-335,-572-7-1,-824 55-1347,1278 33 1602,303-17 76,-131 10 2445,87-3-2440,78-10 102,76-8-836,-52 1 1,69-7-6093</inkml:trace>
+  <inkml:trace contextRef="#ctx0" brushRef="#br0">209 53 24575,'-1'5'0,"-1"0"0,0-1 0,-1 1 0,1-1 0,-1 0 0,0 1 0,0-1 0,0 0 0,-1-1 0,1 1 0,-1-1 0,-5 4 0,2 1 0,3-5 0,-21 21 0,1 1 0,-31 44 0,48-59 0,1 1 0,0-1 0,1 1 0,0 0 0,0 1 0,2-1 0,-1 1 0,1 0 0,1 0 0,0 0 0,0 12 0,1-4 0,0-1 0,2 1 0,0 0 0,1-1 0,0 1 0,2-1 0,1 0 0,0 0 0,1-1 0,1 1 0,1-1 0,16 27 0,-21-42 0,0 1 0,0-1 0,0 0 0,1 0 0,0 0 0,0-1 0,-1 0 0,1 1 0,1-1 0,-1 0 0,0-1 0,0 1 0,1-1 0,-1 0 0,1 0 0,-1 0 0,8-1 0,13 2 0,0-2 0,28-3 0,-12 0 0,87 4 0,78-4 0,-203 3 0,1-1 0,0 0 0,0 0 0,-1 0 0,1 0 0,-1-1 0,1 1 0,-1-1 0,0 0 0,1 0 0,-1 0 0,0 0 0,0-1 0,5-5 0,-3 1 0,1 0 0,-1 0 0,0-1 0,0 0 0,-1 0 0,4-9 0,-1-4 0,0 1 0,-2-1 0,0 0 0,3-35 0,-4-11 0,-8-123 0,3 184 0,0 0 0,0 0 0,-1 1 0,1-1 0,-1 1 0,-1-1 0,1 1 0,-1 0 0,0 0 0,0 0 0,0 0 0,-1 0 0,1 1 0,-1-1 0,0 1 0,-1 0 0,1 0 0,-1 1 0,0-1 0,0 1 0,0 0 0,-9-4 0,-10-3 0,-1 1 0,1 2 0,-51-10 0,24 7 0,-109-26 0,90 31-1365,48 5-5461</inkml:trace>
 </inkml:ink>
 </file>
 
@@ -649,7 +655,7 @@
           <inkml:channelProperty channel="F" name="resolution" value="0" units="1/dev"/>
         </inkml:channelProperties>
       </inkml:inkSource>
-      <inkml:timestamp xml:id="ts0" timeString="2024-09-09T08:39:29.251"/>
+      <inkml:timestamp xml:id="ts0" timeString="2024-09-10T05:40:45.318"/>
     </inkml:context>
     <inkml:brush xml:id="br0">
       <inkml:brushProperty name="width" value="0.035" units="cm"/>
@@ -657,7 +663,7 @@
       <inkml:brushProperty name="color" value="#E71224"/>
     </inkml:brush>
   </inkml:definitions>
-  <inkml:trace contextRef="#ctx0" brushRef="#br0">5133 362 24575,'-5'-3'0,"1"0"0,-1 0 0,0 1 0,0-1 0,0 1 0,-1 0 0,1 1 0,0-1 0,-1 1 0,1 0 0,-10-1 0,-14-3 0,27 5 0,-1 0 0,0 0 0,0 0 0,0 0 0,1 0 0,-1 1 0,0-1 0,0 1 0,1 0 0,-1-1 0,0 1 0,1 1 0,-1-1 0,1 0 0,-1 1 0,1-1 0,0 1 0,0 0 0,-4 3 0,-46 50 0,11-12 0,36-39 0,-1 0 0,0 0 0,0-1 0,0 0 0,0 0 0,-1-1 0,1 1 0,-1-1 0,1-1 0,-1 1 0,0-1 0,-13 0 0,-5-1 0,0-2 0,-32-4 0,-11-2 0,63 7 0,-1 1 0,0-1 0,1 0 0,-1-1 0,1 1 0,-1-1 0,1-1 0,0 1 0,0-1 0,-1 1 0,2-1 0,-8-6 0,-2-3 0,1-1 0,-19-23 0,-25-24 0,52 56 0,-1-1 0,1 2 0,-1-1 0,0 1 0,0 0 0,0 0 0,0 0 0,0 1 0,-1 0 0,-9-2 0,-16 2 0,-1 0 0,0 3 0,1 0 0,-1 2 0,-43 10 0,27-5 0,-61 2 0,-47 2 0,-4 1 0,-25 0 0,-2 0 0,-469-12 0,307-3 0,80-11 0,7-1 0,-704 15 0,939 0 0,0 2 0,0 0 0,1 2 0,-1 1 0,1 1 0,-29 11 0,23-4 0,0 0 0,2 2 0,0 2 0,0 0 0,2 2 0,0 2 0,2 0 0,0 2 0,2 1 0,1 1 0,0 1 0,2 0 0,1 2 0,2 1 0,1 1 0,-27 62 0,32-60 0,2 1 0,1 0 0,2 1 0,1 0 0,2 0 0,2 0 0,0 47 0,5-58 0,0-1 0,1 1 0,2-1 0,0 1 0,12 31 0,54 111 0,-44-109 0,29 54 0,6-3 0,4-2 0,93 114 0,-83-127 0,4-3 0,170 147 0,-103-119 0,179 108 0,-103-90-315,345 153 0,-340-195 315,4-10 0,412 91 0,-466-143-5,2-8 0,191 1 0,547-21 5,-476-7 0,2708 3 37,-2699-35-50,-313 20 11,-39 4 91,0-5 0,-1-4 0,-1-4 0,-1-4 0,-1-4 0,99-50 0,13-36-89,-183 103 0,204-150 0,-122 84 0,23-6 0,-92 66 0,-1-3 0,-1-1 0,-1-1 0,-1-2 0,51-57 0,-53 42 0,-2-1 0,-2-1 0,-1-1 0,-3-1 0,33-98 0,-48 120 0,0-1 0,-1 0 0,6-52 0,-3-1 0,-5 53 0,-1 1 0,-2-1 0,0 0 0,-2 0 0,-1 0 0,-7-49 0,3 57 0,-1 0 0,-1 1 0,0-1 0,-1 1 0,-1 1 0,-19-28 0,-78-84 0,85 105 0,-2 0 0,-1 1 0,-47-34 0,-9-6 0,35 27 0,-3 1 0,-86-46 0,66 41 0,-163-79 0,125 66 0,-640-282 0,165 129-570,536 190 562,-614-160 8,609 163 0,-818-154-1133,769 149 1099,-921-111 34,702 94 0,-52 16-313,38 4 48,-306 1 2154,395 16-1455,110-6-434,-145 6 0,265-1 0,1 1 0,-1 0 0,1 0 0,0 1 0,0 1 0,0 0 0,-13 8 0,-79 53 0,59-35 0,18-10-227,1 1-1,1 1 1,1 1-1,1 1 1,-21 32-1,27-35-6598</inkml:trace>
+  <inkml:trace contextRef="#ctx0" brushRef="#br0">540 2 24575,'-50'0'0,"17"-1"0,-54 5 0,76-3 0,1 1 0,-1 0 0,1 1 0,-1 0 0,1 1 0,0 0 0,0 1 0,1 0 0,-11 7 0,5-2 0,0 0 0,1 2 0,0 0 0,0 1 0,1 0 0,1 1 0,1 0 0,0 1 0,0 0 0,2 1 0,0 0 0,0 0 0,-6 20 0,-3 10 0,3 1 0,1 0 0,2 1 0,2 0 0,3 1 0,-3 78 0,10-116 0,0 1 0,1-1 0,1 0 0,-1 1 0,2-1 0,-1 0 0,2 0 0,-1-1 0,1 1 0,1-1 0,0 1 0,1-2 0,0 1 0,0 0 0,1-1 0,0 0 0,0-1 0,1 0 0,13 11 0,-4-4 0,1 0 0,1 0 0,1-2 0,0-1 0,31 15 0,-42-22 0,1-1 0,0 0 0,0-1 0,0 0 0,0-1 0,0 0 0,1 0 0,-1-1 0,1-1 0,-1 0 0,1 0 0,-1-1 0,1 0 0,15-4 0,-18 2 0,0-1 0,0 0 0,0 0 0,-1 0 0,0-1 0,0 0 0,0 0 0,0-1 0,-1 0 0,0 0 0,9-12 0,3-8 0,29-53 0,-20 31 0,-14 27 0,0-1 0,-1 0 0,-2 0 0,0-1 0,-1-1 0,-2 1 0,0-1 0,-1-1 0,-2 1 0,0-1 0,-1-34 0,-2-11 0,-4-91 0,3 156-45,-1-1-1,1 0 1,-1 1-1,-1-1 1,1 1-1,-1 0 1,1-1-1,-2 1 1,1 0-1,0 0 1,-1 0-1,0 0 1,0 1-1,-1-1 1,1 1-1,-1 0 1,0 0-1,0 0 1,0 0-1,-1 1 1,1-1-1,-1 1 1,0 0-1,0 1 1,0-1-1,0 1 1,0 0-1,-1 0 0,-7-1 1,-6 0-6781</inkml:trace>
 </inkml:ink>
 </file>
 
@@ -677,7 +683,7 @@
           <inkml:channelProperty channel="F" name="resolution" value="0" units="1/dev"/>
         </inkml:channelProperties>
       </inkml:inkSource>
-      <inkml:timestamp xml:id="ts0" timeString="2024-09-09T08:40:11.414"/>
+      <inkml:timestamp xml:id="ts0" timeString="2024-09-10T05:40:56.269"/>
     </inkml:context>
     <inkml:brush xml:id="br0">
       <inkml:brushProperty name="width" value="0.035" units="cm"/>
@@ -685,7 +691,7 @@
       <inkml:brushProperty name="color" value="#E71224"/>
     </inkml:brush>
   </inkml:definitions>
-  <inkml:trace contextRef="#ctx0" brushRef="#br0">3623 542 24575,'-153'-13'0,"101"6"0,-54 1 0,-1130 7 0,1158 2 0,0 3 0,1 3 0,-99 26 0,-222 79 0,336-94 0,-32 15 0,-137 70 0,164-72 0,-7 8 0,2 3 0,2 3 0,2 3 0,-73 70 0,120-100 0,1 1 0,1 0 0,1 2 0,1 0 0,1 1 0,-17 33 0,-62 161 0,84-190 0,-24 75 0,-34 173 0,55-211 0,4-1 0,3-1 0,3 1 0,6 106 0,1-44 0,-4-104 0,2 0 0,0-1 0,2 1 0,0-1 0,7 26 0,-6-38 0,-1 0 0,2 0 0,-1 0 0,1 0 0,0-1 0,1 1 0,0-1 0,0-1 0,1 1 0,0-1 0,0 0 0,1-1 0,13 10 0,42 21 0,1-3 0,2-3 0,99 33 0,-90-36 0,116 35-228,268 53-1,-198-56 91,572 103 138,-638-131 298,368 13-1,-421-47-297,327 13 0,209 27-341,3-34-138,-451-5 429,148-15 50,-209 6 0,440-51 0,-553 54 0,876-79-821,-378 47 821,-337 22 0,531-34-1245,268-32 339,149-26 940,-885 80 3774,-275 29-3808,26-4 0,0-1 0,-1-1 0,1-1 0,33-13 0,-57 16 0,1 0 0,-1-1 0,0 0 0,0 0 0,-1 0 0,0-1 0,1 0 0,-2 0 0,1 0 0,-1-1 0,8-12 0,2-8 0,22-53 0,-26 53 0,-1 0 0,-2-1 0,-1 0 0,-1 0 0,-1 0 0,1-46 0,-7-235 0,-1 292 0,-2 0 0,0 0 0,0 0 0,-2 1 0,-8-19 0,-43-77 0,18 45 0,-3 3 0,-55-66 0,-112-107 0,-23 16 0,126 126 0,-275-231 0,280 251 0,-219-122 0,177 119 0,57 29 0,-174-71 0,59 51-33,-2 9 0,-311-50 0,344 85-216,-223-3 1,-366-9-1253,556 22 1304,-1319-10-1531,1009 28 1402,-2010-3 3264,2503 0-2838,0 0 1,0 2 0,0 1 0,0 0-1,1 1 1,-1 1 0,1 1 0,0 1-1,1 0 1,-1 2 0,2 0 0,-1 1-1,-28 21 1,-91 85-1466,125-107-5461</inkml:trace>
+  <inkml:trace contextRef="#ctx0" brushRef="#br0">618 73 24575,'-23'0'0,"2"-1"0,0 1 0,0 0 0,0 2 0,1 1 0,-1 0 0,0 2 0,-22 7 0,11 2 0,0 1 0,-54 34 0,49-26 0,23-16 0,1 1 0,0 1 0,-17 15 0,-10 8 0,34-29 0,0 1 0,0 0 0,0 1 0,1 0 0,-1 0 0,1 0 0,1 0 0,-1 1 0,1-1 0,0 1 0,0 0 0,1 1 0,-1-1 0,-1 8 0,-5 17 0,3 1 0,0 0 0,2 0 0,2 0 0,0 57 0,4-62 0,2 0 0,0 0 0,2 0 0,1 0 0,1-1 0,1 0 0,1 0 0,2-1 0,19 35 0,-15-30 0,-2-5 0,0-1 0,2 0 0,17 22 0,-28-40 0,1-1 0,0 1 0,0-1 0,1 0 0,-1-1 0,1 0 0,0 1 0,0-2 0,0 1 0,1-1 0,0 0 0,-1 0 0,1-1 0,0 1 0,0-2 0,11 3 0,-7-3 0,1-1 0,-1 0 0,0 0 0,0-1 0,0 0 0,-1-1 0,1-1 0,0 1 0,17-8 0,-14 3 0,0-1 0,0 0 0,-1-1 0,0 0 0,-1-1 0,13-13 0,11-10 0,-1-1 0,-2-2 0,-2-1 0,33-50 0,-49 64 0,3-4 0,-2-1 0,0-1 0,-2 0 0,12-35 0,-18 38 0,-1-1 0,-1-1 0,3-31 0,-8 48 0,-1 0 0,0 0 0,0 0 0,-1 0 0,-1 1 0,0-1 0,0 0 0,-1 1 0,-1-1 0,0 1 0,-5-11 0,-29-56 0,-31-54 0,61 118 0,-1 0 0,0 0 0,-1 1 0,-1 1 0,0 0 0,0 0 0,-15-10 0,23 19 3,0 0-1,0 0 1,-1 1-1,1 0 1,0-1-1,0 1 1,-1 1-1,1-1 1,-1 0-1,1 1 1,-1 0-1,1-1 1,-1 2-1,1-1 1,-1 0-1,1 1 1,-1-1-1,1 1 1,0 0-1,-1 0 1,1 0-1,0 1 1,-5 2-1,-7 4-97,0 2 0,0 0 1,-20 19-1,6-6-951,12-10-5780</inkml:trace>
 </inkml:ink>
 </file>
 
@@ -705,7 +711,7 @@
           <inkml:channelProperty channel="F" name="resolution" value="0" units="1/dev"/>
         </inkml:channelProperties>
       </inkml:inkSource>
-      <inkml:timestamp xml:id="ts0" timeString="2024-09-09T08:40:30.004"/>
+      <inkml:timestamp xml:id="ts0" timeString="2024-09-10T05:40:59.114"/>
     </inkml:context>
     <inkml:brush xml:id="br0">
       <inkml:brushProperty name="width" value="0.035" units="cm"/>
@@ -713,7 +719,7 @@
       <inkml:brushProperty name="color" value="#E71224"/>
     </inkml:brush>
   </inkml:definitions>
-  <inkml:trace contextRef="#ctx0" brushRef="#br0">2161 81 24575,'-35'0'0,"-3"1"0,1-1 0,0-3 0,-58-10 0,-84-13 0,71 11 0,21 4 0,17 3 0,0 2 0,-123 8 0,63 1 0,6-5 0,-137 4 0,176 10 0,53-6 0,-56 2 0,78-9 0,-1 1 0,1 1 0,-1 0 0,1 0 0,-1 1 0,1 0 0,0 1 0,0 0 0,0 0 0,0 1 0,1 1 0,-1-1 0,1 2 0,0-1 0,1 1 0,-1 0 0,-11 12 0,-7 9 0,-4 2 0,0 2 0,3 1 0,0 1 0,2 1 0,-35 62 0,52-74 0,1 1 0,1 0 0,-5 32 0,-3 10 0,7-31 0,3 1 0,0 0 0,3 0 0,0 0 0,3 0 0,4 38 0,-4-67 0,1 1 0,-1-1 0,1 0 0,0 0 0,1 0 0,-1 0 0,1 0 0,0 0 0,1-1 0,-1 0 0,1 1 0,0-1 0,7 6 0,7 6 0,1-1 0,26 18 0,9 7 0,-15-6 0,3-3 0,1-1 0,1-2 0,87 43 0,-114-66 0,0-1 0,0-1 0,1-1 0,-1 0 0,21 1 0,26 3 0,2 1 0,1-3 0,116-6 0,-62-1 0,1002 2 0,-1092-2 0,58-10 0,-58 6 0,55-2 0,939 8 0,-460 1 0,-545-2 0,0-1 0,33-7 0,-32 4 0,0 1 0,23 0 0,149 6 0,77-5 0,-191-9 0,-52 7 0,46-4 0,38-3 0,-77 6 0,53-1 0,-67 7 0,10 0 0,0-1 0,0-1 0,49-10 0,-52 7 0,51-4 0,22-3 0,205-38 0,-261 44 0,44-1 0,-59 6 0,0-1 0,41-9 0,-43 6 0,50-3 0,24-5 0,1 1 0,-73 10 0,45-9 0,-28 4 0,0 2 0,1 2 0,85 6 0,-28-1 0,-76-1 0,0-2 0,0-1 0,52-11 0,-67 10 0,0-1 0,0 0 0,-1 0 0,0-1 0,0-1 0,21-12 0,-28 14 0,0 0 0,-1 0 0,1-1 0,-1 0 0,0 0 0,0 0 0,0 0 0,-1 0 0,0-1 0,0 0 0,0 0 0,-1 1 0,0-1 0,0-1 0,0 1 0,0-9 0,2-5 0,-2 0 0,-1 0 0,0 0 0,-1 0 0,-2-1 0,0 1 0,-6-26 0,6 35 0,-1 0 0,-1 1 0,0 0 0,0-1 0,-1 2 0,-1-1 0,1 0 0,-1 1 0,-1 0 0,0 0 0,0 1 0,-1 0 0,0 0 0,-15-11 0,-7 1 0,0 2 0,0 1 0,-2 1 0,0 2 0,0 1 0,-1 1 0,0 2 0,0 1 0,-39-2 0,31 4 0,-32-5 0,-97 0 0,-49-3 0,0 0 0,187 14 0,0-1 0,-1-2 0,-57-12 0,58 9 0,0 1 0,-1 1 0,-60 3 0,56 1 0,1-1 0,-60-9 0,-148-27 0,142 28 0,59 6 0,-45-9 0,-54-3 0,17 2 0,-122-18 0,194 25 0,-70 2 0,78 4 0,0-2 0,-73-12 0,57 5 0,0 3 0,0 2 0,-72 6 0,12 0 0,-391-3 0,492-1 0,1-1 0,-34-8 0,32 5 0,0 2 0,-24-2 0,15 4 0,1-1 0,-51-10 0,39 5 0,0 3 0,-1 1 0,-66 3 0,64 2 0,0-3 0,-88-11 0,71 4-5,0 2 0,0 3 0,-72 7-1,14-2-1338,97-2-5482</inkml:trace>
+  <inkml:trace contextRef="#ctx0" brushRef="#br0">1 2215 24575,'1'-29'0,"2"-1"0,6-28 0,-3 28 0,2-55 0,-6 36 0,3-1 0,1 2 0,21-79 0,60-138 0,-40 145 0,5 2 0,81-133 0,-117 227 0,2 2 0,1 0 0,0 1 0,2 1 0,0 1 0,1 1 0,48-30 0,1-3 0,128-94 0,-119 82 0,76-79 0,-135 117 0,-1 0 0,-1-1 0,-1-2 0,20-42 0,5-6 0,-25 42-33,-14 25-133,0 1-1,0 1 1,1-1-1,0 1 1,0-1-1,0 1 1,11-10-1,-9 13-6659</inkml:trace>
 </inkml:ink>
 </file>
 
@@ -733,7 +739,7 @@
           <inkml:channelProperty channel="F" name="resolution" value="0" units="1/dev"/>
         </inkml:channelProperties>
       </inkml:inkSource>
-      <inkml:timestamp xml:id="ts0" timeString="2024-09-09T08:40:45.247"/>
+      <inkml:timestamp xml:id="ts0" timeString="2024-09-10T05:40:59.945"/>
     </inkml:context>
     <inkml:brush xml:id="br0">
       <inkml:brushProperty name="width" value="0.035" units="cm"/>
@@ -741,7 +747,7 @@
       <inkml:brushProperty name="color" value="#E71224"/>
     </inkml:brush>
   </inkml:definitions>
-  <inkml:trace contextRef="#ctx0" brushRef="#br0">2080 288 24575,'-23'-2'0,"0"-1"0,0-1 0,1-2 0,-1 0 0,-27-12 0,6 3 0,-1 3 0,-1 3 0,-57-6 0,42 8 0,-76-17 0,77 11 0,0 4 0,-67-3 0,-2 0 0,14 0 0,-42-1 0,-38-1 0,77 12 0,-169 6 0,158 21 0,125-24 0,1 0 0,-1 0 0,0 0 0,0 1 0,1-1 0,-1 1 0,1 0 0,-1 0 0,1 0 0,0 0 0,0 1 0,0-1 0,0 1 0,0 0 0,-4 6 0,2-2 0,1 0 0,0 0 0,0 0 0,1 1 0,0 0 0,0 0 0,-2 9 0,0 10 0,1 1 0,1-1 0,2 41 0,0-48 0,2 0 0,0 0 0,2 0 0,0-1 0,11 37 0,-10-44 0,1-1 0,1-1 0,0 1 0,0-1 0,1 0 0,0 0 0,1-1 0,0 0 0,0 0 0,1-1 0,11 8 0,3 2 0,-4-1 0,1-1 0,0-1 0,2-1 0,-1-1 0,2-1 0,28 12 0,1-8 0,0-1 0,71 9 0,-59-15 0,-26-2 0,66 2 0,-73-8 0,52 11 0,-51-7 0,53 3 0,-18-5 0,71 13 0,-52-9 0,153-6 0,-102-4 0,770 3 0,-729-15 0,-73 4 0,75-16 0,-29 4 0,-65 10 0,87-26 0,-105 23 0,197-36 0,-232 46 0,43-3 0,10-1 0,-16 1 0,0 4 0,123 7 0,-64 0 0,1129-2 0,-1229-1 0,57-11 0,-56 6 0,55-2 0,-31 5 0,57-10 0,-45 4 0,-30 2 0,-1-2 0,0-1 0,0-1 0,38-20 0,-39 17 0,0-2 0,-1-1 0,-1-1 0,0-2 0,44-38 0,-73 56 0,0 0 0,-1-1 0,0 1 0,1-1 0,-1 0 0,0 0 0,0 0 0,-1 0 0,1 0 0,0 0 0,-1 0 0,0 0 0,0-1 0,0 1 0,0-1 0,-1 1 0,1 0 0,-1-1 0,0 1 0,0-1 0,0 1 0,-1-8 0,0 7 0,-1 0 0,1 0 0,-1 0 0,0 1 0,0-1 0,0 0 0,-1 1 0,1-1 0,-1 1 0,0 0 0,0 0 0,0 0 0,0 0 0,-1 0 0,1 1 0,-1-1 0,1 1 0,-5-2 0,-41-18 0,-1 1 0,-1 3 0,-1 2 0,-99-16 0,-219-8 0,335 37 0,-1310-57-717,-371 61 1434,1697-3-717,0 1 0,-35-10 0,34 7 0,-1 0 0,-25-1 0,16 4 0,1-1 0,-51-10 0,34 5 0,0 2 0,0 2 0,-87 6 0,29-1 0,-29-4 0,-144 5 0,191 9 0,54-7 0,-56 3 0,59-8 0,0 1 0,-1 1 0,-46 10 0,2-2 338,57-9-764,1 0 1,-1 1-1,-16 5 0,16-1-6400</inkml:trace>
+  <inkml:trace contextRef="#ctx0" brushRef="#br0">0 263 24575,'1'-4'0,"0"-1"0,0 0 0,0 1 0,0-1 0,1 1 0,0-1 0,0 1 0,0 0 0,0 0 0,1 0 0,-1 0 0,1 0 0,0 0 0,1 1 0,-1-1 0,0 1 0,1 0 0,5-4 0,12-8 0,0 1 0,28-13 0,-24 13 0,57-27 0,-46 24 0,37-25 0,-71 41 0,0 0 0,-1-1 0,1 1 0,0 0 0,0 0 0,0 0 0,0 0 0,0 0 0,0 1 0,1-1 0,-1 1 0,0-1 0,0 1 0,0 0 0,1-1 0,-1 1 0,0 1 0,0-1 0,1 0 0,-1 0 0,0 1 0,4 1 0,-3-1 0,-1 1 0,0 0 0,0 0 0,0 0 0,0 0 0,-1 1 0,1-1 0,0 0 0,-1 1 0,0-1 0,1 1 0,-1-1 0,0 1 0,0 0 0,-1 0 0,1-1 0,-1 1 0,1 3 0,4 36 0,-2-1 0,-2 0 0,-5 47 0,1 7 0,0-25 0,-2-1 0,-3 0 0,-4 0 0,-22 73 0,27-109 0,2 0 0,-2 33 0,-5 33 0,4-49-1365,6-28-5461</inkml:trace>
 </inkml:ink>
 </file>
 
@@ -761,7 +767,7 @@
           <inkml:channelProperty channel="F" name="resolution" value="0" units="1/dev"/>
         </inkml:channelProperties>
       </inkml:inkSource>
-      <inkml:timestamp xml:id="ts0" timeString="2024-09-09T08:44:53.413"/>
+      <inkml:timestamp xml:id="ts0" timeString="2024-09-10T05:41:01.117"/>
     </inkml:context>
     <inkml:brush xml:id="br0">
       <inkml:brushProperty name="width" value="0.035" units="cm"/>
@@ -769,7 +775,7 @@
       <inkml:brushProperty name="color" value="#E71224"/>
     </inkml:brush>
   </inkml:definitions>
-  <inkml:trace contextRef="#ctx0" brushRef="#br0">3723 773 24575,'-16'-2'0,"0"-1"0,1 0 0,-1-1 0,1-1 0,0 0 0,0-1 0,1 0 0,-26-17 0,-33-12 0,-181-45 0,25 9 0,154 46 0,0 4 0,-87-14 0,-93 3 0,78 12 0,63 10 0,-185 8 0,140 5 0,-426-3 0,550 2 0,1 1 0,0 3 0,0 0 0,1 2 0,0 2 0,-55 24 0,-93 29 0,86-32 0,28-10 0,39-13 0,-1 1 0,1 1 0,-28 16 0,35-14 0,1 1 0,0 1 0,2 1 0,-1 0 0,2 1 0,0 2 0,1-1 0,-17 26 0,16-22 0,1 1 0,1 1 0,1 0 0,2 1 0,0 0 0,1 1 0,-9 34 0,12-32 0,1 1 0,2 0 0,0 0 0,2 1 0,1 31 0,2-50 0,0 28 0,1-1 0,11 65 0,-9-89 0,1 0 0,0 0 0,0-1 0,2 0 0,-1 0 0,2 0 0,-1 0 0,2-1 0,-1 0 0,1-1 0,14 14 0,-6-8 0,97 91 0,-95-93 0,0-1 0,1 0 0,0-2 0,41 19 0,-5-8 0,0-3 0,2-2 0,0-2 0,59 7 0,285 5 0,2195-28 0,-2559-1 0,0-3 0,-1 0 0,1-3 0,46-15 0,-31 4 0,-1-3 0,57-32 0,-10 5 0,-34 19 0,107-32 0,-125 45 0,0-1 0,45-26 0,-23 10 0,242-123 0,-292 149 0,0-1 0,0-1 0,-1-1 0,-1 0 0,0-1 0,-1 0 0,27-28 0,-39 35 0,0 0 0,0 0 0,-1 0 0,0-1 0,1 1 0,-2-1 0,1 1 0,-1-1 0,1 0 0,-1 1 0,-1-1 0,1 0 0,-1 0 0,0 0 0,-1 0 0,0 1 0,1-1 0,-2 0 0,1 1 0,-4-11 0,1 6 0,-1-1 0,0 2 0,0-1 0,-1 1 0,0 0 0,0 0 0,-1 0 0,-1 1 0,1 0 0,-11-8 0,-69-58 0,33 26 0,-87-58 0,55 50 0,-167-99 0,-324-126 0,437 224 0,-3 7 0,-184-41 0,255 75 0,20 3 0,-1 2 0,0 2 0,-89-2 0,23 10 0,-94 4 0,190 0 0,1 2 0,1 0 0,-1 0 0,1 2 0,-29 14 0,-98 56 0,-114 100-48,170-111-1269,79-57-5509</inkml:trace>
+  <inkml:trace contextRef="#ctx0" brushRef="#br0">0 1256 24575,'2'-5'0,"1"0"0,-1 0 0,1 0 0,0 1 0,0-1 0,0 1 0,0 0 0,1 0 0,0 0 0,0 0 0,7-5 0,0-2 0,13-11 0,1 0 0,1 2 0,0 1 0,30-16 0,121-57 0,-129 69 0,262-97 0,-177 74 0,331-105 0,-377 124 0,16 0 0,38-13 0,224-74 0,-157 60 0,-8 1 0,354-92 0,-521 138 0,525-129 0,-425 106-1365,-114 27-5461</inkml:trace>
 </inkml:ink>
 </file>
 
@@ -801,6 +807,286 @@
 </inkml:ink>
 </file>
 
+<file path=ppt/ink/ink30.xml><?xml version="1.0" encoding="utf-8"?>
+<inkml:ink xmlns:inkml="http://www.w3.org/2003/InkML">
+  <inkml:definitions>
+    <inkml:context xml:id="ctx0">
+      <inkml:inkSource xml:id="inkSrc0">
+        <inkml:traceFormat>
+          <inkml:channel name="X" type="integer" min="-2.14748E9" max="2.14748E9" units="cm"/>
+          <inkml:channel name="Y" type="integer" min="-2.14748E9" max="2.14748E9" units="cm"/>
+          <inkml:channel name="F" type="integer" max="32767" units="dev"/>
+        </inkml:traceFormat>
+        <inkml:channelProperties>
+          <inkml:channelProperty channel="X" name="resolution" value="1000" units="1/cm"/>
+          <inkml:channelProperty channel="Y" name="resolution" value="1000" units="1/cm"/>
+          <inkml:channelProperty channel="F" name="resolution" value="0" units="1/dev"/>
+        </inkml:channelProperties>
+      </inkml:inkSource>
+      <inkml:timestamp xml:id="ts0" timeString="2024-09-10T05:41:01.883"/>
+    </inkml:context>
+    <inkml:brush xml:id="br0">
+      <inkml:brushProperty name="width" value="0.035" units="cm"/>
+      <inkml:brushProperty name="height" value="0.035" units="cm"/>
+      <inkml:brushProperty name="color" value="#E71224"/>
+    </inkml:brush>
+  </inkml:definitions>
+  <inkml:trace contextRef="#ctx0" brushRef="#br0">1 1 24575,'18'2'0,"0"1"0,-1 0 0,1 1 0,-1 2 0,1-1 0,-2 2 0,1 0 0,21 14 0,41 15 0,-69-33 0,-1 1 0,1 0 0,-1 0 0,-1 1 0,1 0 0,0 1 0,-1 0 0,0 0 0,7 9 0,-10-10 0,-1 1 0,-1-1 0,1 1 0,-1 0 0,0 0 0,0 0 0,-1 1 0,0-1 0,0 1 0,-1-1 0,1 1 0,-1-1 0,-1 1 0,1 10 0,0 38 0,-2 0 0,-2-1 0,-2 1 0,-3-1 0,-3-1 0,-20 66 0,-160 385 0,148-397 0,-8 25-1365,43-113-5461</inkml:trace>
+</inkml:ink>
+</file>
+
+<file path=ppt/ink/ink31.xml><?xml version="1.0" encoding="utf-8"?>
+<inkml:ink xmlns:inkml="http://www.w3.org/2003/InkML">
+  <inkml:definitions>
+    <inkml:context xml:id="ctx0">
+      <inkml:inkSource xml:id="inkSrc0">
+        <inkml:traceFormat>
+          <inkml:channel name="X" type="integer" min="-2.14748E9" max="2.14748E9" units="cm"/>
+          <inkml:channel name="Y" type="integer" min="-2.14748E9" max="2.14748E9" units="cm"/>
+          <inkml:channel name="F" type="integer" max="32767" units="dev"/>
+        </inkml:traceFormat>
+        <inkml:channelProperties>
+          <inkml:channelProperty channel="X" name="resolution" value="1000" units="1/cm"/>
+          <inkml:channelProperty channel="Y" name="resolution" value="1000" units="1/cm"/>
+          <inkml:channelProperty channel="F" name="resolution" value="0" units="1/dev"/>
+        </inkml:channelProperties>
+      </inkml:inkSource>
+      <inkml:timestamp xml:id="ts0" timeString="2024-09-09T08:22:32.312"/>
+    </inkml:context>
+    <inkml:brush xml:id="br0">
+      <inkml:brushProperty name="width" value="0.035" units="cm"/>
+      <inkml:brushProperty name="height" value="0.035" units="cm"/>
+      <inkml:brushProperty name="color" value="#E71224"/>
+    </inkml:brush>
+  </inkml:definitions>
+  <inkml:trace contextRef="#ctx0" brushRef="#br0">2491 1 24575,'-126'2'0,"102"-2"0,0 2 0,-42 8 0,-31 2 0,-23-4 0,-138 28 0,150-18 0,-191 29 0,-310 45 0,149-36 0,423-53 0,1 2 0,0 1 0,-53 16 0,84-20 0,1 0 0,0 0 0,0 0 0,0 1 0,0-1 0,1 1 0,-1 0 0,1 0 0,-1 0 0,1 1 0,0-1 0,1 1 0,-1 0 0,0 0 0,1 0 0,0 0 0,0 0 0,0 0 0,-2 9 0,0 5 0,0 1 0,1 0 0,-1 31 0,-2 17 0,1-49 0,1 0 0,2 0 0,0 0 0,0 0 0,2 0 0,0 0 0,1 1 0,1-1 0,1 0 0,0 0 0,2-1 0,0 1 0,10 23 0,3-7 0,3-2 0,0 0 0,2-1 0,1-1 0,2-1 0,40 34 0,-60-56 0,3 1 0,1-1 0,0 0 0,0 0 0,0-1 0,1 0 0,0 0 0,0-2 0,17 6 0,-8-4 0,0-1 0,1-1 0,-1 0 0,23-1 0,120 9 0,66 1 0,2173-14 0,-2234 15 0,-1-1 0,0 0 0,4 0 0,134 2 0,311-2 0,-378-16 0,-5 5 0,252-5 0,-217-24 0,-110 3 0,-105 14 0,93-7 0,-121 15 0,1-2 0,-1-1 0,0-1 0,-1-1 0,36-15 0,15-4 0,-49 18 0,-1-1 0,0-1 0,-1-1 0,0-2 0,0 0 0,-2-1 0,1-2 0,31-28 0,-49 37 0,1 1 0,-1-2 0,0 1 0,-1-1 0,0 1 0,0-1 0,-1-1 0,0 1 0,0 0 0,1-9 0,0 2 0,-1 0 0,-1-1 0,-1 1 0,-1-30 0,-2 29 0,0 0 0,-2 0 0,0 1 0,0 0 0,-2 0 0,0 0 0,-15-28 0,-7-1 0,-35-45 0,37 58 0,-1 1 0,-1 1 0,-1 2 0,-1 1 0,-48-32 0,10 15 0,-125-59 0,136 81 0,-1 2 0,-1 2 0,0 4 0,-87-10 0,105 17 0,-88-7 0,0 6 0,-130 9 0,70 1 0,-89-5 0,-287 5 0,411 9 0,-48 2 0,40-1 0,-4 0 0,-1105-14 0,1255 0 34,0-1-1,0 0 0,-20-6 0,-34-5-1531,50 12-5328</inkml:trace>
+</inkml:ink>
+</file>
+
+<file path=ppt/ink/ink32.xml><?xml version="1.0" encoding="utf-8"?>
+<inkml:ink xmlns:inkml="http://www.w3.org/2003/InkML">
+  <inkml:definitions>
+    <inkml:context xml:id="ctx0">
+      <inkml:inkSource xml:id="inkSrc0">
+        <inkml:traceFormat>
+          <inkml:channel name="X" type="integer" min="-2.14748E9" max="2.14748E9" units="cm"/>
+          <inkml:channel name="Y" type="integer" min="-2.14748E9" max="2.14748E9" units="cm"/>
+          <inkml:channel name="F" type="integer" max="32767" units="dev"/>
+        </inkml:traceFormat>
+        <inkml:channelProperties>
+          <inkml:channelProperty channel="X" name="resolution" value="1000" units="1/cm"/>
+          <inkml:channelProperty channel="Y" name="resolution" value="1000" units="1/cm"/>
+          <inkml:channelProperty channel="F" name="resolution" value="0" units="1/dev"/>
+        </inkml:channelProperties>
+      </inkml:inkSource>
+      <inkml:timestamp xml:id="ts0" timeString="2024-09-09T08:21:38.849"/>
+    </inkml:context>
+    <inkml:brush xml:id="br0">
+      <inkml:brushProperty name="width" value="0.035" units="cm"/>
+      <inkml:brushProperty name="height" value="0.035" units="cm"/>
+      <inkml:brushProperty name="color" value="#E71224"/>
+    </inkml:brush>
+  </inkml:definitions>
+  <inkml:trace contextRef="#ctx0" brushRef="#br0">4974 439 24575,'-1'-1'0,"1"0"0,0 0 0,0 0 0,-1 1 0,1-1 0,0 0 0,-1 0 0,1 0 0,-1 1 0,1-1 0,-1 0 0,1 1 0,-1-1 0,0 0 0,1 1 0,-1-1 0,0 1 0,1-1 0,-1 1 0,0-1 0,0 1 0,0 0 0,1-1 0,-2 1 0,-27-9 0,17 6 0,-196-61-299,-329-56 0,-226 15 83,621 88 216,-482-51 0,238 43-68,212 14 480,-213 13-1,280 10-396,0 5 0,2 4 0,-125 42-1,127-28-14,-129 64 0,130-53 0,-25 20 0,84-41 0,-67 28 0,-52 15 0,146-61 0,1 0 0,0 0 0,0 2 0,0 0 0,1 0 0,1 2 0,0-1 0,0 2 0,1 0 0,0 0 0,1 1 0,1 0 0,0 1 0,1 1 0,0-1 0,1 1 0,1 0 0,0 1 0,1 0 0,1 0 0,1 1 0,-5 30 0,2 2 0,1-14 0,2 1 0,1 42 0,3-65 0,2 1 0,-1-1 0,2 1 0,0-1 0,0 0 0,2 0 0,-1 0 0,2 0 0,8 15 0,21 27 0,2-2 0,3-2 0,1-1 0,3-2 0,68 57 0,151 113 0,93 32 0,-326-230 0,20 15 0,2-1 0,99 46 0,-52-44 0,204 44 0,-81-26 0,55 7 0,-249-55 0,0-1 0,41 1 0,-38-4 0,53 10 0,-39-5 0,0-2 0,0-1 0,0-3 0,47-5 0,11 1 0,830 3 0,-900-1 0,55-11 0,14 0 0,-55 7 0,-1-1 0,46-13 0,31-5 0,-65 13 0,91-30 0,-101 26 0,1-2 0,0-2 0,85-49 0,-99 49 0,16-8 0,-2-2 0,69-52 0,-102 68 0,-2 0 0,0-1 0,0-1 0,-1 0 0,-1-1 0,-1 0 0,0-1 0,-1 0 0,-1-1 0,0 0 0,5-20 0,-3-1 0,-3 0 0,-1 0 0,-2-1 0,-1 1 0,-5-80 0,1 99 0,0-4 0,-6-107 0,4 114 0,-1 0 0,-1 0 0,-1 1 0,0 0 0,-14-28 0,-3 5 0,-3 1 0,-1 2 0,-2 0 0,-40-39 0,47 54 0,-2 1 0,-29-20 0,9 8 0,0 0 0,-1 2 0,-2 2 0,-82-37 0,-159-41 0,160 72-1365,104 30-5461</inkml:trace>
+</inkml:ink>
+</file>
+
+<file path=ppt/ink/ink33.xml><?xml version="1.0" encoding="utf-8"?>
+<inkml:ink xmlns:inkml="http://www.w3.org/2003/InkML">
+  <inkml:definitions>
+    <inkml:context xml:id="ctx0">
+      <inkml:inkSource xml:id="inkSrc0">
+        <inkml:traceFormat>
+          <inkml:channel name="X" type="integer" min="-2.14748E9" max="2.14748E9" units="cm"/>
+          <inkml:channel name="Y" type="integer" min="-2.14748E9" max="2.14748E9" units="cm"/>
+          <inkml:channel name="F" type="integer" max="32767" units="dev"/>
+        </inkml:traceFormat>
+        <inkml:channelProperties>
+          <inkml:channelProperty channel="X" name="resolution" value="1000" units="1/cm"/>
+          <inkml:channelProperty channel="Y" name="resolution" value="1000" units="1/cm"/>
+          <inkml:channelProperty channel="F" name="resolution" value="0" units="1/dev"/>
+        </inkml:channelProperties>
+      </inkml:inkSource>
+      <inkml:timestamp xml:id="ts0" timeString="2024-09-09T08:34:13.866"/>
+    </inkml:context>
+    <inkml:brush xml:id="br0">
+      <inkml:brushProperty name="width" value="0.035" units="cm"/>
+      <inkml:brushProperty name="height" value="0.035" units="cm"/>
+      <inkml:brushProperty name="color" value="#E71224"/>
+    </inkml:brush>
+  </inkml:definitions>
+  <inkml:trace contextRef="#ctx0" brushRef="#br0">2517 363 24575,'-11'-1'0,"0"-1"0,0 1 0,0-2 0,-11-3 0,-39-6 0,-33-2 0,67 9 0,0 1 0,-32-1 0,18 5 0,-21-2 0,-1 4 0,-106 15 0,113-7 0,-93 24 0,-31 15 0,16 5 0,-114 46 0,2 42 0,251-129 0,-111 60 0,-139 79 0,226-125 0,26-15 0,0 1 0,1 1 0,1 1 0,-27 25 0,13-9 0,28-26 0,-1 1 0,2-1 0,-1 2 0,1-1 0,-1 0 0,2 1 0,-1 0 0,1 1 0,0-1 0,1 1 0,0 0 0,0 0 0,-4 13 0,6-14 0,1 0 0,0 0 0,0 0 0,1 0 0,0 0 0,0 1 0,0-1 0,1 0 0,0 0 0,1 0 0,-1 0 0,1 0 0,6 13 0,-1-8 0,0-1 0,1 0 0,0 0 0,1 0 0,0-1 0,16 14 0,24 20 0,2-3 0,2-2 0,2-2 0,1-2 0,2-3 0,106 43 0,112 23 0,-170-70 0,0-5 0,133 12 0,234-11 0,-158-22 0,254-5 0,-417-9 0,26-1 0,-44 0 0,-3 0 0,15-4 0,-79 8 0,-13-1 0,70-21 0,-71 17 0,-39 9 0,0 0 0,-1 0 0,0-2 0,0 1 0,-1-2 0,1 0 0,-2 0 0,1-1 0,-1 0 0,-1-1 0,1-1 0,-2 1 0,1-1 0,-2-1 0,8-13 0,-2 3 0,-1-2 0,-2 1 0,0-2 0,-2 0 0,0 0 0,-2 0 0,6-38 0,-8 16 0,-3 0 0,-3-60 0,-1 25 0,1 69 0,0-1 0,-1 1 0,0 0 0,-1 0 0,-1 0 0,0 0 0,0 1 0,-2-1 0,1 1 0,-14-19 0,-6-7 0,-56-61 0,49 62 0,9 13 0,-1 2 0,-1 0 0,-53-34 0,17 13 0,-37-27 0,-3 5 0,-3 4 0,-112-47 0,62 43 0,-261-72 0,395 131 0,-238-58 0,204 54 0,0 2 0,-103 0 0,128 6 0,0 0 0,-30-7 0,28 4 0,-49-2 0,66 7-81,-4-2-36,0 2 0,1 0 1,-1 1-1,0 0 0,1 2 1,-1 0-1,1 1 0,0 1 0,0 0 1,-17 9-1,20-6-6709</inkml:trace>
+</inkml:ink>
+</file>
+
+<file path=ppt/ink/ink34.xml><?xml version="1.0" encoding="utf-8"?>
+<inkml:ink xmlns:inkml="http://www.w3.org/2003/InkML">
+  <inkml:definitions>
+    <inkml:context xml:id="ctx0">
+      <inkml:inkSource xml:id="inkSrc0">
+        <inkml:traceFormat>
+          <inkml:channel name="X" type="integer" min="-2.14748E9" max="2.14748E9" units="cm"/>
+          <inkml:channel name="Y" type="integer" min="-2.14748E9" max="2.14748E9" units="cm"/>
+          <inkml:channel name="F" type="integer" max="32767" units="dev"/>
+        </inkml:traceFormat>
+        <inkml:channelProperties>
+          <inkml:channelProperty channel="X" name="resolution" value="1000" units="1/cm"/>
+          <inkml:channelProperty channel="Y" name="resolution" value="1000" units="1/cm"/>
+          <inkml:channelProperty channel="F" name="resolution" value="0" units="1/dev"/>
+        </inkml:channelProperties>
+      </inkml:inkSource>
+      <inkml:timestamp xml:id="ts0" timeString="2024-09-09T08:34:15.499"/>
+    </inkml:context>
+    <inkml:brush xml:id="br0">
+      <inkml:brushProperty name="width" value="0.035" units="cm"/>
+      <inkml:brushProperty name="height" value="0.035" units="cm"/>
+      <inkml:brushProperty name="color" value="#E71224"/>
+    </inkml:brush>
+  </inkml:definitions>
+  <inkml:trace contextRef="#ctx0" brushRef="#br0">2054 185 24575,'-7'-4'0,"-1"0"0,1 0 0,-1 1 0,0 0 0,0 0 0,0 1 0,0 0 0,0 0 0,0 1 0,-1 0 0,-11 0 0,-26-5 0,6-1 0,-71-3 0,-23-3 0,23 2 0,80 9 0,0 0 0,-37-9 0,24 4 0,0 2 0,-1 1 0,1 3 0,-52 5 0,-7-1 0,17-4 0,13-1 0,1 4 0,-105 15 0,129-9 0,16-4 0,1 2 0,-1 2 0,-57 21 0,68-20 0,1 0 0,0 0 0,1 2 0,0 1 0,1 0 0,0 1 0,1 1 0,0 1 0,1 0 0,-19 25 0,20-21 0,1 1 0,2 1 0,0 0 0,0 0 0,2 2 0,1-1 0,1 1 0,1 0 0,-8 43 0,5-3 0,2 0 0,1 68 0,8-112 0,0 0 0,1 0 0,1-1 0,1 1 0,1-1 0,12 32 0,-2-17 0,1-1 0,34 49 0,-8-22 2,2-3 0,3-1 0,3-2 0,108 89 0,-81-83-33,2-4-1,3-3 0,103 49 1,34-6-628,3-8 1,412 100-1,382 9-143,-927-183 1115,90 10 1259,-148-21-1320,-1-2 0,1 0 1,54-9-1,-71 5-252,0 1 0,0-1 0,-1-1 0,1-1 0,-1 0 0,0 0 0,20-15 0,-1-3 0,42-40 0,-51 42 0,2-5 0,-2-1 0,-1-1 0,-1-1 0,-1-1 0,-2-1 0,18-41 0,-12 25 0,14-28 0,-4-1 0,36-117 0,-55 141 0,-3-1 0,-2 0 0,-2-1 0,1-99 0,-8 35 0,-4-93 0,1 200 0,-1 0 0,0 0 0,0 1 0,-1-1 0,0 1 0,-1 0 0,-1 0 0,0 0 0,0 1 0,-1-1 0,0 2 0,-1-1 0,0 1 0,-1 0 0,-17-14 0,-12-6 0,-1 1 0,-72-38 0,72 44 0,-73-36 0,-187-68 0,-214-59 0,462 166 0,-1 2 0,-76-14 0,-214-41 0,304 66 14,1 1 0,-1 2 1,0 2-1,-47 5 0,-3-2-1450,66-2-5390</inkml:trace>
+</inkml:ink>
+</file>
+
+<file path=ppt/ink/ink35.xml><?xml version="1.0" encoding="utf-8"?>
+<inkml:ink xmlns:inkml="http://www.w3.org/2003/InkML">
+  <inkml:definitions>
+    <inkml:context xml:id="ctx0">
+      <inkml:inkSource xml:id="inkSrc0">
+        <inkml:traceFormat>
+          <inkml:channel name="X" type="integer" min="-2.14748E9" max="2.14748E9" units="cm"/>
+          <inkml:channel name="Y" type="integer" min="-2.14748E9" max="2.14748E9" units="cm"/>
+          <inkml:channel name="F" type="integer" max="32767" units="dev"/>
+        </inkml:traceFormat>
+        <inkml:channelProperties>
+          <inkml:channelProperty channel="X" name="resolution" value="1000" units="1/cm"/>
+          <inkml:channelProperty channel="Y" name="resolution" value="1000" units="1/cm"/>
+          <inkml:channelProperty channel="F" name="resolution" value="0" units="1/dev"/>
+        </inkml:channelProperties>
+      </inkml:inkSource>
+      <inkml:timestamp xml:id="ts0" timeString="2024-09-09T08:35:28.548"/>
+    </inkml:context>
+    <inkml:brush xml:id="br0">
+      <inkml:brushProperty name="width" value="0.035" units="cm"/>
+      <inkml:brushProperty name="height" value="0.035" units="cm"/>
+      <inkml:brushProperty name="color" value="#E71224"/>
+    </inkml:brush>
+  </inkml:definitions>
+  <inkml:trace contextRef="#ctx0" brushRef="#br0">2954 131 24575,'-165'-14'0,"-5"1"0,142 13 0,-28-1 0,-1 3 0,-84 14 0,-64 35 0,49-16 0,-203 19 0,201-31 0,93-12 0,-120 5 0,140-12 0,0 1 0,0 2 0,-79 24 0,24-6 0,62-14 0,1 1 0,0 1 0,0 3 0,2 0 0,0 3 0,1 1 0,-33 25 0,-82 48 0,60-40 0,57-34 0,-4 2 0,2 2 0,0 0 0,-33 32 0,59-47 0,0 0 0,0 1 0,1 0 0,0 0 0,1 0 0,-1 1 0,2 0 0,0 0 0,0 0 0,1 1 0,0-1 0,0 1 0,2 0 0,-1 0 0,1 1 0,0 11 0,1 10 0,1 0 0,8 57 0,-5-73 0,1 0 0,1-1 0,1 1 0,0-1 0,1 0 0,17 30 0,11 11 0,117 171 0,-121-187 0,-12-15 0,1-2 0,1 0 0,0-1 0,31 24 0,-25-25 0,7 5 0,1-2 0,1-1 0,46 23 0,50 18 0,184 77 0,85 2 0,-272-104 0,167 29 0,-228-60 0,91-1 0,4 0 0,79 5 0,-10 0 0,401-1 0,-388-14 0,878 2 0,-1082-2 0,56-10 0,31-1 0,-64 12 0,180-13 0,19-16 0,187-30 0,122-9 0,-321 47 0,345-13 0,-298 22 0,-2 1 0,-242 9 0,69-11 0,-48 4 0,-36 5 0,-1-1 0,0-2 0,0-2 0,-1-2 0,0-1 0,-1-2 0,-1-1 0,0-1 0,37-27 0,-13 7 0,-35 23 0,-1-1 0,0-1 0,21-19 0,-38 29 0,-1 0 0,1 0 0,-1 0 0,0-1 0,-1 1 0,1-1 0,-1 0 0,-1-1 0,1 1 0,-1-1 0,0 1 0,-1-1 0,0 0 0,2-14 0,-1-44 0,-5-72 0,0 32 0,0 88 0,0 0 0,0 0 0,-2 0 0,0 1 0,-2-1 0,1 1 0,-2 0 0,0 1 0,-2 0 0,1 0 0,-2 0 0,0 1 0,-20-23 0,-9-5 0,-2 1 0,-87-68 0,27 35 0,-2 5 0,-182-91 0,-250-62 0,459 195 0,-519-161 0,309 119 0,-3 12 0,-309-22 0,29 50 0,-225 31 0,585 15 0,110-6 0,1 1 0,-90 4 0,5-2 0,-12 0 0,-49 0 0,-10 0 0,202-13 0,-68-1 0,-129 16 0,6-2 0,-9 0 0,-32 14 0,-199 58 0,434-73 25,33-8-488,-1 0-1,-30 3 1,26-6-6363</inkml:trace>
+</inkml:ink>
+</file>
+
+<file path=ppt/ink/ink36.xml><?xml version="1.0" encoding="utf-8"?>
+<inkml:ink xmlns:inkml="http://www.w3.org/2003/InkML">
+  <inkml:definitions>
+    <inkml:context xml:id="ctx0">
+      <inkml:inkSource xml:id="inkSrc0">
+        <inkml:traceFormat>
+          <inkml:channel name="X" type="integer" min="-2.14748E9" max="2.14748E9" units="cm"/>
+          <inkml:channel name="Y" type="integer" min="-2.14748E9" max="2.14748E9" units="cm"/>
+          <inkml:channel name="F" type="integer" max="32767" units="dev"/>
+        </inkml:traceFormat>
+        <inkml:channelProperties>
+          <inkml:channelProperty channel="X" name="resolution" value="1000" units="1/cm"/>
+          <inkml:channelProperty channel="Y" name="resolution" value="1000" units="1/cm"/>
+          <inkml:channelProperty channel="F" name="resolution" value="0" units="1/dev"/>
+        </inkml:channelProperties>
+      </inkml:inkSource>
+      <inkml:timestamp xml:id="ts0" timeString="2024-09-09T08:38:47.680"/>
+    </inkml:context>
+    <inkml:brush xml:id="br0">
+      <inkml:brushProperty name="width" value="0.035" units="cm"/>
+      <inkml:brushProperty name="height" value="0.035" units="cm"/>
+      <inkml:brushProperty name="color" value="#E71224"/>
+    </inkml:brush>
+  </inkml:definitions>
+  <inkml:trace contextRef="#ctx0" brushRef="#br0">7904 309 24575,'-12'-1'0,"1"-1"0,-1-1 0,0 0 0,1 0 0,0-1 0,0-1 0,-13-6 0,-28-11 0,3 9 0,0 2 0,-57-5 0,79 12 0,-152-16 0,121 12 0,-59 0 0,-16-2 0,-138-7 0,81 8 0,-151-7-615,-55-5 251,-277-16 364,487 30 0,-378-19 0,-340 18 0,518 11 0,52-16-93,-4 0-1,-762 14 94,704 29 800,161-7-434,46 6-366,73-7 0,103-20 0,0 1 0,1 1 0,-1 1 0,1-1 0,-1 2 0,2 0 0,-1 0 0,1 1 0,0 1 0,0 0 0,0 0 0,2 1 0,-1 0 0,1 1 0,0 0 0,1 0 0,0 1 0,-11 20 0,-4 13 0,1 1 0,3 1 0,-21 76 0,28-86 0,2 1 0,-9 66 0,-5 27 0,16-97 0,1 1 0,2 0 0,-2 44 0,9 306 0,-1-372 0,0 1 0,1 0 0,0-1 0,1 1 0,0-1 0,1 0 0,1 0 0,0 0 0,8 15 0,10 11 0,38 49 0,-10-16 0,-20-23 0,107 150 0,-103-152 0,-20-24 0,0-2 0,2 0 0,20 19 0,53 56 0,-64-66 0,0 0 0,37 29 0,136 112 0,-97-97 0,125 67 0,-215-133 0,39 24 0,0-2 0,2-3 0,1-2 0,69 21 0,5-7 0,-76-20 0,0-3 0,2-2 0,97 10 0,55 1 0,-68-11 0,16 1 0,-59-13 0,227 13 0,186 0 0,-36-3 0,169 2 0,-394-15 0,835 2 0,-799-16 0,-119 4 0,59-12 0,33-2 0,-65 13 0,38 0 0,-66 0 0,5 0 0,1225 14 0,-1343-3 0,50-9 0,-51 4 0,54 1 0,-65 5 0,0 0 0,64-12 0,155-34 0,-52-5 0,-132 32 0,88-39 0,-61 21 0,-33 10 0,-2-3 0,-1-2 0,109-77 0,-112 62 0,-2-3 0,-2-3 0,56-69 0,-14 16 0,76-53 0,-55 54 0,122-118 0,-226 210 0,-1-1 0,-1-1 0,0-1 0,-1 0 0,17-31 0,-23 35 0,-1 0 0,-1-1 0,0 1 0,-1-1 0,0 0 0,-1-1 0,-1 1 0,0 0 0,0-20 0,-2 6 0,-1-1 0,-1 1 0,-2-1 0,-9-35 0,9 48 0,-1 1 0,-1-1 0,-1 1 0,0 0 0,-1 1 0,-1 0 0,0 0 0,-21-23 0,-14-13 0,-164-172 0,160 177 0,-1 2 0,-92-60 0,45 41 0,-178-83 0,154 93 0,-2 5 0,-2 5 0,-237-46 0,27 41-335,-572-7-1,-824 55-1347,1278 33 1602,303-17 76,-131 10 2445,87-3-2440,78-10 102,76-8-836,-52 1 1,69-7-6093</inkml:trace>
+</inkml:ink>
+</file>
+
+<file path=ppt/ink/ink37.xml><?xml version="1.0" encoding="utf-8"?>
+<inkml:ink xmlns:inkml="http://www.w3.org/2003/InkML">
+  <inkml:definitions>
+    <inkml:context xml:id="ctx0">
+      <inkml:inkSource xml:id="inkSrc0">
+        <inkml:traceFormat>
+          <inkml:channel name="X" type="integer" min="-2.14748E9" max="2.14748E9" units="cm"/>
+          <inkml:channel name="Y" type="integer" min="-2.14748E9" max="2.14748E9" units="cm"/>
+          <inkml:channel name="F" type="integer" max="32767" units="dev"/>
+        </inkml:traceFormat>
+        <inkml:channelProperties>
+          <inkml:channelProperty channel="X" name="resolution" value="1000" units="1/cm"/>
+          <inkml:channelProperty channel="Y" name="resolution" value="1000" units="1/cm"/>
+          <inkml:channelProperty channel="F" name="resolution" value="0" units="1/dev"/>
+        </inkml:channelProperties>
+      </inkml:inkSource>
+      <inkml:timestamp xml:id="ts0" timeString="2024-09-09T08:39:29.251"/>
+    </inkml:context>
+    <inkml:brush xml:id="br0">
+      <inkml:brushProperty name="width" value="0.035" units="cm"/>
+      <inkml:brushProperty name="height" value="0.035" units="cm"/>
+      <inkml:brushProperty name="color" value="#E71224"/>
+    </inkml:brush>
+  </inkml:definitions>
+  <inkml:trace contextRef="#ctx0" brushRef="#br0">5133 362 24575,'-5'-3'0,"1"0"0,-1 0 0,0 1 0,0-1 0,0 1 0,-1 0 0,1 1 0,0-1 0,-1 1 0,1 0 0,-10-1 0,-14-3 0,27 5 0,-1 0 0,0 0 0,0 0 0,0 0 0,1 0 0,-1 1 0,0-1 0,0 1 0,1 0 0,-1-1 0,0 1 0,1 1 0,-1-1 0,1 0 0,-1 1 0,1-1 0,0 1 0,0 0 0,-4 3 0,-46 50 0,11-12 0,36-39 0,-1 0 0,0 0 0,0-1 0,0 0 0,0 0 0,-1-1 0,1 1 0,-1-1 0,1-1 0,-1 1 0,0-1 0,-13 0 0,-5-1 0,0-2 0,-32-4 0,-11-2 0,63 7 0,-1 1 0,0-1 0,1 0 0,-1-1 0,1 1 0,-1-1 0,1-1 0,0 1 0,0-1 0,-1 1 0,2-1 0,-8-6 0,-2-3 0,1-1 0,-19-23 0,-25-24 0,52 56 0,-1-1 0,1 2 0,-1-1 0,0 1 0,0 0 0,0 0 0,0 0 0,0 1 0,-1 0 0,-9-2 0,-16 2 0,-1 0 0,0 3 0,1 0 0,-1 2 0,-43 10 0,27-5 0,-61 2 0,-47 2 0,-4 1 0,-25 0 0,-2 0 0,-469-12 0,307-3 0,80-11 0,7-1 0,-704 15 0,939 0 0,0 2 0,0 0 0,1 2 0,-1 1 0,1 1 0,-29 11 0,23-4 0,0 0 0,2 2 0,0 2 0,0 0 0,2 2 0,0 2 0,2 0 0,0 2 0,2 1 0,1 1 0,0 1 0,2 0 0,1 2 0,2 1 0,1 1 0,-27 62 0,32-60 0,2 1 0,1 0 0,2 1 0,1 0 0,2 0 0,2 0 0,0 47 0,5-58 0,0-1 0,1 1 0,2-1 0,0 1 0,12 31 0,54 111 0,-44-109 0,29 54 0,6-3 0,4-2 0,93 114 0,-83-127 0,4-3 0,170 147 0,-103-119 0,179 108 0,-103-90-315,345 153 0,-340-195 315,4-10 0,412 91 0,-466-143-5,2-8 0,191 1 0,547-21 5,-476-7 0,2708 3 37,-2699-35-50,-313 20 11,-39 4 91,0-5 0,-1-4 0,-1-4 0,-1-4 0,-1-4 0,99-50 0,13-36-89,-183 103 0,204-150 0,-122 84 0,23-6 0,-92 66 0,-1-3 0,-1-1 0,-1-1 0,-1-2 0,51-57 0,-53 42 0,-2-1 0,-2-1 0,-1-1 0,-3-1 0,33-98 0,-48 120 0,0-1 0,-1 0 0,6-52 0,-3-1 0,-5 53 0,-1 1 0,-2-1 0,0 0 0,-2 0 0,-1 0 0,-7-49 0,3 57 0,-1 0 0,-1 1 0,0-1 0,-1 1 0,-1 1 0,-19-28 0,-78-84 0,85 105 0,-2 0 0,-1 1 0,-47-34 0,-9-6 0,35 27 0,-3 1 0,-86-46 0,66 41 0,-163-79 0,125 66 0,-640-282 0,165 129-570,536 190 562,-614-160 8,609 163 0,-818-154-1133,769 149 1099,-921-111 34,702 94 0,-52 16-313,38 4 48,-306 1 2154,395 16-1455,110-6-434,-145 6 0,265-1 0,1 1 0,-1 0 0,1 0 0,0 1 0,0 1 0,0 0 0,-13 8 0,-79 53 0,59-35 0,18-10-227,1 1-1,1 1 1,1 1-1,1 1 1,-21 32-1,27-35-6598</inkml:trace>
+</inkml:ink>
+</file>
+
+<file path=ppt/ink/ink38.xml><?xml version="1.0" encoding="utf-8"?>
+<inkml:ink xmlns:inkml="http://www.w3.org/2003/InkML">
+  <inkml:definitions>
+    <inkml:context xml:id="ctx0">
+      <inkml:inkSource xml:id="inkSrc0">
+        <inkml:traceFormat>
+          <inkml:channel name="X" type="integer" min="-2.14748E9" max="2.14748E9" units="cm"/>
+          <inkml:channel name="Y" type="integer" min="-2.14748E9" max="2.14748E9" units="cm"/>
+          <inkml:channel name="F" type="integer" max="32767" units="dev"/>
+        </inkml:traceFormat>
+        <inkml:channelProperties>
+          <inkml:channelProperty channel="X" name="resolution" value="1000" units="1/cm"/>
+          <inkml:channelProperty channel="Y" name="resolution" value="1000" units="1/cm"/>
+          <inkml:channelProperty channel="F" name="resolution" value="0" units="1/dev"/>
+        </inkml:channelProperties>
+      </inkml:inkSource>
+      <inkml:timestamp xml:id="ts0" timeString="2024-09-09T08:40:11.414"/>
+    </inkml:context>
+    <inkml:brush xml:id="br0">
+      <inkml:brushProperty name="width" value="0.035" units="cm"/>
+      <inkml:brushProperty name="height" value="0.035" units="cm"/>
+      <inkml:brushProperty name="color" value="#E71224"/>
+    </inkml:brush>
+  </inkml:definitions>
+  <inkml:trace contextRef="#ctx0" brushRef="#br0">3623 542 24575,'-153'-13'0,"101"6"0,-54 1 0,-1130 7 0,1158 2 0,0 3 0,1 3 0,-99 26 0,-222 79 0,336-94 0,-32 15 0,-137 70 0,164-72 0,-7 8 0,2 3 0,2 3 0,2 3 0,-73 70 0,120-100 0,1 1 0,1 0 0,1 2 0,1 0 0,1 1 0,-17 33 0,-62 161 0,84-190 0,-24 75 0,-34 173 0,55-211 0,4-1 0,3-1 0,3 1 0,6 106 0,1-44 0,-4-104 0,2 0 0,0-1 0,2 1 0,0-1 0,7 26 0,-6-38 0,-1 0 0,2 0 0,-1 0 0,1 0 0,0-1 0,1 1 0,0-1 0,0-1 0,1 1 0,0-1 0,0 0 0,1-1 0,13 10 0,42 21 0,1-3 0,2-3 0,99 33 0,-90-36 0,116 35-228,268 53-1,-198-56 91,572 103 138,-638-131 298,368 13-1,-421-47-297,327 13 0,209 27-341,3-34-138,-451-5 429,148-15 50,-209 6 0,440-51 0,-553 54 0,876-79-821,-378 47 821,-337 22 0,531-34-1245,268-32 339,149-26 940,-885 80 3774,-275 29-3808,26-4 0,0-1 0,-1-1 0,1-1 0,33-13 0,-57 16 0,1 0 0,-1-1 0,0 0 0,0 0 0,-1 0 0,0-1 0,1 0 0,-2 0 0,1 0 0,-1-1 0,8-12 0,2-8 0,22-53 0,-26 53 0,-1 0 0,-2-1 0,-1 0 0,-1 0 0,-1 0 0,1-46 0,-7-235 0,-1 292 0,-2 0 0,0 0 0,0 0 0,-2 1 0,-8-19 0,-43-77 0,18 45 0,-3 3 0,-55-66 0,-112-107 0,-23 16 0,126 126 0,-275-231 0,280 251 0,-219-122 0,177 119 0,57 29 0,-174-71 0,59 51-33,-2 9 0,-311-50 0,344 85-216,-223-3 1,-366-9-1253,556 22 1304,-1319-10-1531,1009 28 1402,-2010-3 3264,2503 0-2838,0 0 1,0 2 0,0 1 0,0 0-1,1 1 1,-1 1 0,1 1 0,0 1-1,1 0 1,-1 2 0,2 0 0,-1 1-1,-28 21 1,-91 85-1466,125-107-5461</inkml:trace>
+</inkml:ink>
+</file>
+
+<file path=ppt/ink/ink39.xml><?xml version="1.0" encoding="utf-8"?>
+<inkml:ink xmlns:inkml="http://www.w3.org/2003/InkML">
+  <inkml:definitions>
+    <inkml:context xml:id="ctx0">
+      <inkml:inkSource xml:id="inkSrc0">
+        <inkml:traceFormat>
+          <inkml:channel name="X" type="integer" min="-2.14748E9" max="2.14748E9" units="cm"/>
+          <inkml:channel name="Y" type="integer" min="-2.14748E9" max="2.14748E9" units="cm"/>
+          <inkml:channel name="F" type="integer" max="32767" units="dev"/>
+        </inkml:traceFormat>
+        <inkml:channelProperties>
+          <inkml:channelProperty channel="X" name="resolution" value="1000" units="1/cm"/>
+          <inkml:channelProperty channel="Y" name="resolution" value="1000" units="1/cm"/>
+          <inkml:channelProperty channel="F" name="resolution" value="0" units="1/dev"/>
+        </inkml:channelProperties>
+      </inkml:inkSource>
+      <inkml:timestamp xml:id="ts0" timeString="2024-09-09T08:40:30.004"/>
+    </inkml:context>
+    <inkml:brush xml:id="br0">
+      <inkml:brushProperty name="width" value="0.035" units="cm"/>
+      <inkml:brushProperty name="height" value="0.035" units="cm"/>
+      <inkml:brushProperty name="color" value="#E71224"/>
+    </inkml:brush>
+  </inkml:definitions>
+  <inkml:trace contextRef="#ctx0" brushRef="#br0">2161 81 24575,'-35'0'0,"-3"1"0,1-1 0,0-3 0,-58-10 0,-84-13 0,71 11 0,21 4 0,17 3 0,0 2 0,-123 8 0,63 1 0,6-5 0,-137 4 0,176 10 0,53-6 0,-56 2 0,78-9 0,-1 1 0,1 1 0,-1 0 0,1 0 0,-1 1 0,1 0 0,0 1 0,0 0 0,0 0 0,0 1 0,1 1 0,-1-1 0,1 2 0,0-1 0,1 1 0,-1 0 0,-11 12 0,-7 9 0,-4 2 0,0 2 0,3 1 0,0 1 0,2 1 0,-35 62 0,52-74 0,1 1 0,1 0 0,-5 32 0,-3 10 0,7-31 0,3 1 0,0 0 0,3 0 0,0 0 0,3 0 0,4 38 0,-4-67 0,1 1 0,-1-1 0,1 0 0,0 0 0,1 0 0,-1 0 0,1 0 0,0 0 0,1-1 0,-1 0 0,1 1 0,0-1 0,7 6 0,7 6 0,1-1 0,26 18 0,9 7 0,-15-6 0,3-3 0,1-1 0,1-2 0,87 43 0,-114-66 0,0-1 0,0-1 0,1-1 0,-1 0 0,21 1 0,26 3 0,2 1 0,1-3 0,116-6 0,-62-1 0,1002 2 0,-1092-2 0,58-10 0,-58 6 0,55-2 0,939 8 0,-460 1 0,-545-2 0,0-1 0,33-7 0,-32 4 0,0 1 0,23 0 0,149 6 0,77-5 0,-191-9 0,-52 7 0,46-4 0,38-3 0,-77 6 0,53-1 0,-67 7 0,10 0 0,0-1 0,0-1 0,49-10 0,-52 7 0,51-4 0,22-3 0,205-38 0,-261 44 0,44-1 0,-59 6 0,0-1 0,41-9 0,-43 6 0,50-3 0,24-5 0,1 1 0,-73 10 0,45-9 0,-28 4 0,0 2 0,1 2 0,85 6 0,-28-1 0,-76-1 0,0-2 0,0-1 0,52-11 0,-67 10 0,0-1 0,0 0 0,-1 0 0,0-1 0,0-1 0,21-12 0,-28 14 0,0 0 0,-1 0 0,1-1 0,-1 0 0,0 0 0,0 0 0,0 0 0,-1 0 0,0-1 0,0 0 0,0 0 0,-1 1 0,0-1 0,0-1 0,0 1 0,0-9 0,2-5 0,-2 0 0,-1 0 0,0 0 0,-1 0 0,-2-1 0,0 1 0,-6-26 0,6 35 0,-1 0 0,-1 1 0,0 0 0,0-1 0,-1 2 0,-1-1 0,1 0 0,-1 1 0,-1 0 0,0 0 0,0 1 0,-1 0 0,0 0 0,-15-11 0,-7 1 0,0 2 0,0 1 0,-2 1 0,0 2 0,0 1 0,-1 1 0,0 2 0,0 1 0,-39-2 0,31 4 0,-32-5 0,-97 0 0,-49-3 0,0 0 0,187 14 0,0-1 0,-1-2 0,-57-12 0,58 9 0,0 1 0,-1 1 0,-60 3 0,56 1 0,1-1 0,-60-9 0,-148-27 0,142 28 0,59 6 0,-45-9 0,-54-3 0,17 2 0,-122-18 0,194 25 0,-70 2 0,78 4 0,0-2 0,-73-12 0,57 5 0,0 3 0,0 2 0,-72 6 0,12 0 0,-391-3 0,492-1 0,1-1 0,-34-8 0,32 5 0,0 2 0,-24-2 0,15 4 0,1-1 0,-51-10 0,39 5 0,0 3 0,-1 1 0,-66 3 0,64 2 0,0-3 0,-88-11 0,71 4-5,0 2 0,0 3 0,-72 7-1,14-2-1338,97-2-5482</inkml:trace>
+</inkml:ink>
+</file>
+
 <file path=ppt/ink/ink4.xml><?xml version="1.0" encoding="utf-8"?>
 <inkml:ink xmlns:inkml="http://www.w3.org/2003/InkML">
   <inkml:definitions>
@@ -826,6 +1112,62 @@
     </inkml:brush>
   </inkml:definitions>
   <inkml:trace contextRef="#ctx0" brushRef="#br0">3923 215 24575,'-46'-2'0,"0"-3"0,-66-14 0,19 2 0,-34-12 0,88 19 0,-1 1 0,-67-6 0,34 8 0,-114-26 0,116 18 0,-122-10 0,40 12 0,-41-1 0,-50 13-94,-456 4-380,541 8 569,2 7-1,0 6 1,2 8 0,1 6 0,-157 61-1,279-87-94,1 1 0,1 1 0,1 2 0,0 1 0,-35 26 0,48-30 0,1-1 0,1 2 0,0 0 0,1 1 0,1 0 0,0 1 0,1 0 0,0 1 0,1 1 0,-9 22 0,9-5 0,0 0 0,3 1 0,1-1 0,1 1 0,2 1 0,2-1 0,1 0 0,7 51 0,-4-67 0,1 0 0,1-1 0,0 0 0,2 0 0,0 0 0,1-1 0,1 0 0,15 24 0,102 129 0,-114-155 0,99 110 0,5-5 0,159 129 0,-205-191 0,2-3 0,2-4 0,2-2 0,3-4 0,162 69 0,-81-54-319,210 52 0,-261-88 287,875 171-1083,-422-111-253,184 21 986,-516-82 286,658 42-675,-809-65 1371,173-4 3124,-231 0-3716,-1 0 1,1-1-1,-1-1 1,1-1 0,-2-1-1,1-1 1,-1 0 0,0-1-1,31-21 1,5-10-16,83-78-1,-66 54 15,-33 29-7,-1-1 0,-2-2 0,-1-2 0,-2-2 0,43-71 0,-28 36 0,30-56 0,-31 40 0,130-293 0,-166 356 0,-1-1 0,-1 0 0,-2 0 0,-2-1 0,4-59 0,-9 78 0,0 0 0,0 0 0,-2 0 0,1 0 0,-2 0 0,0 0 0,0 1 0,-1-1 0,-1 1 0,0 0 0,0 0 0,-2 0 0,1 1 0,-1 0 0,-1 0 0,-16-17 0,-2 1 0,-1 2 0,-1 1 0,-1 1 0,-1 1 0,-1 2 0,-60-29 0,-66-16 0,-324-88 0,202 83-175,-155-32-201,220 59 376,-372-77 0,136 30 551,150 30-551,143 33 0,142 23-136,-1 1-1,0 1 1,0 0-1,0 1 1,0 1-1,-1 0 1,1 1-1,0 1 0,-30 7 1,29-2-6690</inkml:trace>
+</inkml:ink>
+</file>
+
+<file path=ppt/ink/ink40.xml><?xml version="1.0" encoding="utf-8"?>
+<inkml:ink xmlns:inkml="http://www.w3.org/2003/InkML">
+  <inkml:definitions>
+    <inkml:context xml:id="ctx0">
+      <inkml:inkSource xml:id="inkSrc0">
+        <inkml:traceFormat>
+          <inkml:channel name="X" type="integer" min="-2.14748E9" max="2.14748E9" units="cm"/>
+          <inkml:channel name="Y" type="integer" min="-2.14748E9" max="2.14748E9" units="cm"/>
+          <inkml:channel name="F" type="integer" max="32767" units="dev"/>
+        </inkml:traceFormat>
+        <inkml:channelProperties>
+          <inkml:channelProperty channel="X" name="resolution" value="1000" units="1/cm"/>
+          <inkml:channelProperty channel="Y" name="resolution" value="1000" units="1/cm"/>
+          <inkml:channelProperty channel="F" name="resolution" value="0" units="1/dev"/>
+        </inkml:channelProperties>
+      </inkml:inkSource>
+      <inkml:timestamp xml:id="ts0" timeString="2024-09-09T08:40:45.247"/>
+    </inkml:context>
+    <inkml:brush xml:id="br0">
+      <inkml:brushProperty name="width" value="0.035" units="cm"/>
+      <inkml:brushProperty name="height" value="0.035" units="cm"/>
+      <inkml:brushProperty name="color" value="#E71224"/>
+    </inkml:brush>
+  </inkml:definitions>
+  <inkml:trace contextRef="#ctx0" brushRef="#br0">2080 288 24575,'-23'-2'0,"0"-1"0,0-1 0,1-2 0,-1 0 0,-27-12 0,6 3 0,-1 3 0,-1 3 0,-57-6 0,42 8 0,-76-17 0,77 11 0,0 4 0,-67-3 0,-2 0 0,14 0 0,-42-1 0,-38-1 0,77 12 0,-169 6 0,158 21 0,125-24 0,1 0 0,-1 0 0,0 0 0,0 1 0,1-1 0,-1 1 0,1 0 0,-1 0 0,1 0 0,0 0 0,0 1 0,0-1 0,0 1 0,0 0 0,-4 6 0,2-2 0,1 0 0,0 0 0,0 0 0,1 1 0,0 0 0,0 0 0,-2 9 0,0 10 0,1 1 0,1-1 0,2 41 0,0-48 0,2 0 0,0 0 0,2 0 0,0-1 0,11 37 0,-10-44 0,1-1 0,1-1 0,0 1 0,0-1 0,1 0 0,0 0 0,1-1 0,0 0 0,0 0 0,1-1 0,11 8 0,3 2 0,-4-1 0,1-1 0,0-1 0,2-1 0,-1-1 0,2-1 0,28 12 0,1-8 0,0-1 0,71 9 0,-59-15 0,-26-2 0,66 2 0,-73-8 0,52 11 0,-51-7 0,53 3 0,-18-5 0,71 13 0,-52-9 0,153-6 0,-102-4 0,770 3 0,-729-15 0,-73 4 0,75-16 0,-29 4 0,-65 10 0,87-26 0,-105 23 0,197-36 0,-232 46 0,43-3 0,10-1 0,-16 1 0,0 4 0,123 7 0,-64 0 0,1129-2 0,-1229-1 0,57-11 0,-56 6 0,55-2 0,-31 5 0,57-10 0,-45 4 0,-30 2 0,-1-2 0,0-1 0,0-1 0,38-20 0,-39 17 0,0-2 0,-1-1 0,-1-1 0,0-2 0,44-38 0,-73 56 0,0 0 0,-1-1 0,0 1 0,1-1 0,-1 0 0,0 0 0,0 0 0,-1 0 0,1 0 0,0 0 0,-1 0 0,0 0 0,0-1 0,0 1 0,0-1 0,-1 1 0,1 0 0,-1-1 0,0 1 0,0-1 0,0 1 0,-1-8 0,0 7 0,-1 0 0,1 0 0,-1 0 0,0 1 0,0-1 0,0 0 0,-1 1 0,1-1 0,-1 1 0,0 0 0,0 0 0,0 0 0,0 0 0,-1 0 0,1 1 0,-1-1 0,1 1 0,-5-2 0,-41-18 0,-1 1 0,-1 3 0,-1 2 0,-99-16 0,-219-8 0,335 37 0,-1310-57-717,-371 61 1434,1697-3-717,0 1 0,-35-10 0,34 7 0,-1 0 0,-25-1 0,16 4 0,1-1 0,-51-10 0,34 5 0,0 2 0,0 2 0,-87 6 0,29-1 0,-29-4 0,-144 5 0,191 9 0,54-7 0,-56 3 0,59-8 0,0 1 0,-1 1 0,-46 10 0,2-2 338,57-9-764,1 0 1,-1 1-1,-16 5 0,16-1-6400</inkml:trace>
+</inkml:ink>
+</file>
+
+<file path=ppt/ink/ink41.xml><?xml version="1.0" encoding="utf-8"?>
+<inkml:ink xmlns:inkml="http://www.w3.org/2003/InkML">
+  <inkml:definitions>
+    <inkml:context xml:id="ctx0">
+      <inkml:inkSource xml:id="inkSrc0">
+        <inkml:traceFormat>
+          <inkml:channel name="X" type="integer" min="-2.14748E9" max="2.14748E9" units="cm"/>
+          <inkml:channel name="Y" type="integer" min="-2.14748E9" max="2.14748E9" units="cm"/>
+          <inkml:channel name="F" type="integer" max="32767" units="dev"/>
+        </inkml:traceFormat>
+        <inkml:channelProperties>
+          <inkml:channelProperty channel="X" name="resolution" value="1000" units="1/cm"/>
+          <inkml:channelProperty channel="Y" name="resolution" value="1000" units="1/cm"/>
+          <inkml:channelProperty channel="F" name="resolution" value="0" units="1/dev"/>
+        </inkml:channelProperties>
+      </inkml:inkSource>
+      <inkml:timestamp xml:id="ts0" timeString="2024-09-09T08:44:53.413"/>
+    </inkml:context>
+    <inkml:brush xml:id="br0">
+      <inkml:brushProperty name="width" value="0.035" units="cm"/>
+      <inkml:brushProperty name="height" value="0.035" units="cm"/>
+      <inkml:brushProperty name="color" value="#E71224"/>
+    </inkml:brush>
+  </inkml:definitions>
+  <inkml:trace contextRef="#ctx0" brushRef="#br0">3723 773 24575,'-16'-2'0,"0"-1"0,1 0 0,-1-1 0,1-1 0,0 0 0,0-1 0,1 0 0,-26-17 0,-33-12 0,-181-45 0,25 9 0,154 46 0,0 4 0,-87-14 0,-93 3 0,78 12 0,63 10 0,-185 8 0,140 5 0,-426-3 0,550 2 0,1 1 0,0 3 0,0 0 0,1 2 0,0 2 0,-55 24 0,-93 29 0,86-32 0,28-10 0,39-13 0,-1 1 0,1 1 0,-28 16 0,35-14 0,1 1 0,0 1 0,2 1 0,-1 0 0,2 1 0,0 2 0,1-1 0,-17 26 0,16-22 0,1 1 0,1 1 0,1 0 0,2 1 0,0 0 0,1 1 0,-9 34 0,12-32 0,1 1 0,2 0 0,0 0 0,2 1 0,1 31 0,2-50 0,0 28 0,1-1 0,11 65 0,-9-89 0,1 0 0,0 0 0,0-1 0,2 0 0,-1 0 0,2 0 0,-1 0 0,2-1 0,-1 0 0,1-1 0,14 14 0,-6-8 0,97 91 0,-95-93 0,0-1 0,1 0 0,0-2 0,41 19 0,-5-8 0,0-3 0,2-2 0,0-2 0,59 7 0,285 5 0,2195-28 0,-2559-1 0,0-3 0,-1 0 0,1-3 0,46-15 0,-31 4 0,-1-3 0,57-32 0,-10 5 0,-34 19 0,107-32 0,-125 45 0,0-1 0,45-26 0,-23 10 0,242-123 0,-292 149 0,0-1 0,0-1 0,-1-1 0,-1 0 0,0-1 0,-1 0 0,27-28 0,-39 35 0,0 0 0,0 0 0,-1 0 0,0-1 0,1 1 0,-2-1 0,1 1 0,-1-1 0,1 0 0,-1 1 0,-1-1 0,1 0 0,-1 0 0,0 0 0,-1 0 0,0 1 0,1-1 0,-2 0 0,1 1 0,-4-11 0,1 6 0,-1-1 0,0 2 0,0-1 0,-1 1 0,0 0 0,0 0 0,-1 0 0,-1 1 0,1 0 0,-11-8 0,-69-58 0,33 26 0,-87-58 0,55 50 0,-167-99 0,-324-126 0,437 224 0,-3 7 0,-184-41 0,255 75 0,20 3 0,-1 2 0,0 2 0,-89-2 0,23 10 0,-94 4 0,190 0 0,1 2 0,1 0 0,-1 0 0,1 2 0,-29 14 0,-98 56 0,-114 100-48,170-111-1269,79-57-5509</inkml:trace>
 </inkml:ink>
 </file>
 
@@ -10111,7 +10453,7 @@
               <a:t>D</a:t>
             </a:r>
             <a:r>
-              <a:rPr lang="ko-KR" altLang="en-US">
+              <a:rPr lang="ko-KR" altLang="en-US" dirty="0">
                 <a:solidFill>
                   <a:srgbClr val="FF0000"/>
                 </a:solidFill>
@@ -10119,12 +10461,335 @@
               <a:t>삭제가 되었음을 말합니다</a:t>
             </a:r>
             <a:r>
-              <a:rPr lang="en-US" altLang="ko-KR">
+              <a:rPr lang="en-US" altLang="ko-KR" dirty="0">
                 <a:solidFill>
                   <a:srgbClr val="FF0000"/>
                 </a:solidFill>
               </a:rPr>
               <a:t>.</a:t>
+            </a:r>
+          </a:p>
+        </p:txBody>
+      </p:sp>
+      <p:grpSp>
+        <p:nvGrpSpPr>
+          <p:cNvPr id="14" name="그룹 13">
+            <a:extLst>
+              <a:ext uri="{FF2B5EF4-FFF2-40B4-BE49-F238E27FC236}">
+                <a16:creationId xmlns:a16="http://schemas.microsoft.com/office/drawing/2014/main" id="{1C3CE654-8F9E-2CC2-22D3-A780BE96541F}"/>
+              </a:ext>
+            </a:extLst>
+          </p:cNvPr>
+          <p:cNvGrpSpPr/>
+          <p:nvPr/>
+        </p:nvGrpSpPr>
+        <p:grpSpPr>
+          <a:xfrm>
+            <a:off x="109367" y="1043109"/>
+            <a:ext cx="4028040" cy="1618200"/>
+            <a:chOff x="109367" y="1043109"/>
+            <a:chExt cx="4028040" cy="1618200"/>
+          </a:xfrm>
+        </p:grpSpPr>
+        <mc:AlternateContent xmlns:mc="http://schemas.openxmlformats.org/markup-compatibility/2006">
+          <mc:Choice xmlns:p14="http://schemas.microsoft.com/office/powerpoint/2010/main" Requires="p14">
+            <p:contentPart p14:bwMode="auto" r:id="rId5">
+              <p14:nvContentPartPr>
+                <p14:cNvPr id="9" name="잉크 8">
+                  <a:extLst>
+                    <a:ext uri="{FF2B5EF4-FFF2-40B4-BE49-F238E27FC236}">
+                      <a16:creationId xmlns:a16="http://schemas.microsoft.com/office/drawing/2014/main" id="{A222502A-35B3-15BA-FD70-AF9B5DE05376}"/>
+                    </a:ext>
+                  </a:extLst>
+                </p14:cNvPr>
+                <p14:cNvContentPartPr/>
+                <p14:nvPr/>
+              </p14:nvContentPartPr>
+              <p14:xfrm>
+                <a:off x="109367" y="1043109"/>
+                <a:ext cx="3493800" cy="1046160"/>
+              </p14:xfrm>
+            </p:contentPart>
+          </mc:Choice>
+          <mc:Fallback>
+            <p:pic>
+              <p:nvPicPr>
+                <p:cNvPr id="9" name="잉크 8">
+                  <a:extLst>
+                    <a:ext uri="{FF2B5EF4-FFF2-40B4-BE49-F238E27FC236}">
+                      <a16:creationId xmlns:a16="http://schemas.microsoft.com/office/drawing/2014/main" id="{A222502A-35B3-15BA-FD70-AF9B5DE05376}"/>
+                    </a:ext>
+                  </a:extLst>
+                </p:cNvPr>
+                <p:cNvPicPr/>
+                <p:nvPr/>
+              </p:nvPicPr>
+              <p:blipFill>
+                <a:blip r:embed="rId6"/>
+                <a:stretch>
+                  <a:fillRect/>
+                </a:stretch>
+              </p:blipFill>
+              <p:spPr>
+                <a:xfrm>
+                  <a:off x="103247" y="1036989"/>
+                  <a:ext cx="3506040" cy="1058400"/>
+                </a:xfrm>
+                <a:prstGeom prst="rect">
+                  <a:avLst/>
+                </a:prstGeom>
+              </p:spPr>
+            </p:pic>
+          </mc:Fallback>
+        </mc:AlternateContent>
+        <mc:AlternateContent xmlns:mc="http://schemas.openxmlformats.org/markup-compatibility/2006">
+          <mc:Choice xmlns:p14="http://schemas.microsoft.com/office/powerpoint/2010/main" Requires="p14">
+            <p:contentPart p14:bwMode="auto" r:id="rId7">
+              <p14:nvContentPartPr>
+                <p14:cNvPr id="11" name="잉크 10">
+                  <a:extLst>
+                    <a:ext uri="{FF2B5EF4-FFF2-40B4-BE49-F238E27FC236}">
+                      <a16:creationId xmlns:a16="http://schemas.microsoft.com/office/drawing/2014/main" id="{8338C115-CB77-E1DB-D557-13DDEB42CB88}"/>
+                    </a:ext>
+                  </a:extLst>
+                </p14:cNvPr>
+                <p14:cNvContentPartPr/>
+                <p14:nvPr/>
+              </p14:nvContentPartPr>
+              <p14:xfrm>
+                <a:off x="3518567" y="1773189"/>
+                <a:ext cx="593640" cy="743400"/>
+              </p14:xfrm>
+            </p:contentPart>
+          </mc:Choice>
+          <mc:Fallback>
+            <p:pic>
+              <p:nvPicPr>
+                <p:cNvPr id="11" name="잉크 10">
+                  <a:extLst>
+                    <a:ext uri="{FF2B5EF4-FFF2-40B4-BE49-F238E27FC236}">
+                      <a16:creationId xmlns:a16="http://schemas.microsoft.com/office/drawing/2014/main" id="{8338C115-CB77-E1DB-D557-13DDEB42CB88}"/>
+                    </a:ext>
+                  </a:extLst>
+                </p:cNvPr>
+                <p:cNvPicPr/>
+                <p:nvPr/>
+              </p:nvPicPr>
+              <p:blipFill>
+                <a:blip r:embed="rId8"/>
+                <a:stretch>
+                  <a:fillRect/>
+                </a:stretch>
+              </p:blipFill>
+              <p:spPr>
+                <a:xfrm>
+                  <a:off x="3512447" y="1767069"/>
+                  <a:ext cx="605880" cy="755640"/>
+                </a:xfrm>
+                <a:prstGeom prst="rect">
+                  <a:avLst/>
+                </a:prstGeom>
+              </p:spPr>
+            </p:pic>
+          </mc:Fallback>
+        </mc:AlternateContent>
+        <mc:AlternateContent xmlns:mc="http://schemas.openxmlformats.org/markup-compatibility/2006">
+          <mc:Choice xmlns:p14="http://schemas.microsoft.com/office/powerpoint/2010/main" Requires="p14">
+            <p:contentPart p14:bwMode="auto" r:id="rId9">
+              <p14:nvContentPartPr>
+                <p14:cNvPr id="13" name="잉크 12">
+                  <a:extLst>
+                    <a:ext uri="{FF2B5EF4-FFF2-40B4-BE49-F238E27FC236}">
+                      <a16:creationId xmlns:a16="http://schemas.microsoft.com/office/drawing/2014/main" id="{1D64CDA2-8DA9-984F-0ABE-39E745E62217}"/>
+                    </a:ext>
+                  </a:extLst>
+                </p14:cNvPr>
+                <p14:cNvContentPartPr/>
+                <p14:nvPr/>
+              </p14:nvContentPartPr>
+              <p14:xfrm>
+                <a:off x="3749687" y="2269629"/>
+                <a:ext cx="387720" cy="391680"/>
+              </p14:xfrm>
+            </p:contentPart>
+          </mc:Choice>
+          <mc:Fallback>
+            <p:pic>
+              <p:nvPicPr>
+                <p:cNvPr id="13" name="잉크 12">
+                  <a:extLst>
+                    <a:ext uri="{FF2B5EF4-FFF2-40B4-BE49-F238E27FC236}">
+                      <a16:creationId xmlns:a16="http://schemas.microsoft.com/office/drawing/2014/main" id="{1D64CDA2-8DA9-984F-0ABE-39E745E62217}"/>
+                    </a:ext>
+                  </a:extLst>
+                </p:cNvPr>
+                <p:cNvPicPr/>
+                <p:nvPr/>
+              </p:nvPicPr>
+              <p:blipFill>
+                <a:blip r:embed="rId10"/>
+                <a:stretch>
+                  <a:fillRect/>
+                </a:stretch>
+              </p:blipFill>
+              <p:spPr>
+                <a:xfrm>
+                  <a:off x="3743567" y="2263509"/>
+                  <a:ext cx="399960" cy="403920"/>
+                </a:xfrm>
+                <a:prstGeom prst="rect">
+                  <a:avLst/>
+                </a:prstGeom>
+              </p:spPr>
+            </p:pic>
+          </mc:Fallback>
+        </mc:AlternateContent>
+      </p:grpSp>
+      <mc:AlternateContent xmlns:mc="http://schemas.openxmlformats.org/markup-compatibility/2006">
+        <mc:Choice xmlns:p14="http://schemas.microsoft.com/office/powerpoint/2010/main" Requires="p14">
+          <p:contentPart p14:bwMode="auto" r:id="rId11">
+            <p14:nvContentPartPr>
+              <p14:cNvPr id="15" name="잉크 14">
+                <a:extLst>
+                  <a:ext uri="{FF2B5EF4-FFF2-40B4-BE49-F238E27FC236}">
+                    <a16:creationId xmlns:a16="http://schemas.microsoft.com/office/drawing/2014/main" id="{ECF4BB12-8308-6F03-0897-765583B27FFF}"/>
+                  </a:ext>
+                </a:extLst>
+              </p14:cNvPr>
+              <p14:cNvContentPartPr/>
+              <p14:nvPr/>
+            </p14:nvContentPartPr>
+            <p14:xfrm>
+              <a:off x="6963767" y="3444669"/>
+              <a:ext cx="360" cy="360"/>
+            </p14:xfrm>
+          </p:contentPart>
+        </mc:Choice>
+        <mc:Fallback>
+          <p:pic>
+            <p:nvPicPr>
+              <p:cNvPr id="15" name="잉크 14">
+                <a:extLst>
+                  <a:ext uri="{FF2B5EF4-FFF2-40B4-BE49-F238E27FC236}">
+                    <a16:creationId xmlns:a16="http://schemas.microsoft.com/office/drawing/2014/main" id="{ECF4BB12-8308-6F03-0897-765583B27FFF}"/>
+                  </a:ext>
+                </a:extLst>
+              </p:cNvPr>
+              <p:cNvPicPr/>
+              <p:nvPr/>
+            </p:nvPicPr>
+            <p:blipFill>
+              <a:blip r:embed="rId12"/>
+              <a:stretch>
+                <a:fillRect/>
+              </a:stretch>
+            </p:blipFill>
+            <p:spPr>
+              <a:xfrm>
+                <a:off x="6957647" y="3438549"/>
+                <a:ext cx="12600" cy="12600"/>
+              </a:xfrm>
+              <a:prstGeom prst="rect">
+                <a:avLst/>
+              </a:prstGeom>
+            </p:spPr>
+          </p:pic>
+        </mc:Fallback>
+      </mc:AlternateContent>
+      <p:pic>
+        <p:nvPicPr>
+          <p:cNvPr id="17" name="그림 16">
+            <a:extLst>
+              <a:ext uri="{FF2B5EF4-FFF2-40B4-BE49-F238E27FC236}">
+                <a16:creationId xmlns:a16="http://schemas.microsoft.com/office/drawing/2014/main" id="{0531FF55-11B3-442F-4AAE-3A9E522A354E}"/>
+              </a:ext>
+            </a:extLst>
+          </p:cNvPr>
+          <p:cNvPicPr>
+            <a:picLocks noChangeAspect="1"/>
+          </p:cNvPicPr>
+          <p:nvPr/>
+        </p:nvPicPr>
+        <p:blipFill>
+          <a:blip r:embed="rId13"/>
+          <a:stretch>
+            <a:fillRect/>
+          </a:stretch>
+        </p:blipFill>
+        <p:spPr>
+          <a:xfrm>
+            <a:off x="4671040" y="3437904"/>
+            <a:ext cx="3400900" cy="2257740"/>
+          </a:xfrm>
+          <a:prstGeom prst="rect">
+            <a:avLst/>
+          </a:prstGeom>
+        </p:spPr>
+      </p:pic>
+      <p:sp>
+        <p:nvSpPr>
+          <p:cNvPr id="18" name="TextBox 17">
+            <a:extLst>
+              <a:ext uri="{FF2B5EF4-FFF2-40B4-BE49-F238E27FC236}">
+                <a16:creationId xmlns:a16="http://schemas.microsoft.com/office/drawing/2014/main" id="{258F3A85-1C7A-F987-93DD-10BF0B4553FC}"/>
+              </a:ext>
+            </a:extLst>
+          </p:cNvPr>
+          <p:cNvSpPr txBox="1"/>
+          <p:nvPr/>
+        </p:nvSpPr>
+        <p:spPr>
+          <a:xfrm>
+            <a:off x="4403006" y="2103005"/>
+            <a:ext cx="7559519" cy="646331"/>
+          </a:xfrm>
+          <a:prstGeom prst="rect">
+            <a:avLst/>
+          </a:prstGeom>
+        </p:spPr>
+        <p:style>
+          <a:lnRef idx="2">
+            <a:schemeClr val="accent5"/>
+          </a:lnRef>
+          <a:fillRef idx="1">
+            <a:schemeClr val="lt1"/>
+          </a:fillRef>
+          <a:effectRef idx="0">
+            <a:schemeClr val="accent5"/>
+          </a:effectRef>
+          <a:fontRef idx="minor">
+            <a:schemeClr val="dk1"/>
+          </a:fontRef>
+        </p:style>
+        <p:txBody>
+          <a:bodyPr wrap="square" rtlCol="0">
+            <a:spAutoFit/>
+          </a:bodyPr>
+          <a:lstStyle/>
+          <a:p>
+            <a:r>
+              <a:rPr lang="ko-KR" altLang="en-US" dirty="0">
+                <a:solidFill>
+                  <a:srgbClr val="FF0000"/>
+                </a:solidFill>
+              </a:rPr>
+              <a:t>내용을 적고 모두 </a:t>
+            </a:r>
+            <a:r>
+              <a:rPr lang="ko-KR" altLang="en-US" dirty="0" err="1">
+                <a:solidFill>
+                  <a:srgbClr val="FF0000"/>
+                </a:solidFill>
+              </a:rPr>
+              <a:t>커밋을</a:t>
+            </a:r>
+            <a:r>
+              <a:rPr lang="ko-KR" altLang="en-US" dirty="0">
+                <a:solidFill>
+                  <a:srgbClr val="FF0000"/>
+                </a:solidFill>
+              </a:rPr>
+              <a:t> 누르면</a:t>
             </a:r>
             <a:endParaRPr lang="en-US" altLang="ko-KR" dirty="0">
               <a:solidFill>
@@ -10132,8 +10797,93 @@
               </a:solidFill>
             </a:endParaRPr>
           </a:p>
+          <a:p>
+            <a:r>
+              <a:rPr lang="ko-KR" altLang="en-US" dirty="0">
+                <a:solidFill>
+                  <a:srgbClr val="FF0000"/>
+                </a:solidFill>
+              </a:rPr>
+              <a:t>아직 서버에 </a:t>
+            </a:r>
+            <a:r>
+              <a:rPr lang="ko-KR" altLang="en-US" dirty="0" err="1">
+                <a:solidFill>
+                  <a:srgbClr val="FF0000"/>
+                </a:solidFill>
+              </a:rPr>
+              <a:t>올라간것은</a:t>
+            </a:r>
+            <a:r>
+              <a:rPr lang="ko-KR" altLang="en-US" dirty="0">
+                <a:solidFill>
+                  <a:srgbClr val="FF0000"/>
+                </a:solidFill>
+              </a:rPr>
+              <a:t> 아닙니다</a:t>
+            </a:r>
+            <a:r>
+              <a:rPr lang="en-US" altLang="ko-KR" dirty="0">
+                <a:solidFill>
+                  <a:srgbClr val="FF0000"/>
+                </a:solidFill>
+              </a:rPr>
+              <a:t>.</a:t>
+            </a:r>
+          </a:p>
         </p:txBody>
       </p:sp>
+      <mc:AlternateContent xmlns:mc="http://schemas.openxmlformats.org/markup-compatibility/2006">
+        <mc:Choice xmlns:p14="http://schemas.microsoft.com/office/powerpoint/2010/main" Requires="p14">
+          <p:contentPart p14:bwMode="auto" r:id="rId14">
+            <p14:nvContentPartPr>
+              <p14:cNvPr id="19" name="잉크 18">
+                <a:extLst>
+                  <a:ext uri="{FF2B5EF4-FFF2-40B4-BE49-F238E27FC236}">
+                    <a16:creationId xmlns:a16="http://schemas.microsoft.com/office/drawing/2014/main" id="{7C024089-82A8-4AE9-CF1E-0A9297467506}"/>
+                  </a:ext>
+                </a:extLst>
+              </p14:cNvPr>
+              <p14:cNvContentPartPr/>
+              <p14:nvPr/>
+            </p14:nvContentPartPr>
+            <p14:xfrm>
+              <a:off x="4891726" y="4184087"/>
+              <a:ext cx="336240" cy="317160"/>
+            </p14:xfrm>
+          </p:contentPart>
+        </mc:Choice>
+        <mc:Fallback>
+          <p:pic>
+            <p:nvPicPr>
+              <p:cNvPr id="19" name="잉크 18">
+                <a:extLst>
+                  <a:ext uri="{FF2B5EF4-FFF2-40B4-BE49-F238E27FC236}">
+                    <a16:creationId xmlns:a16="http://schemas.microsoft.com/office/drawing/2014/main" id="{7C024089-82A8-4AE9-CF1E-0A9297467506}"/>
+                  </a:ext>
+                </a:extLst>
+              </p:cNvPr>
+              <p:cNvPicPr/>
+              <p:nvPr/>
+            </p:nvPicPr>
+            <p:blipFill>
+              <a:blip r:embed="rId15"/>
+              <a:stretch>
+                <a:fillRect/>
+              </a:stretch>
+            </p:blipFill>
+            <p:spPr>
+              <a:xfrm>
+                <a:off x="4885606" y="4177967"/>
+                <a:ext cx="348480" cy="329400"/>
+              </a:xfrm>
+              <a:prstGeom prst="rect">
+                <a:avLst/>
+              </a:prstGeom>
+            </p:spPr>
+          </p:pic>
+        </mc:Fallback>
+      </mc:AlternateContent>
     </p:spTree>
     <p:extLst>
       <p:ext uri="{BB962C8B-B14F-4D97-AF65-F5344CB8AC3E}">
@@ -10148,6 +10898,1730 @@
 </file>
 
 <file path=ppt/slides/slide34.xml><?xml version="1.0" encoding="utf-8"?>
+<p:sld xmlns:a="http://schemas.openxmlformats.org/drawingml/2006/main" xmlns:r="http://schemas.openxmlformats.org/officeDocument/2006/relationships" xmlns:p="http://schemas.openxmlformats.org/presentationml/2006/main">
+  <p:cSld>
+    <p:spTree>
+      <p:nvGrpSpPr>
+        <p:cNvPr id="1" name=""/>
+        <p:cNvGrpSpPr/>
+        <p:nvPr/>
+      </p:nvGrpSpPr>
+      <p:grpSpPr>
+        <a:xfrm>
+          <a:off x="0" y="0"/>
+          <a:ext cx="0" cy="0"/>
+          <a:chOff x="0" y="0"/>
+          <a:chExt cx="0" cy="0"/>
+        </a:xfrm>
+      </p:grpSpPr>
+      <p:pic>
+        <p:nvPicPr>
+          <p:cNvPr id="5" name="그림 4">
+            <a:extLst>
+              <a:ext uri="{FF2B5EF4-FFF2-40B4-BE49-F238E27FC236}">
+                <a16:creationId xmlns:a16="http://schemas.microsoft.com/office/drawing/2014/main" id="{75462DF7-69A5-D1F7-EAD7-3D7164B5E3A5}"/>
+              </a:ext>
+            </a:extLst>
+          </p:cNvPr>
+          <p:cNvPicPr>
+            <a:picLocks noChangeAspect="1"/>
+          </p:cNvPicPr>
+          <p:nvPr/>
+        </p:nvPicPr>
+        <p:blipFill>
+          <a:blip r:embed="rId2"/>
+          <a:stretch>
+            <a:fillRect/>
+          </a:stretch>
+        </p:blipFill>
+        <p:spPr>
+          <a:xfrm>
+            <a:off x="785704" y="1019916"/>
+            <a:ext cx="3600953" cy="3839111"/>
+          </a:xfrm>
+          <a:prstGeom prst="rect">
+            <a:avLst/>
+          </a:prstGeom>
+        </p:spPr>
+      </p:pic>
+      <mc:AlternateContent xmlns:mc="http://schemas.openxmlformats.org/markup-compatibility/2006">
+        <mc:Choice xmlns:p14="http://schemas.microsoft.com/office/powerpoint/2010/main" Requires="p14">
+          <p:contentPart p14:bwMode="auto" r:id="rId3">
+            <p14:nvContentPartPr>
+              <p14:cNvPr id="6" name="잉크 5">
+                <a:extLst>
+                  <a:ext uri="{FF2B5EF4-FFF2-40B4-BE49-F238E27FC236}">
+                    <a16:creationId xmlns:a16="http://schemas.microsoft.com/office/drawing/2014/main" id="{FE6E7634-FDCD-01B0-C630-0408CF461BD6}"/>
+                  </a:ext>
+                </a:extLst>
+              </p14:cNvPr>
+              <p14:cNvContentPartPr/>
+              <p14:nvPr/>
+            </p14:nvContentPartPr>
+            <p14:xfrm>
+              <a:off x="3369887" y="1532709"/>
+              <a:ext cx="270720" cy="252360"/>
+            </p14:xfrm>
+          </p:contentPart>
+        </mc:Choice>
+        <mc:Fallback>
+          <p:pic>
+            <p:nvPicPr>
+              <p:cNvPr id="6" name="잉크 5">
+                <a:extLst>
+                  <a:ext uri="{FF2B5EF4-FFF2-40B4-BE49-F238E27FC236}">
+                    <a16:creationId xmlns:a16="http://schemas.microsoft.com/office/drawing/2014/main" id="{FE6E7634-FDCD-01B0-C630-0408CF461BD6}"/>
+                  </a:ext>
+                </a:extLst>
+              </p:cNvPr>
+              <p:cNvPicPr/>
+              <p:nvPr/>
+            </p:nvPicPr>
+            <p:blipFill>
+              <a:blip r:embed="rId4"/>
+              <a:stretch>
+                <a:fillRect/>
+              </a:stretch>
+            </p:blipFill>
+            <p:spPr>
+              <a:xfrm>
+                <a:off x="3363767" y="1526589"/>
+                <a:ext cx="282960" cy="264600"/>
+              </a:xfrm>
+              <a:prstGeom prst="rect">
+                <a:avLst/>
+              </a:prstGeom>
+            </p:spPr>
+          </p:pic>
+        </mc:Fallback>
+      </mc:AlternateContent>
+      <p:pic>
+        <p:nvPicPr>
+          <p:cNvPr id="8" name="그림 7">
+            <a:extLst>
+              <a:ext uri="{FF2B5EF4-FFF2-40B4-BE49-F238E27FC236}">
+                <a16:creationId xmlns:a16="http://schemas.microsoft.com/office/drawing/2014/main" id="{769C2F15-1794-C4DB-ECA2-01B1CF3E5E5F}"/>
+              </a:ext>
+            </a:extLst>
+          </p:cNvPr>
+          <p:cNvPicPr>
+            <a:picLocks noChangeAspect="1"/>
+          </p:cNvPicPr>
+          <p:nvPr/>
+        </p:nvPicPr>
+        <p:blipFill>
+          <a:blip r:embed="rId5"/>
+          <a:stretch>
+            <a:fillRect/>
+          </a:stretch>
+        </p:blipFill>
+        <p:spPr>
+          <a:xfrm>
+            <a:off x="5209174" y="1096127"/>
+            <a:ext cx="6077798" cy="3762900"/>
+          </a:xfrm>
+          <a:prstGeom prst="rect">
+            <a:avLst/>
+          </a:prstGeom>
+        </p:spPr>
+      </p:pic>
+      <p:sp>
+        <p:nvSpPr>
+          <p:cNvPr id="9" name="TextBox 8">
+            <a:extLst>
+              <a:ext uri="{FF2B5EF4-FFF2-40B4-BE49-F238E27FC236}">
+                <a16:creationId xmlns:a16="http://schemas.microsoft.com/office/drawing/2014/main" id="{67BA7AD0-20DD-54FD-1286-D2B8A983F951}"/>
+              </a:ext>
+            </a:extLst>
+          </p:cNvPr>
+          <p:cNvSpPr txBox="1"/>
+          <p:nvPr/>
+        </p:nvSpPr>
+        <p:spPr>
+          <a:xfrm>
+            <a:off x="609601" y="357871"/>
+            <a:ext cx="11041628" cy="369332"/>
+          </a:xfrm>
+          <a:prstGeom prst="rect">
+            <a:avLst/>
+          </a:prstGeom>
+        </p:spPr>
+        <p:style>
+          <a:lnRef idx="2">
+            <a:schemeClr val="accent5"/>
+          </a:lnRef>
+          <a:fillRef idx="1">
+            <a:schemeClr val="lt1"/>
+          </a:fillRef>
+          <a:effectRef idx="0">
+            <a:schemeClr val="accent5"/>
+          </a:effectRef>
+          <a:fontRef idx="minor">
+            <a:schemeClr val="dk1"/>
+          </a:fontRef>
+        </p:style>
+        <p:txBody>
+          <a:bodyPr wrap="square" rtlCol="0">
+            <a:spAutoFit/>
+          </a:bodyPr>
+          <a:lstStyle/>
+          <a:p>
+            <a:r>
+              <a:rPr lang="ko-KR" altLang="en-US" dirty="0" err="1">
+                <a:solidFill>
+                  <a:srgbClr val="FF0000"/>
+                </a:solidFill>
+              </a:rPr>
+              <a:t>푸쉬버튼을</a:t>
+            </a:r>
+            <a:r>
+              <a:rPr lang="ko-KR" altLang="en-US" dirty="0">
+                <a:solidFill>
+                  <a:srgbClr val="FF0000"/>
+                </a:solidFill>
+              </a:rPr>
+              <a:t> 누르면 진짜 서버에 </a:t>
+            </a:r>
+            <a:r>
+              <a:rPr lang="ko-KR" altLang="en-US" dirty="0" err="1">
+                <a:solidFill>
+                  <a:srgbClr val="FF0000"/>
+                </a:solidFill>
+              </a:rPr>
+              <a:t>올라는게</a:t>
+            </a:r>
+            <a:r>
+              <a:rPr lang="ko-KR" altLang="en-US" dirty="0">
+                <a:solidFill>
+                  <a:srgbClr val="FF0000"/>
+                </a:solidFill>
+              </a:rPr>
+              <a:t> </a:t>
+            </a:r>
+            <a:r>
+              <a:rPr lang="en-US" altLang="ko-KR" dirty="0" err="1">
+                <a:solidFill>
+                  <a:srgbClr val="FF0000"/>
+                </a:solidFill>
+              </a:rPr>
+              <a:t>github</a:t>
+            </a:r>
+            <a:r>
+              <a:rPr lang="ko-KR" altLang="en-US" dirty="0">
+                <a:solidFill>
+                  <a:srgbClr val="FF0000"/>
+                </a:solidFill>
+              </a:rPr>
+              <a:t>의 시스템입니다</a:t>
+            </a:r>
+            <a:r>
+              <a:rPr lang="en-US" altLang="ko-KR" dirty="0">
+                <a:solidFill>
+                  <a:srgbClr val="FF0000"/>
+                </a:solidFill>
+              </a:rPr>
+              <a:t>. </a:t>
+            </a:r>
+          </a:p>
+        </p:txBody>
+      </p:sp>
+    </p:spTree>
+    <p:extLst>
+      <p:ext uri="{BB962C8B-B14F-4D97-AF65-F5344CB8AC3E}">
+        <p14:creationId xmlns:p14="http://schemas.microsoft.com/office/powerpoint/2010/main" val="266264892"/>
+      </p:ext>
+    </p:extLst>
+  </p:cSld>
+  <p:clrMapOvr>
+    <a:masterClrMapping/>
+  </p:clrMapOvr>
+</p:sld>
+</file>
+
+<file path=ppt/slides/slide35.xml><?xml version="1.0" encoding="utf-8"?>
+<p:sld xmlns:a="http://schemas.openxmlformats.org/drawingml/2006/main" xmlns:r="http://schemas.openxmlformats.org/officeDocument/2006/relationships" xmlns:p="http://schemas.openxmlformats.org/presentationml/2006/main">
+  <p:cSld>
+    <p:spTree>
+      <p:nvGrpSpPr>
+        <p:cNvPr id="1" name=""/>
+        <p:cNvGrpSpPr/>
+        <p:nvPr/>
+      </p:nvGrpSpPr>
+      <p:grpSpPr>
+        <a:xfrm>
+          <a:off x="0" y="0"/>
+          <a:ext cx="0" cy="0"/>
+          <a:chOff x="0" y="0"/>
+          <a:chExt cx="0" cy="0"/>
+        </a:xfrm>
+      </p:grpSpPr>
+      <p:pic>
+        <p:nvPicPr>
+          <p:cNvPr id="3" name="그림 2">
+            <a:extLst>
+              <a:ext uri="{FF2B5EF4-FFF2-40B4-BE49-F238E27FC236}">
+                <a16:creationId xmlns:a16="http://schemas.microsoft.com/office/drawing/2014/main" id="{3657B8BB-081D-7667-31A2-76A26F29B55A}"/>
+              </a:ext>
+            </a:extLst>
+          </p:cNvPr>
+          <p:cNvPicPr>
+            <a:picLocks noChangeAspect="1"/>
+          </p:cNvPicPr>
+          <p:nvPr/>
+        </p:nvPicPr>
+        <p:blipFill>
+          <a:blip r:embed="rId2"/>
+          <a:stretch>
+            <a:fillRect/>
+          </a:stretch>
+        </p:blipFill>
+        <p:spPr>
+          <a:xfrm>
+            <a:off x="0" y="1012611"/>
+            <a:ext cx="12192000" cy="1710887"/>
+          </a:xfrm>
+          <a:prstGeom prst="rect">
+            <a:avLst/>
+          </a:prstGeom>
+        </p:spPr>
+      </p:pic>
+      <p:sp>
+        <p:nvSpPr>
+          <p:cNvPr id="4" name="TextBox 3">
+            <a:extLst>
+              <a:ext uri="{FF2B5EF4-FFF2-40B4-BE49-F238E27FC236}">
+                <a16:creationId xmlns:a16="http://schemas.microsoft.com/office/drawing/2014/main" id="{315A2D74-6D07-919B-8E3A-3D897E43EF01}"/>
+              </a:ext>
+            </a:extLst>
+          </p:cNvPr>
+          <p:cNvSpPr txBox="1"/>
+          <p:nvPr/>
+        </p:nvSpPr>
+        <p:spPr>
+          <a:xfrm>
+            <a:off x="609601" y="357871"/>
+            <a:ext cx="11041628" cy="369332"/>
+          </a:xfrm>
+          <a:prstGeom prst="rect">
+            <a:avLst/>
+          </a:prstGeom>
+        </p:spPr>
+        <p:style>
+          <a:lnRef idx="2">
+            <a:schemeClr val="accent5"/>
+          </a:lnRef>
+          <a:fillRef idx="1">
+            <a:schemeClr val="lt1"/>
+          </a:fillRef>
+          <a:effectRef idx="0">
+            <a:schemeClr val="accent5"/>
+          </a:effectRef>
+          <a:fontRef idx="minor">
+            <a:schemeClr val="dk1"/>
+          </a:fontRef>
+        </p:style>
+        <p:txBody>
+          <a:bodyPr wrap="square" rtlCol="0">
+            <a:spAutoFit/>
+          </a:bodyPr>
+          <a:lstStyle/>
+          <a:p>
+            <a:r>
+              <a:rPr lang="ko-KR" altLang="en-US" dirty="0">
+                <a:solidFill>
+                  <a:srgbClr val="FF0000"/>
+                </a:solidFill>
+              </a:rPr>
+              <a:t>내가 올린 </a:t>
+            </a:r>
+            <a:r>
+              <a:rPr lang="ko-KR" altLang="en-US" dirty="0" err="1">
+                <a:solidFill>
+                  <a:srgbClr val="FF0000"/>
+                </a:solidFill>
+              </a:rPr>
+              <a:t>커밋이</a:t>
+            </a:r>
+            <a:r>
+              <a:rPr lang="ko-KR" altLang="en-US" dirty="0">
+                <a:solidFill>
+                  <a:srgbClr val="FF0000"/>
+                </a:solidFill>
+              </a:rPr>
+              <a:t> 제대로 </a:t>
+            </a:r>
+            <a:r>
+              <a:rPr lang="en-US" altLang="ko-KR" dirty="0">
+                <a:solidFill>
+                  <a:srgbClr val="FF0000"/>
+                </a:solidFill>
+              </a:rPr>
+              <a:t>push</a:t>
+            </a:r>
+            <a:r>
+              <a:rPr lang="ko-KR" altLang="en-US" dirty="0">
+                <a:solidFill>
+                  <a:srgbClr val="FF0000"/>
+                </a:solidFill>
+              </a:rPr>
+              <a:t>가 </a:t>
+            </a:r>
+            <a:r>
+              <a:rPr lang="ko-KR" altLang="en-US" dirty="0" err="1">
+                <a:solidFill>
+                  <a:srgbClr val="FF0000"/>
+                </a:solidFill>
+              </a:rPr>
+              <a:t>된것을</a:t>
+            </a:r>
+            <a:r>
+              <a:rPr lang="ko-KR" altLang="en-US" dirty="0">
+                <a:solidFill>
+                  <a:srgbClr val="FF0000"/>
+                </a:solidFill>
+              </a:rPr>
+              <a:t> 확인할 수 있다</a:t>
+            </a:r>
+            <a:r>
+              <a:rPr lang="en-US" altLang="ko-KR" dirty="0">
+                <a:solidFill>
+                  <a:srgbClr val="FF0000"/>
+                </a:solidFill>
+              </a:rPr>
+              <a:t>.</a:t>
+            </a:r>
+          </a:p>
+        </p:txBody>
+      </p:sp>
+      <p:pic>
+        <p:nvPicPr>
+          <p:cNvPr id="6" name="그림 5">
+            <a:extLst>
+              <a:ext uri="{FF2B5EF4-FFF2-40B4-BE49-F238E27FC236}">
+                <a16:creationId xmlns:a16="http://schemas.microsoft.com/office/drawing/2014/main" id="{AB515E47-3FA1-2275-67D9-17AE34F6E149}"/>
+              </a:ext>
+            </a:extLst>
+          </p:cNvPr>
+          <p:cNvPicPr>
+            <a:picLocks noChangeAspect="1"/>
+          </p:cNvPicPr>
+          <p:nvPr/>
+        </p:nvPicPr>
+        <p:blipFill>
+          <a:blip r:embed="rId3"/>
+          <a:stretch>
+            <a:fillRect/>
+          </a:stretch>
+        </p:blipFill>
+        <p:spPr>
+          <a:xfrm>
+            <a:off x="974770" y="3764732"/>
+            <a:ext cx="9688277" cy="3429479"/>
+          </a:xfrm>
+          <a:prstGeom prst="rect">
+            <a:avLst/>
+          </a:prstGeom>
+        </p:spPr>
+      </p:pic>
+      <p:sp>
+        <p:nvSpPr>
+          <p:cNvPr id="7" name="TextBox 6">
+            <a:extLst>
+              <a:ext uri="{FF2B5EF4-FFF2-40B4-BE49-F238E27FC236}">
+                <a16:creationId xmlns:a16="http://schemas.microsoft.com/office/drawing/2014/main" id="{4ADD0254-F133-B584-B05F-506BC860E700}"/>
+              </a:ext>
+            </a:extLst>
+          </p:cNvPr>
+          <p:cNvSpPr txBox="1"/>
+          <p:nvPr/>
+        </p:nvSpPr>
+        <p:spPr>
+          <a:xfrm>
+            <a:off x="609601" y="3093268"/>
+            <a:ext cx="11041628" cy="369332"/>
+          </a:xfrm>
+          <a:prstGeom prst="rect">
+            <a:avLst/>
+          </a:prstGeom>
+        </p:spPr>
+        <p:style>
+          <a:lnRef idx="2">
+            <a:schemeClr val="accent5"/>
+          </a:lnRef>
+          <a:fillRef idx="1">
+            <a:schemeClr val="lt1"/>
+          </a:fillRef>
+          <a:effectRef idx="0">
+            <a:schemeClr val="accent5"/>
+          </a:effectRef>
+          <a:fontRef idx="minor">
+            <a:schemeClr val="dk1"/>
+          </a:fontRef>
+        </p:style>
+        <p:txBody>
+          <a:bodyPr wrap="square" rtlCol="0">
+            <a:spAutoFit/>
+          </a:bodyPr>
+          <a:lstStyle/>
+          <a:p>
+            <a:r>
+              <a:rPr lang="ko-KR" altLang="en-US" dirty="0">
+                <a:solidFill>
+                  <a:srgbClr val="FF0000"/>
+                </a:solidFill>
+              </a:rPr>
+              <a:t>실제 파일을 확인할 수 있다</a:t>
+            </a:r>
+            <a:r>
+              <a:rPr lang="en-US" altLang="ko-KR" dirty="0">
+                <a:solidFill>
+                  <a:srgbClr val="FF0000"/>
+                </a:solidFill>
+              </a:rPr>
+              <a:t>.</a:t>
+            </a:r>
+          </a:p>
+        </p:txBody>
+      </p:sp>
+    </p:spTree>
+    <p:extLst>
+      <p:ext uri="{BB962C8B-B14F-4D97-AF65-F5344CB8AC3E}">
+        <p14:creationId xmlns:p14="http://schemas.microsoft.com/office/powerpoint/2010/main" val="2326566616"/>
+      </p:ext>
+    </p:extLst>
+  </p:cSld>
+  <p:clrMapOvr>
+    <a:masterClrMapping/>
+  </p:clrMapOvr>
+</p:sld>
+</file>
+
+<file path=ppt/slides/slide36.xml><?xml version="1.0" encoding="utf-8"?>
+<p:sld xmlns:a="http://schemas.openxmlformats.org/drawingml/2006/main" xmlns:r="http://schemas.openxmlformats.org/officeDocument/2006/relationships" xmlns:p="http://schemas.openxmlformats.org/presentationml/2006/main">
+  <p:cSld>
+    <p:spTree>
+      <p:nvGrpSpPr>
+        <p:cNvPr id="1" name=""/>
+        <p:cNvGrpSpPr/>
+        <p:nvPr/>
+      </p:nvGrpSpPr>
+      <p:grpSpPr>
+        <a:xfrm>
+          <a:off x="0" y="0"/>
+          <a:ext cx="0" cy="0"/>
+          <a:chOff x="0" y="0"/>
+          <a:chExt cx="0" cy="0"/>
+        </a:xfrm>
+      </p:grpSpPr>
+      <p:sp>
+        <p:nvSpPr>
+          <p:cNvPr id="2" name="TextBox 1">
+            <a:extLst>
+              <a:ext uri="{FF2B5EF4-FFF2-40B4-BE49-F238E27FC236}">
+                <a16:creationId xmlns:a16="http://schemas.microsoft.com/office/drawing/2014/main" id="{BBA02F8D-5151-F420-51A0-7B9EE8F095DA}"/>
+              </a:ext>
+            </a:extLst>
+          </p:cNvPr>
+          <p:cNvSpPr txBox="1"/>
+          <p:nvPr/>
+        </p:nvSpPr>
+        <p:spPr>
+          <a:xfrm>
+            <a:off x="609601" y="357871"/>
+            <a:ext cx="11041628" cy="2862322"/>
+          </a:xfrm>
+          <a:prstGeom prst="rect">
+            <a:avLst/>
+          </a:prstGeom>
+        </p:spPr>
+        <p:style>
+          <a:lnRef idx="2">
+            <a:schemeClr val="accent5"/>
+          </a:lnRef>
+          <a:fillRef idx="1">
+            <a:schemeClr val="lt1"/>
+          </a:fillRef>
+          <a:effectRef idx="0">
+            <a:schemeClr val="accent5"/>
+          </a:effectRef>
+          <a:fontRef idx="minor">
+            <a:schemeClr val="dk1"/>
+          </a:fontRef>
+        </p:style>
+        <p:txBody>
+          <a:bodyPr wrap="square" rtlCol="0">
+            <a:spAutoFit/>
+          </a:bodyPr>
+          <a:lstStyle/>
+          <a:p>
+            <a:r>
+              <a:rPr lang="ko-KR" altLang="en-US" dirty="0">
+                <a:solidFill>
+                  <a:srgbClr val="FF0000"/>
+                </a:solidFill>
+              </a:rPr>
+              <a:t>한번 내가 </a:t>
+            </a:r>
+            <a:r>
+              <a:rPr lang="en-US" altLang="ko-KR" dirty="0">
+                <a:solidFill>
+                  <a:srgbClr val="FF0000"/>
+                </a:solidFill>
+              </a:rPr>
+              <a:t>git clone</a:t>
+            </a:r>
+            <a:r>
+              <a:rPr lang="ko-KR" altLang="en-US" dirty="0">
+                <a:solidFill>
+                  <a:srgbClr val="FF0000"/>
+                </a:solidFill>
+              </a:rPr>
+              <a:t>으로 특정 프로젝트를 받았다면 </a:t>
+            </a:r>
+            <a:endParaRPr lang="en-US" altLang="ko-KR" dirty="0">
+              <a:solidFill>
+                <a:srgbClr val="FF0000"/>
+              </a:solidFill>
+            </a:endParaRPr>
+          </a:p>
+          <a:p>
+            <a:r>
+              <a:rPr lang="en-US" altLang="ko-KR" dirty="0">
+                <a:solidFill>
+                  <a:srgbClr val="FF0000"/>
+                </a:solidFill>
+              </a:rPr>
+              <a:t>Git</a:t>
+            </a:r>
+            <a:r>
+              <a:rPr lang="ko-KR" altLang="en-US" dirty="0">
+                <a:solidFill>
+                  <a:srgbClr val="FF0000"/>
+                </a:solidFill>
+              </a:rPr>
+              <a:t>도 완벽한 프로그램이 아니라 특정 상황에서는 버그나 오류가 </a:t>
+            </a:r>
+            <a:r>
+              <a:rPr lang="ko-KR" altLang="en-US" dirty="0" err="1">
+                <a:solidFill>
+                  <a:srgbClr val="FF0000"/>
+                </a:solidFill>
+              </a:rPr>
+              <a:t>있을수도</a:t>
+            </a:r>
+            <a:r>
+              <a:rPr lang="ko-KR" altLang="en-US" dirty="0">
+                <a:solidFill>
+                  <a:srgbClr val="FF0000"/>
+                </a:solidFill>
+              </a:rPr>
+              <a:t> 있다</a:t>
+            </a:r>
+            <a:r>
+              <a:rPr lang="en-US" altLang="ko-KR" dirty="0">
+                <a:solidFill>
+                  <a:srgbClr val="FF0000"/>
+                </a:solidFill>
+              </a:rPr>
+              <a:t>.</a:t>
+            </a:r>
+          </a:p>
+          <a:p>
+            <a:endParaRPr lang="en-US" altLang="ko-KR" dirty="0">
+              <a:solidFill>
+                <a:srgbClr val="FF0000"/>
+              </a:solidFill>
+            </a:endParaRPr>
+          </a:p>
+          <a:p>
+            <a:r>
+              <a:rPr lang="ko-KR" altLang="en-US" dirty="0">
+                <a:solidFill>
+                  <a:srgbClr val="FF0000"/>
+                </a:solidFill>
+              </a:rPr>
+              <a:t>대부분의 문제는 그냥 기존 프로젝트 지우고 </a:t>
+            </a:r>
+            <a:r>
+              <a:rPr lang="en-US" altLang="ko-KR" dirty="0">
+                <a:solidFill>
+                  <a:srgbClr val="FF0000"/>
+                </a:solidFill>
+              </a:rPr>
+              <a:t>git clone </a:t>
+            </a:r>
+            <a:r>
+              <a:rPr lang="ko-KR" altLang="en-US" dirty="0">
+                <a:solidFill>
+                  <a:srgbClr val="FF0000"/>
+                </a:solidFill>
+              </a:rPr>
+              <a:t>다시하면 된다</a:t>
+            </a:r>
+            <a:r>
+              <a:rPr lang="en-US" altLang="ko-KR" dirty="0">
+                <a:solidFill>
+                  <a:srgbClr val="FF0000"/>
+                </a:solidFill>
+              </a:rPr>
+              <a:t>.</a:t>
+            </a:r>
+          </a:p>
+          <a:p>
+            <a:endParaRPr lang="en-US" altLang="ko-KR" dirty="0">
+              <a:solidFill>
+                <a:srgbClr val="FF0000"/>
+              </a:solidFill>
+            </a:endParaRPr>
+          </a:p>
+          <a:p>
+            <a:r>
+              <a:rPr lang="ko-KR" altLang="en-US" dirty="0">
+                <a:solidFill>
+                  <a:srgbClr val="FF0000"/>
+                </a:solidFill>
+              </a:rPr>
+              <a:t>하지만 귀찮다면 선생님이 새롭게 올린 부분만 현재 프로젝트에서 재적용하고 싶다면</a:t>
+            </a:r>
+            <a:endParaRPr lang="en-US" altLang="ko-KR" dirty="0">
+              <a:solidFill>
+                <a:srgbClr val="FF0000"/>
+              </a:solidFill>
+            </a:endParaRPr>
+          </a:p>
+          <a:p>
+            <a:endParaRPr lang="en-US" altLang="ko-KR" dirty="0">
+              <a:solidFill>
+                <a:srgbClr val="FF0000"/>
+              </a:solidFill>
+            </a:endParaRPr>
+          </a:p>
+          <a:p>
+            <a:r>
+              <a:rPr lang="en-US" altLang="ko-KR" dirty="0">
+                <a:solidFill>
+                  <a:srgbClr val="FF0000"/>
+                </a:solidFill>
+              </a:rPr>
+              <a:t>Git Pull</a:t>
+            </a:r>
+            <a:r>
+              <a:rPr lang="ko-KR" altLang="en-US" dirty="0">
+                <a:solidFill>
+                  <a:srgbClr val="FF0000"/>
+                </a:solidFill>
+              </a:rPr>
+              <a:t>을 하면 되는데</a:t>
+            </a:r>
+            <a:r>
+              <a:rPr lang="en-US" altLang="ko-KR" dirty="0">
+                <a:solidFill>
+                  <a:srgbClr val="FF0000"/>
+                </a:solidFill>
+              </a:rPr>
+              <a:t>.</a:t>
+            </a:r>
+          </a:p>
+          <a:p>
+            <a:endParaRPr lang="en-US" altLang="ko-KR" dirty="0">
+              <a:solidFill>
+                <a:srgbClr val="FF0000"/>
+              </a:solidFill>
+            </a:endParaRPr>
+          </a:p>
+          <a:p>
+            <a:r>
+              <a:rPr lang="ko-KR" altLang="en-US" dirty="0">
+                <a:solidFill>
+                  <a:srgbClr val="FF0000"/>
+                </a:solidFill>
+              </a:rPr>
+              <a:t>왜 </a:t>
+            </a:r>
+            <a:r>
+              <a:rPr lang="ko-KR" altLang="en-US" dirty="0" err="1">
+                <a:solidFill>
+                  <a:srgbClr val="FF0000"/>
+                </a:solidFill>
+              </a:rPr>
+              <a:t>커밋과</a:t>
+            </a:r>
+            <a:r>
+              <a:rPr lang="ko-KR" altLang="en-US" dirty="0">
+                <a:solidFill>
+                  <a:srgbClr val="FF0000"/>
+                </a:solidFill>
+              </a:rPr>
+              <a:t> 패치가 있냐</a:t>
+            </a:r>
+            <a:r>
+              <a:rPr lang="en-US" altLang="ko-KR" dirty="0">
+                <a:solidFill>
+                  <a:srgbClr val="FF0000"/>
+                </a:solidFill>
+              </a:rPr>
+              <a:t>? </a:t>
+            </a:r>
+            <a:r>
+              <a:rPr lang="ko-KR" altLang="en-US" dirty="0">
+                <a:solidFill>
+                  <a:srgbClr val="FF0000"/>
+                </a:solidFill>
+              </a:rPr>
+              <a:t>패치는 가상으로 받고 아직 적용은 </a:t>
+            </a:r>
+            <a:r>
+              <a:rPr lang="ko-KR" altLang="en-US" dirty="0" err="1">
+                <a:solidFill>
+                  <a:srgbClr val="FF0000"/>
+                </a:solidFill>
+              </a:rPr>
+              <a:t>안한</a:t>
+            </a:r>
+            <a:r>
+              <a:rPr lang="ko-KR" altLang="en-US" dirty="0">
+                <a:solidFill>
+                  <a:srgbClr val="FF0000"/>
+                </a:solidFill>
+              </a:rPr>
+              <a:t> 상태</a:t>
+            </a:r>
+            <a:endParaRPr lang="en-US" altLang="ko-KR" dirty="0">
+              <a:solidFill>
+                <a:srgbClr val="FF0000"/>
+              </a:solidFill>
+            </a:endParaRPr>
+          </a:p>
+        </p:txBody>
+      </p:sp>
+      <p:pic>
+        <p:nvPicPr>
+          <p:cNvPr id="4" name="그림 3">
+            <a:extLst>
+              <a:ext uri="{FF2B5EF4-FFF2-40B4-BE49-F238E27FC236}">
+                <a16:creationId xmlns:a16="http://schemas.microsoft.com/office/drawing/2014/main" id="{B5626D8D-0E3F-1BB5-2ABD-B96A0D6B2697}"/>
+              </a:ext>
+            </a:extLst>
+          </p:cNvPr>
+          <p:cNvPicPr>
+            <a:picLocks noChangeAspect="1"/>
+          </p:cNvPicPr>
+          <p:nvPr/>
+        </p:nvPicPr>
+        <p:blipFill>
+          <a:blip r:embed="rId2"/>
+          <a:stretch>
+            <a:fillRect/>
+          </a:stretch>
+        </p:blipFill>
+        <p:spPr>
+          <a:xfrm>
+            <a:off x="609601" y="3545775"/>
+            <a:ext cx="3696216" cy="4058216"/>
+          </a:xfrm>
+          <a:prstGeom prst="rect">
+            <a:avLst/>
+          </a:prstGeom>
+        </p:spPr>
+      </p:pic>
+      <mc:AlternateContent xmlns:mc="http://schemas.openxmlformats.org/markup-compatibility/2006">
+        <mc:Choice xmlns:p14="http://schemas.microsoft.com/office/powerpoint/2010/main" Requires="p14">
+          <p:contentPart p14:bwMode="auto" r:id="rId3">
+            <p14:nvContentPartPr>
+              <p14:cNvPr id="5" name="잉크 4">
+                <a:extLst>
+                  <a:ext uri="{FF2B5EF4-FFF2-40B4-BE49-F238E27FC236}">
+                    <a16:creationId xmlns:a16="http://schemas.microsoft.com/office/drawing/2014/main" id="{002A24AD-5785-D872-E000-8E63DE577115}"/>
+                  </a:ext>
+                </a:extLst>
+              </p14:cNvPr>
+              <p14:cNvContentPartPr/>
+              <p14:nvPr/>
+            </p14:nvContentPartPr>
+            <p14:xfrm>
+              <a:off x="2788847" y="4183244"/>
+              <a:ext cx="251280" cy="362880"/>
+            </p14:xfrm>
+          </p:contentPart>
+        </mc:Choice>
+        <mc:Fallback>
+          <p:pic>
+            <p:nvPicPr>
+              <p:cNvPr id="5" name="잉크 4">
+                <a:extLst>
+                  <a:ext uri="{FF2B5EF4-FFF2-40B4-BE49-F238E27FC236}">
+                    <a16:creationId xmlns:a16="http://schemas.microsoft.com/office/drawing/2014/main" id="{002A24AD-5785-D872-E000-8E63DE577115}"/>
+                  </a:ext>
+                </a:extLst>
+              </p:cNvPr>
+              <p:cNvPicPr/>
+              <p:nvPr/>
+            </p:nvPicPr>
+            <p:blipFill>
+              <a:blip r:embed="rId4"/>
+              <a:stretch>
+                <a:fillRect/>
+              </a:stretch>
+            </p:blipFill>
+            <p:spPr>
+              <a:xfrm>
+                <a:off x="2782727" y="4177124"/>
+                <a:ext cx="263520" cy="375120"/>
+              </a:xfrm>
+              <a:prstGeom prst="rect">
+                <a:avLst/>
+              </a:prstGeom>
+            </p:spPr>
+          </p:pic>
+        </mc:Fallback>
+      </mc:AlternateContent>
+      <p:grpSp>
+        <p:nvGrpSpPr>
+          <p:cNvPr id="11" name="그룹 10">
+            <a:extLst>
+              <a:ext uri="{FF2B5EF4-FFF2-40B4-BE49-F238E27FC236}">
+                <a16:creationId xmlns:a16="http://schemas.microsoft.com/office/drawing/2014/main" id="{0C0ACEB7-DAB2-275D-B8B2-22A3D2CBD0B7}"/>
+              </a:ext>
+            </a:extLst>
+          </p:cNvPr>
+          <p:cNvGrpSpPr/>
+          <p:nvPr/>
+        </p:nvGrpSpPr>
+        <p:grpSpPr>
+          <a:xfrm>
+            <a:off x="2853647" y="3341204"/>
+            <a:ext cx="1766160" cy="1240920"/>
+            <a:chOff x="2853647" y="3341204"/>
+            <a:chExt cx="1766160" cy="1240920"/>
+          </a:xfrm>
+        </p:grpSpPr>
+        <mc:AlternateContent xmlns:mc="http://schemas.openxmlformats.org/markup-compatibility/2006">
+          <mc:Choice xmlns:p14="http://schemas.microsoft.com/office/powerpoint/2010/main" Requires="p14">
+            <p:contentPart p14:bwMode="auto" r:id="rId5">
+              <p14:nvContentPartPr>
+                <p14:cNvPr id="6" name="잉크 5">
+                  <a:extLst>
+                    <a:ext uri="{FF2B5EF4-FFF2-40B4-BE49-F238E27FC236}">
+                      <a16:creationId xmlns:a16="http://schemas.microsoft.com/office/drawing/2014/main" id="{B84FBED6-65ED-A362-B181-CA5832955635}"/>
+                    </a:ext>
+                  </a:extLst>
+                </p14:cNvPr>
+                <p14:cNvContentPartPr/>
+                <p14:nvPr/>
+              </p14:nvContentPartPr>
+              <p14:xfrm>
+                <a:off x="2954807" y="4176404"/>
+                <a:ext cx="306720" cy="405720"/>
+              </p14:xfrm>
+            </p:contentPart>
+          </mc:Choice>
+          <mc:Fallback>
+            <p:pic>
+              <p:nvPicPr>
+                <p:cNvPr id="6" name="잉크 5">
+                  <a:extLst>
+                    <a:ext uri="{FF2B5EF4-FFF2-40B4-BE49-F238E27FC236}">
+                      <a16:creationId xmlns:a16="http://schemas.microsoft.com/office/drawing/2014/main" id="{B84FBED6-65ED-A362-B181-CA5832955635}"/>
+                    </a:ext>
+                  </a:extLst>
+                </p:cNvPr>
+                <p:cNvPicPr/>
+                <p:nvPr/>
+              </p:nvPicPr>
+              <p:blipFill>
+                <a:blip r:embed="rId6"/>
+                <a:stretch>
+                  <a:fillRect/>
+                </a:stretch>
+              </p:blipFill>
+              <p:spPr>
+                <a:xfrm>
+                  <a:off x="2948687" y="4170284"/>
+                  <a:ext cx="318960" cy="417960"/>
+                </a:xfrm>
+                <a:prstGeom prst="rect">
+                  <a:avLst/>
+                </a:prstGeom>
+              </p:spPr>
+            </p:pic>
+          </mc:Fallback>
+        </mc:AlternateContent>
+        <mc:AlternateContent xmlns:mc="http://schemas.openxmlformats.org/markup-compatibility/2006">
+          <mc:Choice xmlns:p14="http://schemas.microsoft.com/office/powerpoint/2010/main" Requires="p14">
+            <p:contentPart p14:bwMode="auto" r:id="rId7">
+              <p14:nvContentPartPr>
+                <p14:cNvPr id="7" name="잉크 6">
+                  <a:extLst>
+                    <a:ext uri="{FF2B5EF4-FFF2-40B4-BE49-F238E27FC236}">
+                      <a16:creationId xmlns:a16="http://schemas.microsoft.com/office/drawing/2014/main" id="{315C543C-B6A9-068D-921E-A9ADEA77D005}"/>
+                    </a:ext>
+                  </a:extLst>
+                </p14:cNvPr>
+                <p14:cNvContentPartPr/>
+                <p14:nvPr/>
+              </p14:nvContentPartPr>
+              <p14:xfrm>
+                <a:off x="2853647" y="3442364"/>
+                <a:ext cx="479160" cy="797400"/>
+              </p14:xfrm>
+            </p:contentPart>
+          </mc:Choice>
+          <mc:Fallback>
+            <p:pic>
+              <p:nvPicPr>
+                <p:cNvPr id="7" name="잉크 6">
+                  <a:extLst>
+                    <a:ext uri="{FF2B5EF4-FFF2-40B4-BE49-F238E27FC236}">
+                      <a16:creationId xmlns:a16="http://schemas.microsoft.com/office/drawing/2014/main" id="{315C543C-B6A9-068D-921E-A9ADEA77D005}"/>
+                    </a:ext>
+                  </a:extLst>
+                </p:cNvPr>
+                <p:cNvPicPr/>
+                <p:nvPr/>
+              </p:nvPicPr>
+              <p:blipFill>
+                <a:blip r:embed="rId8"/>
+                <a:stretch>
+                  <a:fillRect/>
+                </a:stretch>
+              </p:blipFill>
+              <p:spPr>
+                <a:xfrm>
+                  <a:off x="2847527" y="3436244"/>
+                  <a:ext cx="491400" cy="809640"/>
+                </a:xfrm>
+                <a:prstGeom prst="rect">
+                  <a:avLst/>
+                </a:prstGeom>
+              </p:spPr>
+            </p:pic>
+          </mc:Fallback>
+        </mc:AlternateContent>
+        <mc:AlternateContent xmlns:mc="http://schemas.openxmlformats.org/markup-compatibility/2006">
+          <mc:Choice xmlns:p14="http://schemas.microsoft.com/office/powerpoint/2010/main" Requires="p14">
+            <p:contentPart p14:bwMode="auto" r:id="rId9">
+              <p14:nvContentPartPr>
+                <p14:cNvPr id="8" name="잉크 7">
+                  <a:extLst>
+                    <a:ext uri="{FF2B5EF4-FFF2-40B4-BE49-F238E27FC236}">
+                      <a16:creationId xmlns:a16="http://schemas.microsoft.com/office/drawing/2014/main" id="{DC4665E2-41C3-6244-87DA-7ED834EC4E65}"/>
+                    </a:ext>
+                  </a:extLst>
+                </p14:cNvPr>
+                <p14:cNvContentPartPr/>
+                <p14:nvPr/>
+              </p14:nvContentPartPr>
+              <p14:xfrm>
+                <a:off x="3214007" y="3341204"/>
+                <a:ext cx="159840" cy="389520"/>
+              </p14:xfrm>
+            </p:contentPart>
+          </mc:Choice>
+          <mc:Fallback>
+            <p:pic>
+              <p:nvPicPr>
+                <p:cNvPr id="8" name="잉크 7">
+                  <a:extLst>
+                    <a:ext uri="{FF2B5EF4-FFF2-40B4-BE49-F238E27FC236}">
+                      <a16:creationId xmlns:a16="http://schemas.microsoft.com/office/drawing/2014/main" id="{DC4665E2-41C3-6244-87DA-7ED834EC4E65}"/>
+                    </a:ext>
+                  </a:extLst>
+                </p:cNvPr>
+                <p:cNvPicPr/>
+                <p:nvPr/>
+              </p:nvPicPr>
+              <p:blipFill>
+                <a:blip r:embed="rId10"/>
+                <a:stretch>
+                  <a:fillRect/>
+                </a:stretch>
+              </p:blipFill>
+              <p:spPr>
+                <a:xfrm>
+                  <a:off x="3207887" y="3335084"/>
+                  <a:ext cx="172080" cy="401760"/>
+                </a:xfrm>
+                <a:prstGeom prst="rect">
+                  <a:avLst/>
+                </a:prstGeom>
+              </p:spPr>
+            </p:pic>
+          </mc:Fallback>
+        </mc:AlternateContent>
+        <mc:AlternateContent xmlns:mc="http://schemas.openxmlformats.org/markup-compatibility/2006">
+          <mc:Choice xmlns:p14="http://schemas.microsoft.com/office/powerpoint/2010/main" Requires="p14">
+            <p:contentPart p14:bwMode="auto" r:id="rId11">
+              <p14:nvContentPartPr>
+                <p14:cNvPr id="9" name="잉크 8">
+                  <a:extLst>
+                    <a:ext uri="{FF2B5EF4-FFF2-40B4-BE49-F238E27FC236}">
+                      <a16:creationId xmlns:a16="http://schemas.microsoft.com/office/drawing/2014/main" id="{38DE9E93-5A10-F4B0-4725-A570F543034A}"/>
+                    </a:ext>
+                  </a:extLst>
+                </p14:cNvPr>
+                <p14:cNvContentPartPr/>
+                <p14:nvPr/>
+              </p14:nvContentPartPr>
+              <p14:xfrm>
+                <a:off x="3251087" y="3805604"/>
+                <a:ext cx="1348560" cy="452160"/>
+              </p14:xfrm>
+            </p:contentPart>
+          </mc:Choice>
+          <mc:Fallback>
+            <p:pic>
+              <p:nvPicPr>
+                <p:cNvPr id="9" name="잉크 8">
+                  <a:extLst>
+                    <a:ext uri="{FF2B5EF4-FFF2-40B4-BE49-F238E27FC236}">
+                      <a16:creationId xmlns:a16="http://schemas.microsoft.com/office/drawing/2014/main" id="{38DE9E93-5A10-F4B0-4725-A570F543034A}"/>
+                    </a:ext>
+                  </a:extLst>
+                </p:cNvPr>
+                <p:cNvPicPr/>
+                <p:nvPr/>
+              </p:nvPicPr>
+              <p:blipFill>
+                <a:blip r:embed="rId12"/>
+                <a:stretch>
+                  <a:fillRect/>
+                </a:stretch>
+              </p:blipFill>
+              <p:spPr>
+                <a:xfrm>
+                  <a:off x="3244967" y="3799484"/>
+                  <a:ext cx="1360800" cy="464400"/>
+                </a:xfrm>
+                <a:prstGeom prst="rect">
+                  <a:avLst/>
+                </a:prstGeom>
+              </p:spPr>
+            </p:pic>
+          </mc:Fallback>
+        </mc:AlternateContent>
+        <mc:AlternateContent xmlns:mc="http://schemas.openxmlformats.org/markup-compatibility/2006">
+          <mc:Choice xmlns:p14="http://schemas.microsoft.com/office/powerpoint/2010/main" Requires="p14">
+            <p:contentPart p14:bwMode="auto" r:id="rId13">
+              <p14:nvContentPartPr>
+                <p14:cNvPr id="10" name="잉크 9">
+                  <a:extLst>
+                    <a:ext uri="{FF2B5EF4-FFF2-40B4-BE49-F238E27FC236}">
+                      <a16:creationId xmlns:a16="http://schemas.microsoft.com/office/drawing/2014/main" id="{03F5FD30-7348-C724-63F7-471E75DB7BAE}"/>
+                    </a:ext>
+                  </a:extLst>
+                </p14:cNvPr>
+                <p14:cNvContentPartPr/>
+                <p14:nvPr/>
+              </p14:nvContentPartPr>
+              <p14:xfrm>
+                <a:off x="4479407" y="3638924"/>
+                <a:ext cx="140400" cy="526680"/>
+              </p14:xfrm>
+            </p:contentPart>
+          </mc:Choice>
+          <mc:Fallback>
+            <p:pic>
+              <p:nvPicPr>
+                <p:cNvPr id="10" name="잉크 9">
+                  <a:extLst>
+                    <a:ext uri="{FF2B5EF4-FFF2-40B4-BE49-F238E27FC236}">
+                      <a16:creationId xmlns:a16="http://schemas.microsoft.com/office/drawing/2014/main" id="{03F5FD30-7348-C724-63F7-471E75DB7BAE}"/>
+                    </a:ext>
+                  </a:extLst>
+                </p:cNvPr>
+                <p:cNvPicPr/>
+                <p:nvPr/>
+              </p:nvPicPr>
+              <p:blipFill>
+                <a:blip r:embed="rId14"/>
+                <a:stretch>
+                  <a:fillRect/>
+                </a:stretch>
+              </p:blipFill>
+              <p:spPr>
+                <a:xfrm>
+                  <a:off x="4473287" y="3632804"/>
+                  <a:ext cx="152640" cy="538920"/>
+                </a:xfrm>
+                <a:prstGeom prst="rect">
+                  <a:avLst/>
+                </a:prstGeom>
+              </p:spPr>
+            </p:pic>
+          </mc:Fallback>
+        </mc:AlternateContent>
+      </p:grpSp>
+      <p:sp>
+        <p:nvSpPr>
+          <p:cNvPr id="12" name="TextBox 11">
+            <a:extLst>
+              <a:ext uri="{FF2B5EF4-FFF2-40B4-BE49-F238E27FC236}">
+                <a16:creationId xmlns:a16="http://schemas.microsoft.com/office/drawing/2014/main" id="{073584AE-7EAD-FAE1-FEA2-4987560B6CC0}"/>
+              </a:ext>
+            </a:extLst>
+          </p:cNvPr>
+          <p:cNvSpPr txBox="1"/>
+          <p:nvPr/>
+        </p:nvSpPr>
+        <p:spPr>
+          <a:xfrm>
+            <a:off x="4773237" y="3429000"/>
+            <a:ext cx="7258923" cy="1200329"/>
+          </a:xfrm>
+          <a:prstGeom prst="rect">
+            <a:avLst/>
+          </a:prstGeom>
+        </p:spPr>
+        <p:style>
+          <a:lnRef idx="2">
+            <a:schemeClr val="accent5"/>
+          </a:lnRef>
+          <a:fillRef idx="1">
+            <a:schemeClr val="lt1"/>
+          </a:fillRef>
+          <a:effectRef idx="0">
+            <a:schemeClr val="accent5"/>
+          </a:effectRef>
+          <a:fontRef idx="minor">
+            <a:schemeClr val="dk1"/>
+          </a:fontRef>
+        </p:style>
+        <p:txBody>
+          <a:bodyPr wrap="square" rtlCol="0">
+            <a:spAutoFit/>
+          </a:bodyPr>
+          <a:lstStyle/>
+          <a:p>
+            <a:r>
+              <a:rPr lang="en-US" altLang="ko-KR" dirty="0">
+                <a:solidFill>
+                  <a:srgbClr val="FF0000"/>
+                </a:solidFill>
+              </a:rPr>
+              <a:t>Pull</a:t>
+            </a:r>
+            <a:r>
+              <a:rPr lang="ko-KR" altLang="en-US" dirty="0">
+                <a:solidFill>
+                  <a:srgbClr val="FF0000"/>
+                </a:solidFill>
+              </a:rPr>
+              <a:t>이라고 부르는 </a:t>
+            </a:r>
+            <a:r>
+              <a:rPr lang="ko-KR" altLang="en-US" dirty="0" err="1">
+                <a:solidFill>
+                  <a:srgbClr val="FF0000"/>
+                </a:solidFill>
+              </a:rPr>
+              <a:t>끌어오기인데</a:t>
+            </a:r>
+            <a:r>
+              <a:rPr lang="en-US" altLang="ko-KR" dirty="0">
+                <a:solidFill>
+                  <a:srgbClr val="FF0000"/>
+                </a:solidFill>
+              </a:rPr>
+              <a:t>.</a:t>
+            </a:r>
+          </a:p>
+          <a:p>
+            <a:endParaRPr lang="en-US" altLang="ko-KR" dirty="0">
+              <a:solidFill>
+                <a:srgbClr val="FF0000"/>
+              </a:solidFill>
+            </a:endParaRPr>
+          </a:p>
+          <a:p>
+            <a:r>
+              <a:rPr lang="ko-KR" altLang="en-US" dirty="0">
+                <a:solidFill>
+                  <a:srgbClr val="FF0000"/>
+                </a:solidFill>
+              </a:rPr>
+              <a:t>이걸 하시면 선생님이 새롭게 프로젝트의 최신상태로 갱신하겠다는 </a:t>
+            </a:r>
+            <a:endParaRPr lang="en-US" altLang="ko-KR" dirty="0">
+              <a:solidFill>
+                <a:srgbClr val="FF0000"/>
+              </a:solidFill>
+            </a:endParaRPr>
+          </a:p>
+          <a:p>
+            <a:r>
+              <a:rPr lang="ko-KR" altLang="en-US" dirty="0">
+                <a:solidFill>
+                  <a:srgbClr val="FF0000"/>
+                </a:solidFill>
+              </a:rPr>
+              <a:t>이야기입니다</a:t>
+            </a:r>
+            <a:r>
+              <a:rPr lang="en-US" altLang="ko-KR" dirty="0">
+                <a:solidFill>
+                  <a:srgbClr val="FF0000"/>
+                </a:solidFill>
+              </a:rPr>
+              <a:t>.</a:t>
+            </a:r>
+          </a:p>
+        </p:txBody>
+      </p:sp>
+    </p:spTree>
+    <p:extLst>
+      <p:ext uri="{BB962C8B-B14F-4D97-AF65-F5344CB8AC3E}">
+        <p14:creationId xmlns:p14="http://schemas.microsoft.com/office/powerpoint/2010/main" val="3282817097"/>
+      </p:ext>
+    </p:extLst>
+  </p:cSld>
+  <p:clrMapOvr>
+    <a:masterClrMapping/>
+  </p:clrMapOvr>
+</p:sld>
+</file>
+
+<file path=ppt/slides/slide37.xml><?xml version="1.0" encoding="utf-8"?>
+<p:sld xmlns:a="http://schemas.openxmlformats.org/drawingml/2006/main" xmlns:r="http://schemas.openxmlformats.org/officeDocument/2006/relationships" xmlns:p="http://schemas.openxmlformats.org/presentationml/2006/main">
+  <p:cSld>
+    <p:spTree>
+      <p:nvGrpSpPr>
+        <p:cNvPr id="1" name=""/>
+        <p:cNvGrpSpPr/>
+        <p:nvPr/>
+      </p:nvGrpSpPr>
+      <p:grpSpPr>
+        <a:xfrm>
+          <a:off x="0" y="0"/>
+          <a:ext cx="0" cy="0"/>
+          <a:chOff x="0" y="0"/>
+          <a:chExt cx="0" cy="0"/>
+        </a:xfrm>
+      </p:grpSpPr>
+    </p:spTree>
+    <p:extLst>
+      <p:ext uri="{BB962C8B-B14F-4D97-AF65-F5344CB8AC3E}">
+        <p14:creationId xmlns:p14="http://schemas.microsoft.com/office/powerpoint/2010/main" val="140312214"/>
+      </p:ext>
+    </p:extLst>
+  </p:cSld>
+  <p:clrMapOvr>
+    <a:masterClrMapping/>
+  </p:clrMapOvr>
+</p:sld>
+</file>
+
+<file path=ppt/slides/slide38.xml><?xml version="1.0" encoding="utf-8"?>
+<p:sld xmlns:a="http://schemas.openxmlformats.org/drawingml/2006/main" xmlns:r="http://schemas.openxmlformats.org/officeDocument/2006/relationships" xmlns:p="http://schemas.openxmlformats.org/presentationml/2006/main">
+  <p:cSld>
+    <p:spTree>
+      <p:nvGrpSpPr>
+        <p:cNvPr id="1" name=""/>
+        <p:cNvGrpSpPr/>
+        <p:nvPr/>
+      </p:nvGrpSpPr>
+      <p:grpSpPr>
+        <a:xfrm>
+          <a:off x="0" y="0"/>
+          <a:ext cx="0" cy="0"/>
+          <a:chOff x="0" y="0"/>
+          <a:chExt cx="0" cy="0"/>
+        </a:xfrm>
+      </p:grpSpPr>
+    </p:spTree>
+    <p:extLst>
+      <p:ext uri="{BB962C8B-B14F-4D97-AF65-F5344CB8AC3E}">
+        <p14:creationId xmlns:p14="http://schemas.microsoft.com/office/powerpoint/2010/main" val="597525934"/>
+      </p:ext>
+    </p:extLst>
+  </p:cSld>
+  <p:clrMapOvr>
+    <a:masterClrMapping/>
+  </p:clrMapOvr>
+</p:sld>
+</file>
+
+<file path=ppt/slides/slide39.xml><?xml version="1.0" encoding="utf-8"?>
+<p:sld xmlns:a="http://schemas.openxmlformats.org/drawingml/2006/main" xmlns:r="http://schemas.openxmlformats.org/officeDocument/2006/relationships" xmlns:p="http://schemas.openxmlformats.org/presentationml/2006/main">
+  <p:cSld>
+    <p:spTree>
+      <p:nvGrpSpPr>
+        <p:cNvPr id="1" name=""/>
+        <p:cNvGrpSpPr/>
+        <p:nvPr/>
+      </p:nvGrpSpPr>
+      <p:grpSpPr>
+        <a:xfrm>
+          <a:off x="0" y="0"/>
+          <a:ext cx="0" cy="0"/>
+          <a:chOff x="0" y="0"/>
+          <a:chExt cx="0" cy="0"/>
+        </a:xfrm>
+      </p:grpSpPr>
+    </p:spTree>
+    <p:extLst>
+      <p:ext uri="{BB962C8B-B14F-4D97-AF65-F5344CB8AC3E}">
+        <p14:creationId xmlns:p14="http://schemas.microsoft.com/office/powerpoint/2010/main" val="1748284261"/>
+      </p:ext>
+    </p:extLst>
+  </p:cSld>
+  <p:clrMapOvr>
+    <a:masterClrMapping/>
+  </p:clrMapOvr>
+</p:sld>
+</file>
+
+<file path=ppt/slides/slide4.xml><?xml version="1.0" encoding="utf-8"?>
+<p:sld xmlns:a="http://schemas.openxmlformats.org/drawingml/2006/main" xmlns:r="http://schemas.openxmlformats.org/officeDocument/2006/relationships" xmlns:p="http://schemas.openxmlformats.org/presentationml/2006/main">
+  <p:cSld>
+    <p:spTree>
+      <p:nvGrpSpPr>
+        <p:cNvPr id="1" name=""/>
+        <p:cNvGrpSpPr/>
+        <p:nvPr/>
+      </p:nvGrpSpPr>
+      <p:grpSpPr>
+        <a:xfrm>
+          <a:off x="0" y="0"/>
+          <a:ext cx="0" cy="0"/>
+          <a:chOff x="0" y="0"/>
+          <a:chExt cx="0" cy="0"/>
+        </a:xfrm>
+      </p:grpSpPr>
+      <p:pic>
+        <p:nvPicPr>
+          <p:cNvPr id="10" name="그림 9">
+            <a:extLst>
+              <a:ext uri="{FF2B5EF4-FFF2-40B4-BE49-F238E27FC236}">
+                <a16:creationId xmlns:a16="http://schemas.microsoft.com/office/drawing/2014/main" id="{5C4BBCB9-EBEF-C1BF-4F07-198BDE02E085}"/>
+              </a:ext>
+            </a:extLst>
+          </p:cNvPr>
+          <p:cNvPicPr>
+            <a:picLocks noChangeAspect="1"/>
+          </p:cNvPicPr>
+          <p:nvPr/>
+        </p:nvPicPr>
+        <p:blipFill>
+          <a:blip r:embed="rId2"/>
+          <a:stretch>
+            <a:fillRect/>
+          </a:stretch>
+        </p:blipFill>
+        <p:spPr>
+          <a:xfrm>
+            <a:off x="351623" y="4961641"/>
+            <a:ext cx="5744377" cy="2314898"/>
+          </a:xfrm>
+          <a:prstGeom prst="rect">
+            <a:avLst/>
+          </a:prstGeom>
+        </p:spPr>
+      </p:pic>
+      <p:sp>
+        <p:nvSpPr>
+          <p:cNvPr id="3" name="TextBox 2">
+            <a:extLst>
+              <a:ext uri="{FF2B5EF4-FFF2-40B4-BE49-F238E27FC236}">
+                <a16:creationId xmlns:a16="http://schemas.microsoft.com/office/drawing/2014/main" id="{89B38423-0E47-A648-288B-3D64AC778932}"/>
+              </a:ext>
+            </a:extLst>
+          </p:cNvPr>
+          <p:cNvSpPr txBox="1"/>
+          <p:nvPr/>
+        </p:nvSpPr>
+        <p:spPr>
+          <a:xfrm>
+            <a:off x="351623" y="259939"/>
+            <a:ext cx="9692077" cy="4524315"/>
+          </a:xfrm>
+          <a:prstGeom prst="rect">
+            <a:avLst/>
+          </a:prstGeom>
+          <a:noFill/>
+        </p:spPr>
+        <p:txBody>
+          <a:bodyPr wrap="none" rtlCol="0">
+            <a:spAutoFit/>
+          </a:bodyPr>
+          <a:lstStyle/>
+          <a:p>
+            <a:r>
+              <a:rPr lang="ko-KR" altLang="en-US" dirty="0" err="1"/>
+              <a:t>이그노어</a:t>
+            </a:r>
+            <a:r>
+              <a:rPr lang="ko-KR" altLang="en-US" dirty="0"/>
+              <a:t> 설명</a:t>
+            </a:r>
+            <a:endParaRPr lang="en-US" altLang="ko-KR" dirty="0"/>
+          </a:p>
+          <a:p>
+            <a:endParaRPr lang="en-US" altLang="ko-KR" dirty="0"/>
+          </a:p>
+          <a:p>
+            <a:r>
+              <a:rPr lang="en-US" altLang="ko-KR" dirty="0"/>
+              <a:t>C++</a:t>
+            </a:r>
+          </a:p>
+          <a:p>
+            <a:endParaRPr lang="en-US" altLang="ko-KR" dirty="0"/>
+          </a:p>
+          <a:p>
+            <a:r>
+              <a:rPr lang="ko-KR" altLang="en-US" dirty="0"/>
+              <a:t>비주얼 스튜디오</a:t>
+            </a:r>
+            <a:endParaRPr lang="en-US" altLang="ko-KR" dirty="0"/>
+          </a:p>
+          <a:p>
+            <a:endParaRPr lang="en-US" altLang="ko-KR" dirty="0"/>
+          </a:p>
+          <a:p>
+            <a:r>
+              <a:rPr lang="ko-KR" altLang="en-US" dirty="0" err="1"/>
+              <a:t>언리얼</a:t>
+            </a:r>
+            <a:r>
+              <a:rPr lang="ko-KR" altLang="en-US" dirty="0"/>
+              <a:t> 엔진</a:t>
+            </a:r>
+            <a:endParaRPr lang="en-US" altLang="ko-KR" dirty="0"/>
+          </a:p>
+          <a:p>
+            <a:endParaRPr lang="en-US" altLang="ko-KR" dirty="0"/>
+          </a:p>
+          <a:p>
+            <a:r>
+              <a:rPr lang="en-US" altLang="ko-KR" dirty="0"/>
+              <a:t>.exe</a:t>
+            </a:r>
+            <a:r>
+              <a:rPr lang="ko-KR" altLang="en-US" dirty="0"/>
+              <a:t>가 대표적인 올리면</a:t>
+            </a:r>
+            <a:r>
+              <a:rPr lang="en-US" altLang="ko-KR" dirty="0"/>
+              <a:t>(</a:t>
+            </a:r>
+            <a:r>
+              <a:rPr lang="ko-KR" altLang="en-US" dirty="0"/>
+              <a:t>외장 서버에 파일을 올리는 것을 말한다</a:t>
+            </a:r>
+            <a:r>
+              <a:rPr lang="en-US" altLang="ko-KR" dirty="0"/>
+              <a:t>.)</a:t>
+            </a:r>
+            <a:r>
+              <a:rPr lang="ko-KR" altLang="en-US" dirty="0"/>
+              <a:t> 안되는 파일</a:t>
+            </a:r>
+            <a:endParaRPr lang="en-US" altLang="ko-KR" dirty="0"/>
+          </a:p>
+          <a:p>
+            <a:endParaRPr lang="en-US" altLang="ko-KR" dirty="0"/>
+          </a:p>
+          <a:p>
+            <a:r>
+              <a:rPr lang="ko-KR" altLang="en-US" dirty="0"/>
+              <a:t>프로그램이란 </a:t>
+            </a:r>
+            <a:r>
+              <a:rPr lang="en-US" altLang="ko-KR" dirty="0"/>
+              <a:t>.exe</a:t>
+            </a:r>
+            <a:r>
+              <a:rPr lang="ko-KR" altLang="en-US" dirty="0"/>
+              <a:t>파일을 말합니다</a:t>
+            </a:r>
+            <a:r>
+              <a:rPr lang="en-US" altLang="ko-KR" dirty="0"/>
+              <a:t>.</a:t>
+            </a:r>
+          </a:p>
+          <a:p>
+            <a:r>
+              <a:rPr lang="en-US" altLang="ko-KR" dirty="0"/>
+              <a:t>IDE</a:t>
+            </a:r>
+            <a:r>
+              <a:rPr lang="ko-KR" altLang="en-US" dirty="0"/>
+              <a:t>를 통해서 쉽게 </a:t>
+            </a:r>
+            <a:r>
+              <a:rPr lang="en-US" altLang="ko-KR" dirty="0"/>
+              <a:t>.exe</a:t>
+            </a:r>
+            <a:r>
+              <a:rPr lang="ko-KR" altLang="en-US" dirty="0"/>
+              <a:t>파일을 </a:t>
+            </a:r>
+            <a:r>
+              <a:rPr lang="ko-KR" altLang="en-US" dirty="0" err="1"/>
+              <a:t>생산할수</a:t>
+            </a:r>
+            <a:r>
+              <a:rPr lang="ko-KR" altLang="en-US" dirty="0"/>
+              <a:t> 있게 됐어</a:t>
+            </a:r>
+            <a:r>
+              <a:rPr lang="en-US" altLang="ko-KR" dirty="0"/>
+              <a:t>.</a:t>
+            </a:r>
+          </a:p>
+          <a:p>
+            <a:r>
+              <a:rPr lang="ko-KR" altLang="en-US" dirty="0"/>
+              <a:t>쉽게 말해서 </a:t>
+            </a:r>
+            <a:r>
+              <a:rPr lang="ko-KR" altLang="en-US" dirty="0" err="1"/>
+              <a:t>비주얼스튜디오</a:t>
+            </a:r>
+            <a:r>
+              <a:rPr lang="ko-KR" altLang="en-US" dirty="0"/>
+              <a:t> 프로젝트만 있다면 언제든지 비주얼 스튜디오의 기능으로</a:t>
+            </a:r>
+            <a:endParaRPr lang="en-US" altLang="ko-KR" dirty="0"/>
+          </a:p>
+          <a:p>
+            <a:r>
+              <a:rPr lang="en-US" altLang="ko-KR" dirty="0"/>
+              <a:t>.exe</a:t>
+            </a:r>
+            <a:r>
+              <a:rPr lang="ko-KR" altLang="en-US" dirty="0"/>
+              <a:t>를 </a:t>
+            </a:r>
+            <a:r>
+              <a:rPr lang="ko-KR" altLang="en-US" dirty="0" err="1"/>
+              <a:t>만들수</a:t>
+            </a:r>
+            <a:r>
+              <a:rPr lang="ko-KR" altLang="en-US" dirty="0"/>
+              <a:t> 있어</a:t>
+            </a:r>
+            <a:r>
+              <a:rPr lang="en-US" altLang="ko-KR" dirty="0"/>
+              <a:t>. </a:t>
+            </a:r>
+          </a:p>
+          <a:p>
+            <a:r>
+              <a:rPr lang="ko-KR" altLang="en-US" dirty="0"/>
+              <a:t>시작은 비주얼 스튜디오에 </a:t>
+            </a:r>
+            <a:r>
+              <a:rPr lang="ko-KR" altLang="en-US" dirty="0" err="1"/>
+              <a:t>필요없는</a:t>
+            </a:r>
+            <a:r>
+              <a:rPr lang="ko-KR" altLang="en-US" dirty="0"/>
+              <a:t> 파일을 </a:t>
+            </a:r>
+            <a:r>
+              <a:rPr lang="ko-KR" altLang="en-US" dirty="0" err="1"/>
+              <a:t>안올리는</a:t>
+            </a:r>
+            <a:r>
+              <a:rPr lang="ko-KR" altLang="en-US" dirty="0"/>
+              <a:t> 비주얼 스튜디오 설정으로 시작했다가</a:t>
+            </a:r>
+            <a:endParaRPr lang="en-US" altLang="ko-KR" dirty="0"/>
+          </a:p>
+          <a:p>
+            <a:r>
+              <a:rPr lang="ko-KR" altLang="en-US" dirty="0"/>
+              <a:t>나중에 </a:t>
+            </a:r>
+            <a:r>
+              <a:rPr lang="ko-KR" altLang="en-US" dirty="0" err="1"/>
+              <a:t>언리얼</a:t>
+            </a:r>
+            <a:r>
+              <a:rPr lang="ko-KR" altLang="en-US" dirty="0"/>
+              <a:t> </a:t>
+            </a:r>
+            <a:r>
+              <a:rPr lang="ko-KR" altLang="en-US" dirty="0" err="1"/>
+              <a:t>이그노어를</a:t>
+            </a:r>
+            <a:r>
+              <a:rPr lang="ko-KR" altLang="en-US" dirty="0"/>
+              <a:t> 합친다</a:t>
+            </a:r>
+            <a:r>
+              <a:rPr lang="en-US" altLang="ko-KR" dirty="0"/>
+              <a:t>.</a:t>
+            </a:r>
+          </a:p>
+        </p:txBody>
+      </p:sp>
+      <mc:AlternateContent xmlns:mc="http://schemas.openxmlformats.org/markup-compatibility/2006" xmlns:p14="http://schemas.microsoft.com/office/powerpoint/2010/main">
+        <mc:Choice Requires="p14">
+          <p:contentPart p14:bwMode="auto" r:id="rId3">
+            <p14:nvContentPartPr>
+              <p14:cNvPr id="4" name="잉크 3">
+                <a:extLst>
+                  <a:ext uri="{FF2B5EF4-FFF2-40B4-BE49-F238E27FC236}">
+                    <a16:creationId xmlns:a16="http://schemas.microsoft.com/office/drawing/2014/main" id="{D8D42320-6B9E-BC1A-59D7-76F43DF64EF4}"/>
+                  </a:ext>
+                </a:extLst>
+              </p14:cNvPr>
+              <p14:cNvContentPartPr/>
+              <p14:nvPr/>
+            </p14:nvContentPartPr>
+            <p14:xfrm>
+              <a:off x="1559447" y="6189164"/>
+              <a:ext cx="1296360" cy="627120"/>
+            </p14:xfrm>
+          </p:contentPart>
+        </mc:Choice>
+        <mc:Fallback xmlns="">
+          <p:pic>
+            <p:nvPicPr>
+              <p:cNvPr id="4" name="잉크 3">
+                <a:extLst>
+                  <a:ext uri="{FF2B5EF4-FFF2-40B4-BE49-F238E27FC236}">
+                    <a16:creationId xmlns:a16="http://schemas.microsoft.com/office/drawing/2014/main" id="{D8D42320-6B9E-BC1A-59D7-76F43DF64EF4}"/>
+                  </a:ext>
+                </a:extLst>
+              </p:cNvPr>
+              <p:cNvPicPr/>
+              <p:nvPr/>
+            </p:nvPicPr>
+            <p:blipFill>
+              <a:blip r:embed="rId4"/>
+              <a:stretch>
+                <a:fillRect/>
+              </a:stretch>
+            </p:blipFill>
+            <p:spPr>
+              <a:xfrm>
+                <a:off x="1553327" y="6183044"/>
+                <a:ext cx="1308600" cy="639360"/>
+              </a:xfrm>
+              <a:prstGeom prst="rect">
+                <a:avLst/>
+              </a:prstGeom>
+            </p:spPr>
+          </p:pic>
+        </mc:Fallback>
+      </mc:AlternateContent>
+    </p:spTree>
+    <p:extLst>
+      <p:ext uri="{BB962C8B-B14F-4D97-AF65-F5344CB8AC3E}">
+        <p14:creationId xmlns:p14="http://schemas.microsoft.com/office/powerpoint/2010/main" val="1996909380"/>
+      </p:ext>
+    </p:extLst>
+  </p:cSld>
+  <p:clrMapOvr>
+    <a:masterClrMapping/>
+  </p:clrMapOvr>
+</p:sld>
+</file>
+
+<file path=ppt/slides/slide40.xml><?xml version="1.0" encoding="utf-8"?>
 <p:sld xmlns:a="http://schemas.openxmlformats.org/drawingml/2006/main" xmlns:r="http://schemas.openxmlformats.org/officeDocument/2006/relationships" xmlns:p="http://schemas.openxmlformats.org/presentationml/2006/main">
   <p:cSld>
     <p:spTree>
@@ -10226,7 +12700,7 @@
 </p:sld>
 </file>
 
-<file path=ppt/slides/slide35.xml><?xml version="1.0" encoding="utf-8"?>
+<file path=ppt/slides/slide41.xml><?xml version="1.0" encoding="utf-8"?>
 <p:sld xmlns:a="http://schemas.openxmlformats.org/drawingml/2006/main" xmlns:r="http://schemas.openxmlformats.org/officeDocument/2006/relationships" xmlns:p="http://schemas.openxmlformats.org/presentationml/2006/main">
   <p:cSld>
     <p:spTree>
@@ -10658,7 +13132,7 @@
 </p:sld>
 </file>
 
-<file path=ppt/slides/slide36.xml><?xml version="1.0" encoding="utf-8"?>
+<file path=ppt/slides/slide42.xml><?xml version="1.0" encoding="utf-8"?>
 <p:sld xmlns:a="http://schemas.openxmlformats.org/drawingml/2006/main" xmlns:r="http://schemas.openxmlformats.org/officeDocument/2006/relationships" xmlns:p="http://schemas.openxmlformats.org/presentationml/2006/main">
   <p:cSld>
     <p:spTree>
@@ -10845,7 +13319,7 @@
 </p:sld>
 </file>
 
-<file path=ppt/slides/slide37.xml><?xml version="1.0" encoding="utf-8"?>
+<file path=ppt/slides/slide43.xml><?xml version="1.0" encoding="utf-8"?>
 <p:sld xmlns:a="http://schemas.openxmlformats.org/drawingml/2006/main" xmlns:r="http://schemas.openxmlformats.org/officeDocument/2006/relationships" xmlns:p="http://schemas.openxmlformats.org/presentationml/2006/main">
   <p:cSld>
     <p:spTree>
@@ -11021,7 +13495,7 @@
 </p:sld>
 </file>
 
-<file path=ppt/slides/slide38.xml><?xml version="1.0" encoding="utf-8"?>
+<file path=ppt/slides/slide44.xml><?xml version="1.0" encoding="utf-8"?>
 <p:sld xmlns:a="http://schemas.openxmlformats.org/drawingml/2006/main" xmlns:r="http://schemas.openxmlformats.org/officeDocument/2006/relationships" xmlns:p="http://schemas.openxmlformats.org/presentationml/2006/main">
   <p:cSld>
     <p:spTree>
@@ -11183,7 +13657,7 @@
 </p:sld>
 </file>
 
-<file path=ppt/slides/slide39.xml><?xml version="1.0" encoding="utf-8"?>
+<file path=ppt/slides/slide45.xml><?xml version="1.0" encoding="utf-8"?>
 <p:sld xmlns:a="http://schemas.openxmlformats.org/drawingml/2006/main" xmlns:r="http://schemas.openxmlformats.org/officeDocument/2006/relationships" xmlns:p="http://schemas.openxmlformats.org/presentationml/2006/main">
   <p:cSld>
     <p:spTree>
@@ -11243,358 +13717,7 @@
 </p:sld>
 </file>
 
-<file path=ppt/slides/slide4.xml><?xml version="1.0" encoding="utf-8"?>
-<p:sld xmlns:a="http://schemas.openxmlformats.org/drawingml/2006/main" xmlns:r="http://schemas.openxmlformats.org/officeDocument/2006/relationships" xmlns:p="http://schemas.openxmlformats.org/presentationml/2006/main">
-  <p:cSld>
-    <p:spTree>
-      <p:nvGrpSpPr>
-        <p:cNvPr id="1" name=""/>
-        <p:cNvGrpSpPr/>
-        <p:nvPr/>
-      </p:nvGrpSpPr>
-      <p:grpSpPr>
-        <a:xfrm>
-          <a:off x="0" y="0"/>
-          <a:ext cx="0" cy="0"/>
-          <a:chOff x="0" y="0"/>
-          <a:chExt cx="0" cy="0"/>
-        </a:xfrm>
-      </p:grpSpPr>
-      <p:pic>
-        <p:nvPicPr>
-          <p:cNvPr id="10" name="그림 9">
-            <a:extLst>
-              <a:ext uri="{FF2B5EF4-FFF2-40B4-BE49-F238E27FC236}">
-                <a16:creationId xmlns:a16="http://schemas.microsoft.com/office/drawing/2014/main" id="{5C4BBCB9-EBEF-C1BF-4F07-198BDE02E085}"/>
-              </a:ext>
-            </a:extLst>
-          </p:cNvPr>
-          <p:cNvPicPr>
-            <a:picLocks noChangeAspect="1"/>
-          </p:cNvPicPr>
-          <p:nvPr/>
-        </p:nvPicPr>
-        <p:blipFill>
-          <a:blip r:embed="rId2"/>
-          <a:stretch>
-            <a:fillRect/>
-          </a:stretch>
-        </p:blipFill>
-        <p:spPr>
-          <a:xfrm>
-            <a:off x="351623" y="4961641"/>
-            <a:ext cx="5744377" cy="2314898"/>
-          </a:xfrm>
-          <a:prstGeom prst="rect">
-            <a:avLst/>
-          </a:prstGeom>
-        </p:spPr>
-      </p:pic>
-      <p:sp>
-        <p:nvSpPr>
-          <p:cNvPr id="3" name="TextBox 2">
-            <a:extLst>
-              <a:ext uri="{FF2B5EF4-FFF2-40B4-BE49-F238E27FC236}">
-                <a16:creationId xmlns:a16="http://schemas.microsoft.com/office/drawing/2014/main" id="{89B38423-0E47-A648-288B-3D64AC778932}"/>
-              </a:ext>
-            </a:extLst>
-          </p:cNvPr>
-          <p:cNvSpPr txBox="1"/>
-          <p:nvPr/>
-        </p:nvSpPr>
-        <p:spPr>
-          <a:xfrm>
-            <a:off x="351623" y="259939"/>
-            <a:ext cx="9692077" cy="4524315"/>
-          </a:xfrm>
-          <a:prstGeom prst="rect">
-            <a:avLst/>
-          </a:prstGeom>
-          <a:noFill/>
-        </p:spPr>
-        <p:txBody>
-          <a:bodyPr wrap="none" rtlCol="0">
-            <a:spAutoFit/>
-          </a:bodyPr>
-          <a:lstStyle/>
-          <a:p>
-            <a:r>
-              <a:rPr lang="ko-KR" altLang="en-US" dirty="0" err="1"/>
-              <a:t>이그노어</a:t>
-            </a:r>
-            <a:r>
-              <a:rPr lang="ko-KR" altLang="en-US" dirty="0"/>
-              <a:t> 설명</a:t>
-            </a:r>
-            <a:endParaRPr lang="en-US" altLang="ko-KR" dirty="0"/>
-          </a:p>
-          <a:p>
-            <a:endParaRPr lang="en-US" altLang="ko-KR" dirty="0"/>
-          </a:p>
-          <a:p>
-            <a:r>
-              <a:rPr lang="en-US" altLang="ko-KR" dirty="0"/>
-              <a:t>C++</a:t>
-            </a:r>
-          </a:p>
-          <a:p>
-            <a:endParaRPr lang="en-US" altLang="ko-KR" dirty="0"/>
-          </a:p>
-          <a:p>
-            <a:r>
-              <a:rPr lang="ko-KR" altLang="en-US" dirty="0"/>
-              <a:t>비주얼 스튜디오</a:t>
-            </a:r>
-            <a:endParaRPr lang="en-US" altLang="ko-KR" dirty="0"/>
-          </a:p>
-          <a:p>
-            <a:endParaRPr lang="en-US" altLang="ko-KR" dirty="0"/>
-          </a:p>
-          <a:p>
-            <a:r>
-              <a:rPr lang="ko-KR" altLang="en-US" dirty="0" err="1"/>
-              <a:t>언리얼</a:t>
-            </a:r>
-            <a:r>
-              <a:rPr lang="ko-KR" altLang="en-US" dirty="0"/>
-              <a:t> 엔진</a:t>
-            </a:r>
-            <a:endParaRPr lang="en-US" altLang="ko-KR" dirty="0"/>
-          </a:p>
-          <a:p>
-            <a:endParaRPr lang="en-US" altLang="ko-KR" dirty="0"/>
-          </a:p>
-          <a:p>
-            <a:r>
-              <a:rPr lang="en-US" altLang="ko-KR" dirty="0"/>
-              <a:t>.exe</a:t>
-            </a:r>
-            <a:r>
-              <a:rPr lang="ko-KR" altLang="en-US" dirty="0"/>
-              <a:t>가 대표적인 올리면</a:t>
-            </a:r>
-            <a:r>
-              <a:rPr lang="en-US" altLang="ko-KR" dirty="0"/>
-              <a:t>(</a:t>
-            </a:r>
-            <a:r>
-              <a:rPr lang="ko-KR" altLang="en-US" dirty="0"/>
-              <a:t>외장 서버에 파일을 올리는 것을 말한다</a:t>
-            </a:r>
-            <a:r>
-              <a:rPr lang="en-US" altLang="ko-KR" dirty="0"/>
-              <a:t>.)</a:t>
-            </a:r>
-            <a:r>
-              <a:rPr lang="ko-KR" altLang="en-US" dirty="0"/>
-              <a:t> 안되는 파일</a:t>
-            </a:r>
-            <a:endParaRPr lang="en-US" altLang="ko-KR" dirty="0"/>
-          </a:p>
-          <a:p>
-            <a:endParaRPr lang="en-US" altLang="ko-KR" dirty="0"/>
-          </a:p>
-          <a:p>
-            <a:r>
-              <a:rPr lang="ko-KR" altLang="en-US" dirty="0"/>
-              <a:t>프로그램이란 </a:t>
-            </a:r>
-            <a:r>
-              <a:rPr lang="en-US" altLang="ko-KR" dirty="0"/>
-              <a:t>.exe</a:t>
-            </a:r>
-            <a:r>
-              <a:rPr lang="ko-KR" altLang="en-US" dirty="0"/>
-              <a:t>파일을 말합니다</a:t>
-            </a:r>
-            <a:r>
-              <a:rPr lang="en-US" altLang="ko-KR" dirty="0"/>
-              <a:t>.</a:t>
-            </a:r>
-          </a:p>
-          <a:p>
-            <a:r>
-              <a:rPr lang="en-US" altLang="ko-KR" dirty="0"/>
-              <a:t>IDE</a:t>
-            </a:r>
-            <a:r>
-              <a:rPr lang="ko-KR" altLang="en-US" dirty="0"/>
-              <a:t>를 통해서 쉽게 </a:t>
-            </a:r>
-            <a:r>
-              <a:rPr lang="en-US" altLang="ko-KR" dirty="0"/>
-              <a:t>.exe</a:t>
-            </a:r>
-            <a:r>
-              <a:rPr lang="ko-KR" altLang="en-US" dirty="0"/>
-              <a:t>파일을 </a:t>
-            </a:r>
-            <a:r>
-              <a:rPr lang="ko-KR" altLang="en-US" dirty="0" err="1"/>
-              <a:t>생산할수</a:t>
-            </a:r>
-            <a:r>
-              <a:rPr lang="ko-KR" altLang="en-US" dirty="0"/>
-              <a:t> 있게 됐어</a:t>
-            </a:r>
-            <a:r>
-              <a:rPr lang="en-US" altLang="ko-KR" dirty="0"/>
-              <a:t>.</a:t>
-            </a:r>
-          </a:p>
-          <a:p>
-            <a:r>
-              <a:rPr lang="ko-KR" altLang="en-US" dirty="0"/>
-              <a:t>쉽게 말해서 </a:t>
-            </a:r>
-            <a:r>
-              <a:rPr lang="ko-KR" altLang="en-US" dirty="0" err="1"/>
-              <a:t>비주얼스튜디오</a:t>
-            </a:r>
-            <a:r>
-              <a:rPr lang="ko-KR" altLang="en-US" dirty="0"/>
-              <a:t> 프로젝트만 있다면 언제든지 비주얼 스튜디오의 기능으로</a:t>
-            </a:r>
-            <a:endParaRPr lang="en-US" altLang="ko-KR" dirty="0"/>
-          </a:p>
-          <a:p>
-            <a:r>
-              <a:rPr lang="en-US" altLang="ko-KR" dirty="0"/>
-              <a:t>.exe</a:t>
-            </a:r>
-            <a:r>
-              <a:rPr lang="ko-KR" altLang="en-US" dirty="0"/>
-              <a:t>를 </a:t>
-            </a:r>
-            <a:r>
-              <a:rPr lang="ko-KR" altLang="en-US" dirty="0" err="1"/>
-              <a:t>만들수</a:t>
-            </a:r>
-            <a:r>
-              <a:rPr lang="ko-KR" altLang="en-US" dirty="0"/>
-              <a:t> 있어</a:t>
-            </a:r>
-            <a:r>
-              <a:rPr lang="en-US" altLang="ko-KR" dirty="0"/>
-              <a:t>. </a:t>
-            </a:r>
-          </a:p>
-          <a:p>
-            <a:r>
-              <a:rPr lang="ko-KR" altLang="en-US" dirty="0"/>
-              <a:t>시작은 비주얼 스튜디오에 </a:t>
-            </a:r>
-            <a:r>
-              <a:rPr lang="ko-KR" altLang="en-US" dirty="0" err="1"/>
-              <a:t>필요없는</a:t>
-            </a:r>
-            <a:r>
-              <a:rPr lang="ko-KR" altLang="en-US" dirty="0"/>
-              <a:t> 파일을 </a:t>
-            </a:r>
-            <a:r>
-              <a:rPr lang="ko-KR" altLang="en-US" dirty="0" err="1"/>
-              <a:t>안올리는</a:t>
-            </a:r>
-            <a:r>
-              <a:rPr lang="ko-KR" altLang="en-US" dirty="0"/>
-              <a:t> 비주얼 스튜디오 설정으로 시작했다가</a:t>
-            </a:r>
-            <a:endParaRPr lang="en-US" altLang="ko-KR" dirty="0"/>
-          </a:p>
-          <a:p>
-            <a:r>
-              <a:rPr lang="ko-KR" altLang="en-US" dirty="0"/>
-              <a:t>나중에 </a:t>
-            </a:r>
-            <a:r>
-              <a:rPr lang="ko-KR" altLang="en-US" dirty="0" err="1"/>
-              <a:t>언리얼</a:t>
-            </a:r>
-            <a:r>
-              <a:rPr lang="ko-KR" altLang="en-US" dirty="0"/>
-              <a:t> </a:t>
-            </a:r>
-            <a:r>
-              <a:rPr lang="ko-KR" altLang="en-US" dirty="0" err="1"/>
-              <a:t>이그노어를</a:t>
-            </a:r>
-            <a:r>
-              <a:rPr lang="ko-KR" altLang="en-US" dirty="0"/>
-              <a:t> 합친다</a:t>
-            </a:r>
-            <a:r>
-              <a:rPr lang="en-US" altLang="ko-KR" dirty="0"/>
-              <a:t>.</a:t>
-            </a:r>
-          </a:p>
-        </p:txBody>
-      </p:sp>
-      <mc:AlternateContent xmlns:mc="http://schemas.openxmlformats.org/markup-compatibility/2006" xmlns:p14="http://schemas.microsoft.com/office/powerpoint/2010/main">
-        <mc:Choice Requires="p14">
-          <p:contentPart p14:bwMode="auto" r:id="rId3">
-            <p14:nvContentPartPr>
-              <p14:cNvPr id="4" name="잉크 3">
-                <a:extLst>
-                  <a:ext uri="{FF2B5EF4-FFF2-40B4-BE49-F238E27FC236}">
-                    <a16:creationId xmlns:a16="http://schemas.microsoft.com/office/drawing/2014/main" id="{D8D42320-6B9E-BC1A-59D7-76F43DF64EF4}"/>
-                  </a:ext>
-                </a:extLst>
-              </p14:cNvPr>
-              <p14:cNvContentPartPr/>
-              <p14:nvPr/>
-            </p14:nvContentPartPr>
-            <p14:xfrm>
-              <a:off x="1559447" y="6189164"/>
-              <a:ext cx="1296360" cy="627120"/>
-            </p14:xfrm>
-          </p:contentPart>
-        </mc:Choice>
-        <mc:Fallback xmlns="">
-          <p:pic>
-            <p:nvPicPr>
-              <p:cNvPr id="4" name="잉크 3">
-                <a:extLst>
-                  <a:ext uri="{FF2B5EF4-FFF2-40B4-BE49-F238E27FC236}">
-                    <a16:creationId xmlns:a16="http://schemas.microsoft.com/office/drawing/2014/main" id="{D8D42320-6B9E-BC1A-59D7-76F43DF64EF4}"/>
-                  </a:ext>
-                </a:extLst>
-              </p:cNvPr>
-              <p:cNvPicPr/>
-              <p:nvPr/>
-            </p:nvPicPr>
-            <p:blipFill>
-              <a:blip r:embed="rId4"/>
-              <a:stretch>
-                <a:fillRect/>
-              </a:stretch>
-            </p:blipFill>
-            <p:spPr>
-              <a:xfrm>
-                <a:off x="1553327" y="6183044"/>
-                <a:ext cx="1308600" cy="639360"/>
-              </a:xfrm>
-              <a:prstGeom prst="rect">
-                <a:avLst/>
-              </a:prstGeom>
-            </p:spPr>
-          </p:pic>
-        </mc:Fallback>
-      </mc:AlternateContent>
-    </p:spTree>
-    <p:extLst>
-      <p:ext uri="{BB962C8B-B14F-4D97-AF65-F5344CB8AC3E}">
-        <p14:creationId xmlns:p14="http://schemas.microsoft.com/office/powerpoint/2010/main" val="1996909380"/>
-      </p:ext>
-    </p:extLst>
-  </p:cSld>
-  <p:clrMapOvr>
-    <a:masterClrMapping/>
-  </p:clrMapOvr>
-</p:sld>
-</file>
-
-<file path=ppt/slides/slide40.xml><?xml version="1.0" encoding="utf-8"?>
+<file path=ppt/slides/slide46.xml><?xml version="1.0" encoding="utf-8"?>
 <p:sld xmlns:a="http://schemas.openxmlformats.org/drawingml/2006/main" xmlns:r="http://schemas.openxmlformats.org/officeDocument/2006/relationships" xmlns:p="http://schemas.openxmlformats.org/presentationml/2006/main">
   <p:cSld>
     <p:spTree>
@@ -11813,7 +13936,7 @@
 </p:sld>
 </file>
 
-<file path=ppt/slides/slide41.xml><?xml version="1.0" encoding="utf-8"?>
+<file path=ppt/slides/slide47.xml><?xml version="1.0" encoding="utf-8"?>
 <p:sld xmlns:a="http://schemas.openxmlformats.org/drawingml/2006/main" xmlns:r="http://schemas.openxmlformats.org/officeDocument/2006/relationships" xmlns:p="http://schemas.openxmlformats.org/presentationml/2006/main">
   <p:cSld>
     <p:spTree>
@@ -12060,7 +14183,7 @@
 </p:sld>
 </file>
 
-<file path=ppt/slides/slide42.xml><?xml version="1.0" encoding="utf-8"?>
+<file path=ppt/slides/slide48.xml><?xml version="1.0" encoding="utf-8"?>
 <p:sld xmlns:a="http://schemas.openxmlformats.org/drawingml/2006/main" xmlns:r="http://schemas.openxmlformats.org/officeDocument/2006/relationships" xmlns:p="http://schemas.openxmlformats.org/presentationml/2006/main">
   <p:cSld>
     <p:spTree>
@@ -12276,7 +14399,7 @@
 </p:sld>
 </file>
 
-<file path=ppt/slides/slide43.xml><?xml version="1.0" encoding="utf-8"?>
+<file path=ppt/slides/slide49.xml><?xml version="1.0" encoding="utf-8"?>
 <p:sld xmlns:a="http://schemas.openxmlformats.org/drawingml/2006/main" xmlns:r="http://schemas.openxmlformats.org/officeDocument/2006/relationships" xmlns:p="http://schemas.openxmlformats.org/presentationml/2006/main">
   <p:cSld>
     <p:spTree>
@@ -12701,7 +14824,66 @@
 </p:sld>
 </file>
 
-<file path=ppt/slides/slide44.xml><?xml version="1.0" encoding="utf-8"?>
+<file path=ppt/slides/slide5.xml><?xml version="1.0" encoding="utf-8"?>
+<p:sld xmlns:a="http://schemas.openxmlformats.org/drawingml/2006/main" xmlns:r="http://schemas.openxmlformats.org/officeDocument/2006/relationships" xmlns:p="http://schemas.openxmlformats.org/presentationml/2006/main">
+  <p:cSld>
+    <p:spTree>
+      <p:nvGrpSpPr>
+        <p:cNvPr id="1" name=""/>
+        <p:cNvGrpSpPr/>
+        <p:nvPr/>
+      </p:nvGrpSpPr>
+      <p:grpSpPr>
+        <a:xfrm>
+          <a:off x="0" y="0"/>
+          <a:ext cx="0" cy="0"/>
+          <a:chOff x="0" y="0"/>
+          <a:chExt cx="0" cy="0"/>
+        </a:xfrm>
+      </p:grpSpPr>
+      <p:pic>
+        <p:nvPicPr>
+          <p:cNvPr id="3" name="그림 2">
+            <a:extLst>
+              <a:ext uri="{FF2B5EF4-FFF2-40B4-BE49-F238E27FC236}">
+                <a16:creationId xmlns:a16="http://schemas.microsoft.com/office/drawing/2014/main" id="{095F22EA-8E4C-63E5-F3DE-291A8D193C26}"/>
+              </a:ext>
+            </a:extLst>
+          </p:cNvPr>
+          <p:cNvPicPr>
+            <a:picLocks noChangeAspect="1"/>
+          </p:cNvPicPr>
+          <p:nvPr/>
+        </p:nvPicPr>
+        <p:blipFill rotWithShape="1">
+          <a:blip r:embed="rId2"/>
+          <a:srcRect l="23828"/>
+          <a:stretch/>
+        </p:blipFill>
+        <p:spPr>
+          <a:xfrm>
+            <a:off x="876299" y="347326"/>
+            <a:ext cx="9286875" cy="5801398"/>
+          </a:xfrm>
+          <a:prstGeom prst="rect">
+            <a:avLst/>
+          </a:prstGeom>
+        </p:spPr>
+      </p:pic>
+    </p:spTree>
+    <p:extLst>
+      <p:ext uri="{BB962C8B-B14F-4D97-AF65-F5344CB8AC3E}">
+        <p14:creationId xmlns:p14="http://schemas.microsoft.com/office/powerpoint/2010/main" val="1027905312"/>
+      </p:ext>
+    </p:extLst>
+  </p:cSld>
+  <p:clrMapOvr>
+    <a:masterClrMapping/>
+  </p:clrMapOvr>
+</p:sld>
+</file>
+
+<file path=ppt/slides/slide50.xml><?xml version="1.0" encoding="utf-8"?>
 <p:sld xmlns:a="http://schemas.openxmlformats.org/drawingml/2006/main" xmlns:r="http://schemas.openxmlformats.org/officeDocument/2006/relationships" xmlns:p="http://schemas.openxmlformats.org/presentationml/2006/main">
   <p:cSld>
     <p:spTree>
@@ -12853,7 +15035,7 @@
 </p:sld>
 </file>
 
-<file path=ppt/slides/slide45.xml><?xml version="1.0" encoding="utf-8"?>
+<file path=ppt/slides/slide51.xml><?xml version="1.0" encoding="utf-8"?>
 <p:sld xmlns:a="http://schemas.openxmlformats.org/drawingml/2006/main" xmlns:r="http://schemas.openxmlformats.org/officeDocument/2006/relationships" xmlns:p="http://schemas.openxmlformats.org/presentationml/2006/main">
   <p:cSld>
     <p:spTree>
@@ -12964,7 +15146,7 @@
 </p:sld>
 </file>
 
-<file path=ppt/slides/slide46.xml><?xml version="1.0" encoding="utf-8"?>
+<file path=ppt/slides/slide52.xml><?xml version="1.0" encoding="utf-8"?>
 <p:sld xmlns:a="http://schemas.openxmlformats.org/drawingml/2006/main" xmlns:r="http://schemas.openxmlformats.org/officeDocument/2006/relationships" xmlns:p="http://schemas.openxmlformats.org/presentationml/2006/main">
   <p:cSld>
     <p:spTree>
@@ -13074,65 +15256,6 @@
     <p:extLst>
       <p:ext uri="{BB962C8B-B14F-4D97-AF65-F5344CB8AC3E}">
         <p14:creationId xmlns:p14="http://schemas.microsoft.com/office/powerpoint/2010/main" val="1075791261"/>
-      </p:ext>
-    </p:extLst>
-  </p:cSld>
-  <p:clrMapOvr>
-    <a:masterClrMapping/>
-  </p:clrMapOvr>
-</p:sld>
-</file>
-
-<file path=ppt/slides/slide5.xml><?xml version="1.0" encoding="utf-8"?>
-<p:sld xmlns:a="http://schemas.openxmlformats.org/drawingml/2006/main" xmlns:r="http://schemas.openxmlformats.org/officeDocument/2006/relationships" xmlns:p="http://schemas.openxmlformats.org/presentationml/2006/main">
-  <p:cSld>
-    <p:spTree>
-      <p:nvGrpSpPr>
-        <p:cNvPr id="1" name=""/>
-        <p:cNvGrpSpPr/>
-        <p:nvPr/>
-      </p:nvGrpSpPr>
-      <p:grpSpPr>
-        <a:xfrm>
-          <a:off x="0" y="0"/>
-          <a:ext cx="0" cy="0"/>
-          <a:chOff x="0" y="0"/>
-          <a:chExt cx="0" cy="0"/>
-        </a:xfrm>
-      </p:grpSpPr>
-      <p:pic>
-        <p:nvPicPr>
-          <p:cNvPr id="3" name="그림 2">
-            <a:extLst>
-              <a:ext uri="{FF2B5EF4-FFF2-40B4-BE49-F238E27FC236}">
-                <a16:creationId xmlns:a16="http://schemas.microsoft.com/office/drawing/2014/main" id="{095F22EA-8E4C-63E5-F3DE-291A8D193C26}"/>
-              </a:ext>
-            </a:extLst>
-          </p:cNvPr>
-          <p:cNvPicPr>
-            <a:picLocks noChangeAspect="1"/>
-          </p:cNvPicPr>
-          <p:nvPr/>
-        </p:nvPicPr>
-        <p:blipFill rotWithShape="1">
-          <a:blip r:embed="rId2"/>
-          <a:srcRect l="23828"/>
-          <a:stretch/>
-        </p:blipFill>
-        <p:spPr>
-          <a:xfrm>
-            <a:off x="876299" y="347326"/>
-            <a:ext cx="9286875" cy="5801398"/>
-          </a:xfrm>
-          <a:prstGeom prst="rect">
-            <a:avLst/>
-          </a:prstGeom>
-        </p:spPr>
-      </p:pic>
-    </p:spTree>
-    <p:extLst>
-      <p:ext uri="{BB962C8B-B14F-4D97-AF65-F5344CB8AC3E}">
-        <p14:creationId xmlns:p14="http://schemas.microsoft.com/office/powerpoint/2010/main" val="1027905312"/>
       </p:ext>
     </p:extLst>
   </p:cSld>

--- a/DOC/공통문서/필수프로그램 설치법.pptx
+++ b/DOC/공통문서/필수프로그램 설치법.pptx
@@ -851,6 +851,34 @@
           <inkml:channelProperty channel="F" name="resolution" value="0" units="1/dev"/>
         </inkml:channelProperties>
       </inkml:inkSource>
+      <inkml:timestamp xml:id="ts0" timeString="2024-09-10T05:48:29.192"/>
+    </inkml:context>
+    <inkml:brush xml:id="br0">
+      <inkml:brushProperty name="width" value="0.035" units="cm"/>
+      <inkml:brushProperty name="height" value="0.035" units="cm"/>
+      <inkml:brushProperty name="color" value="#E71224"/>
+    </inkml:brush>
+  </inkml:definitions>
+  <inkml:trace contextRef="#ctx0" brushRef="#br0">1824 415 24575,'-32'-1'0,"1"-2"0,-35-7 0,35 4 0,-20-2 0,-161-31 0,171 32 0,0 2 0,0 2 0,0 2 0,-48 5 0,-7-2 0,-314-2 0,379 3 0,1 0 0,0 2 0,-48 14 0,-8 2 0,65-17 0,1 2 0,0 0 0,0 1 0,0 1 0,1 1 0,1 1 0,0 0 0,0 1 0,1 1 0,0 1 0,1 1 0,0 0 0,1 1 0,1 0 0,1 1 0,-14 21 0,16-19 0,0 0 0,1 1 0,2 1 0,0-1 0,1 1 0,0 1 0,-5 33 0,11-47 0,0 0 0,0 1 0,1-1 0,0 0 0,0 0 0,1 0 0,0 0 0,0 0 0,0 0 0,1 0 0,0 0 0,1 0 0,-1 0 0,1-1 0,1 1 0,-1-1 0,1 0 0,0 0 0,0 0 0,1-1 0,0 0 0,0 1 0,0-2 0,0 1 0,11 7 0,28 11 0,1-1 0,1-2 0,0-2 0,86 20 0,-58-17 0,-31-9 0,69 11 0,14-2 0,-66-10 0,1-2 0,77 1 0,-109-9 0,59 11 0,-57-7 0,52 3 0,-44-6 0,46 9 0,-47-6 0,55 2 0,-3-6 0,103-3 0,-152-5 0,-1 0 0,64-22 0,18-4 0,8 6 0,-76 19 0,-7 0 0,82-2 0,-114 10 0,0 0 0,-1-1 0,1-1 0,-1 0 0,0-1 0,0-1 0,0 0 0,0-1 0,0 0 0,15-10 0,-20 10 0,-1-1 0,1 0 0,-2 0 0,1-1 0,-1 0 0,0-1 0,0 0 0,-1 0 0,0 0 0,0 0 0,-1-1 0,0 0 0,0 0 0,-1-1 0,3-12 0,2-11 0,-2 0 0,-1 0 0,-2-1 0,-1 0 0,-3-58 0,0 80 0,0 1 0,-1 0 0,0-1 0,-1 1 0,-1 0 0,1-1 0,-2 1 0,0 1 0,0-1 0,-1 0 0,0 1 0,0 0 0,-2 0 0,1 1 0,-1 0 0,0 0 0,-1 0 0,0 1 0,-9-7 0,-15-12 0,-1 1 0,-1 2 0,-49-27 0,47 33 0,-2 2 0,1 1 0,-79-18 0,56 16 0,-245-49 0,175 42 0,-385-57 0,334 60 0,137 15 0,-87 0 0,88 6 0,0-1 0,-54-11 0,42 5-11,-1 2 1,1 2-1,-62 6 0,16-1-1311,79-2-5504</inkml:trace>
+</inkml:ink>
+</file>
+
+<file path=ppt/ink/ink32.xml><?xml version="1.0" encoding="utf-8"?>
+<inkml:ink xmlns:inkml="http://www.w3.org/2003/InkML">
+  <inkml:definitions>
+    <inkml:context xml:id="ctx0">
+      <inkml:inkSource xml:id="inkSrc0">
+        <inkml:traceFormat>
+          <inkml:channel name="X" type="integer" min="-2.14748E9" max="2.14748E9" units="cm"/>
+          <inkml:channel name="Y" type="integer" min="-2.14748E9" max="2.14748E9" units="cm"/>
+          <inkml:channel name="F" type="integer" max="32767" units="dev"/>
+        </inkml:traceFormat>
+        <inkml:channelProperties>
+          <inkml:channelProperty channel="X" name="resolution" value="1000" units="1/cm"/>
+          <inkml:channelProperty channel="Y" name="resolution" value="1000" units="1/cm"/>
+          <inkml:channelProperty channel="F" name="resolution" value="0" units="1/dev"/>
+        </inkml:channelProperties>
+      </inkml:inkSource>
       <inkml:timestamp xml:id="ts0" timeString="2024-09-09T08:22:32.312"/>
     </inkml:context>
     <inkml:brush xml:id="br0">
@@ -863,7 +891,7 @@
 </inkml:ink>
 </file>
 
-<file path=ppt/ink/ink32.xml><?xml version="1.0" encoding="utf-8"?>
+<file path=ppt/ink/ink33.xml><?xml version="1.0" encoding="utf-8"?>
 <inkml:ink xmlns:inkml="http://www.w3.org/2003/InkML">
   <inkml:definitions>
     <inkml:context xml:id="ctx0">
@@ -891,7 +919,7 @@
 </inkml:ink>
 </file>
 
-<file path=ppt/ink/ink33.xml><?xml version="1.0" encoding="utf-8"?>
+<file path=ppt/ink/ink34.xml><?xml version="1.0" encoding="utf-8"?>
 <inkml:ink xmlns:inkml="http://www.w3.org/2003/InkML">
   <inkml:definitions>
     <inkml:context xml:id="ctx0">
@@ -919,7 +947,7 @@
 </inkml:ink>
 </file>
 
-<file path=ppt/ink/ink34.xml><?xml version="1.0" encoding="utf-8"?>
+<file path=ppt/ink/ink35.xml><?xml version="1.0" encoding="utf-8"?>
 <inkml:ink xmlns:inkml="http://www.w3.org/2003/InkML">
   <inkml:definitions>
     <inkml:context xml:id="ctx0">
@@ -947,7 +975,7 @@
 </inkml:ink>
 </file>
 
-<file path=ppt/ink/ink35.xml><?xml version="1.0" encoding="utf-8"?>
+<file path=ppt/ink/ink36.xml><?xml version="1.0" encoding="utf-8"?>
 <inkml:ink xmlns:inkml="http://www.w3.org/2003/InkML">
   <inkml:definitions>
     <inkml:context xml:id="ctx0">
@@ -975,7 +1003,7 @@
 </inkml:ink>
 </file>
 
-<file path=ppt/ink/ink36.xml><?xml version="1.0" encoding="utf-8"?>
+<file path=ppt/ink/ink37.xml><?xml version="1.0" encoding="utf-8"?>
 <inkml:ink xmlns:inkml="http://www.w3.org/2003/InkML">
   <inkml:definitions>
     <inkml:context xml:id="ctx0">
@@ -1003,7 +1031,7 @@
 </inkml:ink>
 </file>
 
-<file path=ppt/ink/ink37.xml><?xml version="1.0" encoding="utf-8"?>
+<file path=ppt/ink/ink38.xml><?xml version="1.0" encoding="utf-8"?>
 <inkml:ink xmlns:inkml="http://www.w3.org/2003/InkML">
   <inkml:definitions>
     <inkml:context xml:id="ctx0">
@@ -1031,7 +1059,7 @@
 </inkml:ink>
 </file>
 
-<file path=ppt/ink/ink38.xml><?xml version="1.0" encoding="utf-8"?>
+<file path=ppt/ink/ink39.xml><?xml version="1.0" encoding="utf-8"?>
 <inkml:ink xmlns:inkml="http://www.w3.org/2003/InkML">
   <inkml:definitions>
     <inkml:context xml:id="ctx0">
@@ -1056,34 +1084,6 @@
     </inkml:brush>
   </inkml:definitions>
   <inkml:trace contextRef="#ctx0" brushRef="#br0">3623 542 24575,'-153'-13'0,"101"6"0,-54 1 0,-1130 7 0,1158 2 0,0 3 0,1 3 0,-99 26 0,-222 79 0,336-94 0,-32 15 0,-137 70 0,164-72 0,-7 8 0,2 3 0,2 3 0,2 3 0,-73 70 0,120-100 0,1 1 0,1 0 0,1 2 0,1 0 0,1 1 0,-17 33 0,-62 161 0,84-190 0,-24 75 0,-34 173 0,55-211 0,4-1 0,3-1 0,3 1 0,6 106 0,1-44 0,-4-104 0,2 0 0,0-1 0,2 1 0,0-1 0,7 26 0,-6-38 0,-1 0 0,2 0 0,-1 0 0,1 0 0,0-1 0,1 1 0,0-1 0,0-1 0,1 1 0,0-1 0,0 0 0,1-1 0,13 10 0,42 21 0,1-3 0,2-3 0,99 33 0,-90-36 0,116 35-228,268 53-1,-198-56 91,572 103 138,-638-131 298,368 13-1,-421-47-297,327 13 0,209 27-341,3-34-138,-451-5 429,148-15 50,-209 6 0,440-51 0,-553 54 0,876-79-821,-378 47 821,-337 22 0,531-34-1245,268-32 339,149-26 940,-885 80 3774,-275 29-3808,26-4 0,0-1 0,-1-1 0,1-1 0,33-13 0,-57 16 0,1 0 0,-1-1 0,0 0 0,0 0 0,-1 0 0,0-1 0,1 0 0,-2 0 0,1 0 0,-1-1 0,8-12 0,2-8 0,22-53 0,-26 53 0,-1 0 0,-2-1 0,-1 0 0,-1 0 0,-1 0 0,1-46 0,-7-235 0,-1 292 0,-2 0 0,0 0 0,0 0 0,-2 1 0,-8-19 0,-43-77 0,18 45 0,-3 3 0,-55-66 0,-112-107 0,-23 16 0,126 126 0,-275-231 0,280 251 0,-219-122 0,177 119 0,57 29 0,-174-71 0,59 51-33,-2 9 0,-311-50 0,344 85-216,-223-3 1,-366-9-1253,556 22 1304,-1319-10-1531,1009 28 1402,-2010-3 3264,2503 0-2838,0 0 1,0 2 0,0 1 0,0 0-1,1 1 1,-1 1 0,1 1 0,0 1-1,1 0 1,-1 2 0,2 0 0,-1 1-1,-28 21 1,-91 85-1466,125-107-5461</inkml:trace>
-</inkml:ink>
-</file>
-
-<file path=ppt/ink/ink39.xml><?xml version="1.0" encoding="utf-8"?>
-<inkml:ink xmlns:inkml="http://www.w3.org/2003/InkML">
-  <inkml:definitions>
-    <inkml:context xml:id="ctx0">
-      <inkml:inkSource xml:id="inkSrc0">
-        <inkml:traceFormat>
-          <inkml:channel name="X" type="integer" min="-2.14748E9" max="2.14748E9" units="cm"/>
-          <inkml:channel name="Y" type="integer" min="-2.14748E9" max="2.14748E9" units="cm"/>
-          <inkml:channel name="F" type="integer" max="32767" units="dev"/>
-        </inkml:traceFormat>
-        <inkml:channelProperties>
-          <inkml:channelProperty channel="X" name="resolution" value="1000" units="1/cm"/>
-          <inkml:channelProperty channel="Y" name="resolution" value="1000" units="1/cm"/>
-          <inkml:channelProperty channel="F" name="resolution" value="0" units="1/dev"/>
-        </inkml:channelProperties>
-      </inkml:inkSource>
-      <inkml:timestamp xml:id="ts0" timeString="2024-09-09T08:40:30.004"/>
-    </inkml:context>
-    <inkml:brush xml:id="br0">
-      <inkml:brushProperty name="width" value="0.035" units="cm"/>
-      <inkml:brushProperty name="height" value="0.035" units="cm"/>
-      <inkml:brushProperty name="color" value="#E71224"/>
-    </inkml:brush>
-  </inkml:definitions>
-  <inkml:trace contextRef="#ctx0" brushRef="#br0">2161 81 24575,'-35'0'0,"-3"1"0,1-1 0,0-3 0,-58-10 0,-84-13 0,71 11 0,21 4 0,17 3 0,0 2 0,-123 8 0,63 1 0,6-5 0,-137 4 0,176 10 0,53-6 0,-56 2 0,78-9 0,-1 1 0,1 1 0,-1 0 0,1 0 0,-1 1 0,1 0 0,0 1 0,0 0 0,0 0 0,0 1 0,1 1 0,-1-1 0,1 2 0,0-1 0,1 1 0,-1 0 0,-11 12 0,-7 9 0,-4 2 0,0 2 0,3 1 0,0 1 0,2 1 0,-35 62 0,52-74 0,1 1 0,1 0 0,-5 32 0,-3 10 0,7-31 0,3 1 0,0 0 0,3 0 0,0 0 0,3 0 0,4 38 0,-4-67 0,1 1 0,-1-1 0,1 0 0,0 0 0,1 0 0,-1 0 0,1 0 0,0 0 0,1-1 0,-1 0 0,1 1 0,0-1 0,7 6 0,7 6 0,1-1 0,26 18 0,9 7 0,-15-6 0,3-3 0,1-1 0,1-2 0,87 43 0,-114-66 0,0-1 0,0-1 0,1-1 0,-1 0 0,21 1 0,26 3 0,2 1 0,1-3 0,116-6 0,-62-1 0,1002 2 0,-1092-2 0,58-10 0,-58 6 0,55-2 0,939 8 0,-460 1 0,-545-2 0,0-1 0,33-7 0,-32 4 0,0 1 0,23 0 0,149 6 0,77-5 0,-191-9 0,-52 7 0,46-4 0,38-3 0,-77 6 0,53-1 0,-67 7 0,10 0 0,0-1 0,0-1 0,49-10 0,-52 7 0,51-4 0,22-3 0,205-38 0,-261 44 0,44-1 0,-59 6 0,0-1 0,41-9 0,-43 6 0,50-3 0,24-5 0,1 1 0,-73 10 0,45-9 0,-28 4 0,0 2 0,1 2 0,85 6 0,-28-1 0,-76-1 0,0-2 0,0-1 0,52-11 0,-67 10 0,0-1 0,0 0 0,-1 0 0,0-1 0,0-1 0,21-12 0,-28 14 0,0 0 0,-1 0 0,1-1 0,-1 0 0,0 0 0,0 0 0,0 0 0,-1 0 0,0-1 0,0 0 0,0 0 0,-1 1 0,0-1 0,0-1 0,0 1 0,0-9 0,2-5 0,-2 0 0,-1 0 0,0 0 0,-1 0 0,-2-1 0,0 1 0,-6-26 0,6 35 0,-1 0 0,-1 1 0,0 0 0,0-1 0,-1 2 0,-1-1 0,1 0 0,-1 1 0,-1 0 0,0 0 0,0 1 0,-1 0 0,0 0 0,-15-11 0,-7 1 0,0 2 0,0 1 0,-2 1 0,0 2 0,0 1 0,-1 1 0,0 2 0,0 1 0,-39-2 0,31 4 0,-32-5 0,-97 0 0,-49-3 0,0 0 0,187 14 0,0-1 0,-1-2 0,-57-12 0,58 9 0,0 1 0,-1 1 0,-60 3 0,56 1 0,1-1 0,-60-9 0,-148-27 0,142 28 0,59 6 0,-45-9 0,-54-3 0,17 2 0,-122-18 0,194 25 0,-70 2 0,78 4 0,0-2 0,-73-12 0,57 5 0,0 3 0,0 2 0,-72 6 0,12 0 0,-391-3 0,492-1 0,1-1 0,-34-8 0,32 5 0,0 2 0,-24-2 0,15 4 0,1-1 0,-51-10 0,39 5 0,0 3 0,-1 1 0,-66 3 0,64 2 0,0-3 0,-88-11 0,71 4-5,0 2 0,0 3 0,-72 7-1,14-2-1338,97-2-5482</inkml:trace>
 </inkml:ink>
 </file>
 
@@ -1131,6 +1131,34 @@
           <inkml:channelProperty channel="F" name="resolution" value="0" units="1/dev"/>
         </inkml:channelProperties>
       </inkml:inkSource>
+      <inkml:timestamp xml:id="ts0" timeString="2024-09-09T08:40:30.004"/>
+    </inkml:context>
+    <inkml:brush xml:id="br0">
+      <inkml:brushProperty name="width" value="0.035" units="cm"/>
+      <inkml:brushProperty name="height" value="0.035" units="cm"/>
+      <inkml:brushProperty name="color" value="#E71224"/>
+    </inkml:brush>
+  </inkml:definitions>
+  <inkml:trace contextRef="#ctx0" brushRef="#br0">2161 81 24575,'-35'0'0,"-3"1"0,1-1 0,0-3 0,-58-10 0,-84-13 0,71 11 0,21 4 0,17 3 0,0 2 0,-123 8 0,63 1 0,6-5 0,-137 4 0,176 10 0,53-6 0,-56 2 0,78-9 0,-1 1 0,1 1 0,-1 0 0,1 0 0,-1 1 0,1 0 0,0 1 0,0 0 0,0 0 0,0 1 0,1 1 0,-1-1 0,1 2 0,0-1 0,1 1 0,-1 0 0,-11 12 0,-7 9 0,-4 2 0,0 2 0,3 1 0,0 1 0,2 1 0,-35 62 0,52-74 0,1 1 0,1 0 0,-5 32 0,-3 10 0,7-31 0,3 1 0,0 0 0,3 0 0,0 0 0,3 0 0,4 38 0,-4-67 0,1 1 0,-1-1 0,1 0 0,0 0 0,1 0 0,-1 0 0,1 0 0,0 0 0,1-1 0,-1 0 0,1 1 0,0-1 0,7 6 0,7 6 0,1-1 0,26 18 0,9 7 0,-15-6 0,3-3 0,1-1 0,1-2 0,87 43 0,-114-66 0,0-1 0,0-1 0,1-1 0,-1 0 0,21 1 0,26 3 0,2 1 0,1-3 0,116-6 0,-62-1 0,1002 2 0,-1092-2 0,58-10 0,-58 6 0,55-2 0,939 8 0,-460 1 0,-545-2 0,0-1 0,33-7 0,-32 4 0,0 1 0,23 0 0,149 6 0,77-5 0,-191-9 0,-52 7 0,46-4 0,38-3 0,-77 6 0,53-1 0,-67 7 0,10 0 0,0-1 0,0-1 0,49-10 0,-52 7 0,51-4 0,22-3 0,205-38 0,-261 44 0,44-1 0,-59 6 0,0-1 0,41-9 0,-43 6 0,50-3 0,24-5 0,1 1 0,-73 10 0,45-9 0,-28 4 0,0 2 0,1 2 0,85 6 0,-28-1 0,-76-1 0,0-2 0,0-1 0,52-11 0,-67 10 0,0-1 0,0 0 0,-1 0 0,0-1 0,0-1 0,21-12 0,-28 14 0,0 0 0,-1 0 0,1-1 0,-1 0 0,0 0 0,0 0 0,0 0 0,-1 0 0,0-1 0,0 0 0,0 0 0,-1 1 0,0-1 0,0-1 0,0 1 0,0-9 0,2-5 0,-2 0 0,-1 0 0,0 0 0,-1 0 0,-2-1 0,0 1 0,-6-26 0,6 35 0,-1 0 0,-1 1 0,0 0 0,0-1 0,-1 2 0,-1-1 0,1 0 0,-1 1 0,-1 0 0,0 0 0,0 1 0,-1 0 0,0 0 0,-15-11 0,-7 1 0,0 2 0,0 1 0,-2 1 0,0 2 0,0 1 0,-1 1 0,0 2 0,0 1 0,-39-2 0,31 4 0,-32-5 0,-97 0 0,-49-3 0,0 0 0,187 14 0,0-1 0,-1-2 0,-57-12 0,58 9 0,0 1 0,-1 1 0,-60 3 0,56 1 0,1-1 0,-60-9 0,-148-27 0,142 28 0,59 6 0,-45-9 0,-54-3 0,17 2 0,-122-18 0,194 25 0,-70 2 0,78 4 0,0-2 0,-73-12 0,57 5 0,0 3 0,0 2 0,-72 6 0,12 0 0,-391-3 0,492-1 0,1-1 0,-34-8 0,32 5 0,0 2 0,-24-2 0,15 4 0,1-1 0,-51-10 0,39 5 0,0 3 0,-1 1 0,-66 3 0,64 2 0,0-3 0,-88-11 0,71 4-5,0 2 0,0 3 0,-72 7-1,14-2-1338,97-2-5482</inkml:trace>
+</inkml:ink>
+</file>
+
+<file path=ppt/ink/ink41.xml><?xml version="1.0" encoding="utf-8"?>
+<inkml:ink xmlns:inkml="http://www.w3.org/2003/InkML">
+  <inkml:definitions>
+    <inkml:context xml:id="ctx0">
+      <inkml:inkSource xml:id="inkSrc0">
+        <inkml:traceFormat>
+          <inkml:channel name="X" type="integer" min="-2.14748E9" max="2.14748E9" units="cm"/>
+          <inkml:channel name="Y" type="integer" min="-2.14748E9" max="2.14748E9" units="cm"/>
+          <inkml:channel name="F" type="integer" max="32767" units="dev"/>
+        </inkml:traceFormat>
+        <inkml:channelProperties>
+          <inkml:channelProperty channel="X" name="resolution" value="1000" units="1/cm"/>
+          <inkml:channelProperty channel="Y" name="resolution" value="1000" units="1/cm"/>
+          <inkml:channelProperty channel="F" name="resolution" value="0" units="1/dev"/>
+        </inkml:channelProperties>
+      </inkml:inkSource>
       <inkml:timestamp xml:id="ts0" timeString="2024-09-09T08:40:45.247"/>
     </inkml:context>
     <inkml:brush xml:id="br0">
@@ -1143,7 +1171,7 @@
 </inkml:ink>
 </file>
 
-<file path=ppt/ink/ink41.xml><?xml version="1.0" encoding="utf-8"?>
+<file path=ppt/ink/ink42.xml><?xml version="1.0" encoding="utf-8"?>
 <inkml:ink xmlns:inkml="http://www.w3.org/2003/InkML">
   <inkml:definitions>
     <inkml:context xml:id="ctx0">
@@ -10273,8 +10301,8 @@
           </a:prstGeom>
         </p:spPr>
       </p:pic>
-      <mc:AlternateContent xmlns:mc="http://schemas.openxmlformats.org/markup-compatibility/2006">
-        <mc:Choice xmlns:p14="http://schemas.microsoft.com/office/powerpoint/2010/main" Requires="p14">
+      <mc:AlternateContent xmlns:mc="http://schemas.openxmlformats.org/markup-compatibility/2006" xmlns:p14="http://schemas.microsoft.com/office/powerpoint/2010/main">
+        <mc:Choice Requires="p14">
           <p:contentPart p14:bwMode="auto" r:id="rId3">
             <p14:nvContentPartPr>
               <p14:cNvPr id="6" name="잉크 5">
@@ -10293,7 +10321,7 @@
             </p14:xfrm>
           </p:contentPart>
         </mc:Choice>
-        <mc:Fallback>
+        <mc:Fallback xmlns="">
           <p:pic>
             <p:nvPicPr>
               <p:cNvPr id="6" name="잉크 5">
@@ -10491,8 +10519,8 @@
             <a:chExt cx="4028040" cy="1618200"/>
           </a:xfrm>
         </p:grpSpPr>
-        <mc:AlternateContent xmlns:mc="http://schemas.openxmlformats.org/markup-compatibility/2006">
-          <mc:Choice xmlns:p14="http://schemas.microsoft.com/office/powerpoint/2010/main" Requires="p14">
+        <mc:AlternateContent xmlns:mc="http://schemas.openxmlformats.org/markup-compatibility/2006" xmlns:p14="http://schemas.microsoft.com/office/powerpoint/2010/main">
+          <mc:Choice Requires="p14">
             <p:contentPart p14:bwMode="auto" r:id="rId5">
               <p14:nvContentPartPr>
                 <p14:cNvPr id="9" name="잉크 8">
@@ -10511,7 +10539,7 @@
               </p14:xfrm>
             </p:contentPart>
           </mc:Choice>
-          <mc:Fallback>
+          <mc:Fallback xmlns="">
             <p:pic>
               <p:nvPicPr>
                 <p:cNvPr id="9" name="잉크 8">
@@ -10542,8 +10570,8 @@
             </p:pic>
           </mc:Fallback>
         </mc:AlternateContent>
-        <mc:AlternateContent xmlns:mc="http://schemas.openxmlformats.org/markup-compatibility/2006">
-          <mc:Choice xmlns:p14="http://schemas.microsoft.com/office/powerpoint/2010/main" Requires="p14">
+        <mc:AlternateContent xmlns:mc="http://schemas.openxmlformats.org/markup-compatibility/2006" xmlns:p14="http://schemas.microsoft.com/office/powerpoint/2010/main">
+          <mc:Choice Requires="p14">
             <p:contentPart p14:bwMode="auto" r:id="rId7">
               <p14:nvContentPartPr>
                 <p14:cNvPr id="11" name="잉크 10">
@@ -10562,7 +10590,7 @@
               </p14:xfrm>
             </p:contentPart>
           </mc:Choice>
-          <mc:Fallback>
+          <mc:Fallback xmlns="">
             <p:pic>
               <p:nvPicPr>
                 <p:cNvPr id="11" name="잉크 10">
@@ -10593,8 +10621,8 @@
             </p:pic>
           </mc:Fallback>
         </mc:AlternateContent>
-        <mc:AlternateContent xmlns:mc="http://schemas.openxmlformats.org/markup-compatibility/2006">
-          <mc:Choice xmlns:p14="http://schemas.microsoft.com/office/powerpoint/2010/main" Requires="p14">
+        <mc:AlternateContent xmlns:mc="http://schemas.openxmlformats.org/markup-compatibility/2006" xmlns:p14="http://schemas.microsoft.com/office/powerpoint/2010/main">
+          <mc:Choice Requires="p14">
             <p:contentPart p14:bwMode="auto" r:id="rId9">
               <p14:nvContentPartPr>
                 <p14:cNvPr id="13" name="잉크 12">
@@ -10613,7 +10641,7 @@
               </p14:xfrm>
             </p:contentPart>
           </mc:Choice>
-          <mc:Fallback>
+          <mc:Fallback xmlns="">
             <p:pic>
               <p:nvPicPr>
                 <p:cNvPr id="13" name="잉크 12">
@@ -10645,8 +10673,8 @@
           </mc:Fallback>
         </mc:AlternateContent>
       </p:grpSp>
-      <mc:AlternateContent xmlns:mc="http://schemas.openxmlformats.org/markup-compatibility/2006">
-        <mc:Choice xmlns:p14="http://schemas.microsoft.com/office/powerpoint/2010/main" Requires="p14">
+      <mc:AlternateContent xmlns:mc="http://schemas.openxmlformats.org/markup-compatibility/2006" xmlns:p14="http://schemas.microsoft.com/office/powerpoint/2010/main">
+        <mc:Choice Requires="p14">
           <p:contentPart p14:bwMode="auto" r:id="rId11">
             <p14:nvContentPartPr>
               <p14:cNvPr id="15" name="잉크 14">
@@ -10665,7 +10693,7 @@
             </p14:xfrm>
           </p:contentPart>
         </mc:Choice>
-        <mc:Fallback>
+        <mc:Fallback xmlns="">
           <p:pic>
             <p:nvPicPr>
               <p:cNvPr id="15" name="잉크 14">
@@ -10833,8 +10861,8 @@
           </a:p>
         </p:txBody>
       </p:sp>
-      <mc:AlternateContent xmlns:mc="http://schemas.openxmlformats.org/markup-compatibility/2006">
-        <mc:Choice xmlns:p14="http://schemas.microsoft.com/office/powerpoint/2010/main" Requires="p14">
+      <mc:AlternateContent xmlns:mc="http://schemas.openxmlformats.org/markup-compatibility/2006" xmlns:p14="http://schemas.microsoft.com/office/powerpoint/2010/main">
+        <mc:Choice Requires="p14">
           <p:contentPart p14:bwMode="auto" r:id="rId14">
             <p14:nvContentPartPr>
               <p14:cNvPr id="19" name="잉크 18">
@@ -10853,7 +10881,7 @@
             </p14:xfrm>
           </p:contentPart>
         </mc:Choice>
-        <mc:Fallback>
+        <mc:Fallback xmlns="">
           <p:pic>
             <p:nvPicPr>
               <p:cNvPr id="19" name="잉크 18">
@@ -10944,8 +10972,8 @@
           </a:prstGeom>
         </p:spPr>
       </p:pic>
-      <mc:AlternateContent xmlns:mc="http://schemas.openxmlformats.org/markup-compatibility/2006">
-        <mc:Choice xmlns:p14="http://schemas.microsoft.com/office/powerpoint/2010/main" Requires="p14">
+      <mc:AlternateContent xmlns:mc="http://schemas.openxmlformats.org/markup-compatibility/2006" xmlns:p14="http://schemas.microsoft.com/office/powerpoint/2010/main">
+        <mc:Choice Requires="p14">
           <p:contentPart p14:bwMode="auto" r:id="rId3">
             <p14:nvContentPartPr>
               <p14:cNvPr id="6" name="잉크 5">
@@ -10964,7 +10992,7 @@
             </p14:xfrm>
           </p:contentPart>
         </mc:Choice>
-        <mc:Fallback>
+        <mc:Fallback xmlns="">
           <p:pic>
             <p:nvPicPr>
               <p:cNvPr id="6" name="잉크 5">
@@ -11724,8 +11752,8 @@
           </a:prstGeom>
         </p:spPr>
       </p:pic>
-      <mc:AlternateContent xmlns:mc="http://schemas.openxmlformats.org/markup-compatibility/2006">
-        <mc:Choice xmlns:p14="http://schemas.microsoft.com/office/powerpoint/2010/main" Requires="p14">
+      <mc:AlternateContent xmlns:mc="http://schemas.openxmlformats.org/markup-compatibility/2006" xmlns:p14="http://schemas.microsoft.com/office/powerpoint/2010/main">
+        <mc:Choice Requires="p14">
           <p:contentPart p14:bwMode="auto" r:id="rId3">
             <p14:nvContentPartPr>
               <p14:cNvPr id="5" name="잉크 4">
@@ -11744,7 +11772,7 @@
             </p14:xfrm>
           </p:contentPart>
         </mc:Choice>
-        <mc:Fallback>
+        <mc:Fallback xmlns="">
           <p:pic>
             <p:nvPicPr>
               <p:cNvPr id="5" name="잉크 4">
@@ -11795,8 +11823,8 @@
             <a:chExt cx="1766160" cy="1240920"/>
           </a:xfrm>
         </p:grpSpPr>
-        <mc:AlternateContent xmlns:mc="http://schemas.openxmlformats.org/markup-compatibility/2006">
-          <mc:Choice xmlns:p14="http://schemas.microsoft.com/office/powerpoint/2010/main" Requires="p14">
+        <mc:AlternateContent xmlns:mc="http://schemas.openxmlformats.org/markup-compatibility/2006" xmlns:p14="http://schemas.microsoft.com/office/powerpoint/2010/main">
+          <mc:Choice Requires="p14">
             <p:contentPart p14:bwMode="auto" r:id="rId5">
               <p14:nvContentPartPr>
                 <p14:cNvPr id="6" name="잉크 5">
@@ -11815,7 +11843,7 @@
               </p14:xfrm>
             </p:contentPart>
           </mc:Choice>
-          <mc:Fallback>
+          <mc:Fallback xmlns="">
             <p:pic>
               <p:nvPicPr>
                 <p:cNvPr id="6" name="잉크 5">
@@ -11846,8 +11874,8 @@
             </p:pic>
           </mc:Fallback>
         </mc:AlternateContent>
-        <mc:AlternateContent xmlns:mc="http://schemas.openxmlformats.org/markup-compatibility/2006">
-          <mc:Choice xmlns:p14="http://schemas.microsoft.com/office/powerpoint/2010/main" Requires="p14">
+        <mc:AlternateContent xmlns:mc="http://schemas.openxmlformats.org/markup-compatibility/2006" xmlns:p14="http://schemas.microsoft.com/office/powerpoint/2010/main">
+          <mc:Choice Requires="p14">
             <p:contentPart p14:bwMode="auto" r:id="rId7">
               <p14:nvContentPartPr>
                 <p14:cNvPr id="7" name="잉크 6">
@@ -11866,7 +11894,7 @@
               </p14:xfrm>
             </p:contentPart>
           </mc:Choice>
-          <mc:Fallback>
+          <mc:Fallback xmlns="">
             <p:pic>
               <p:nvPicPr>
                 <p:cNvPr id="7" name="잉크 6">
@@ -11897,8 +11925,8 @@
             </p:pic>
           </mc:Fallback>
         </mc:AlternateContent>
-        <mc:AlternateContent xmlns:mc="http://schemas.openxmlformats.org/markup-compatibility/2006">
-          <mc:Choice xmlns:p14="http://schemas.microsoft.com/office/powerpoint/2010/main" Requires="p14">
+        <mc:AlternateContent xmlns:mc="http://schemas.openxmlformats.org/markup-compatibility/2006" xmlns:p14="http://schemas.microsoft.com/office/powerpoint/2010/main">
+          <mc:Choice Requires="p14">
             <p:contentPart p14:bwMode="auto" r:id="rId9">
               <p14:nvContentPartPr>
                 <p14:cNvPr id="8" name="잉크 7">
@@ -11917,7 +11945,7 @@
               </p14:xfrm>
             </p:contentPart>
           </mc:Choice>
-          <mc:Fallback>
+          <mc:Fallback xmlns="">
             <p:pic>
               <p:nvPicPr>
                 <p:cNvPr id="8" name="잉크 7">
@@ -11948,8 +11976,8 @@
             </p:pic>
           </mc:Fallback>
         </mc:AlternateContent>
-        <mc:AlternateContent xmlns:mc="http://schemas.openxmlformats.org/markup-compatibility/2006">
-          <mc:Choice xmlns:p14="http://schemas.microsoft.com/office/powerpoint/2010/main" Requires="p14">
+        <mc:AlternateContent xmlns:mc="http://schemas.openxmlformats.org/markup-compatibility/2006" xmlns:p14="http://schemas.microsoft.com/office/powerpoint/2010/main">
+          <mc:Choice Requires="p14">
             <p:contentPart p14:bwMode="auto" r:id="rId11">
               <p14:nvContentPartPr>
                 <p14:cNvPr id="9" name="잉크 8">
@@ -11968,7 +11996,7 @@
               </p14:xfrm>
             </p:contentPart>
           </mc:Choice>
-          <mc:Fallback>
+          <mc:Fallback xmlns="">
             <p:pic>
               <p:nvPicPr>
                 <p:cNvPr id="9" name="잉크 8">
@@ -11999,8 +12027,8 @@
             </p:pic>
           </mc:Fallback>
         </mc:AlternateContent>
-        <mc:AlternateContent xmlns:mc="http://schemas.openxmlformats.org/markup-compatibility/2006">
-          <mc:Choice xmlns:p14="http://schemas.microsoft.com/office/powerpoint/2010/main" Requires="p14">
+        <mc:AlternateContent xmlns:mc="http://schemas.openxmlformats.org/markup-compatibility/2006" xmlns:p14="http://schemas.microsoft.com/office/powerpoint/2010/main">
+          <mc:Choice Requires="p14">
             <p:contentPart p14:bwMode="auto" r:id="rId13">
               <p14:nvContentPartPr>
                 <p14:cNvPr id="10" name="잉크 9">
@@ -12019,7 +12047,7 @@
               </p14:xfrm>
             </p:contentPart>
           </mc:Choice>
-          <mc:Fallback>
+          <mc:Fallback xmlns="">
             <p:pic>
               <p:nvPicPr>
                 <p:cNvPr id="10" name="잉크 9">
@@ -12197,6 +12225,218 @@
           <a:chExt cx="0" cy="0"/>
         </a:xfrm>
       </p:grpSpPr>
+      <p:pic>
+        <p:nvPicPr>
+          <p:cNvPr id="3" name="그림 2">
+            <a:extLst>
+              <a:ext uri="{FF2B5EF4-FFF2-40B4-BE49-F238E27FC236}">
+                <a16:creationId xmlns:a16="http://schemas.microsoft.com/office/drawing/2014/main" id="{DF9033B7-EE16-4668-764E-8C4C864B31B4}"/>
+              </a:ext>
+            </a:extLst>
+          </p:cNvPr>
+          <p:cNvPicPr>
+            <a:picLocks noChangeAspect="1"/>
+          </p:cNvPicPr>
+          <p:nvPr/>
+        </p:nvPicPr>
+        <p:blipFill>
+          <a:blip r:embed="rId2"/>
+          <a:stretch>
+            <a:fillRect/>
+          </a:stretch>
+        </p:blipFill>
+        <p:spPr>
+          <a:xfrm>
+            <a:off x="413464" y="0"/>
+            <a:ext cx="2645944" cy="6858000"/>
+          </a:xfrm>
+          <a:prstGeom prst="rect">
+            <a:avLst/>
+          </a:prstGeom>
+        </p:spPr>
+      </p:pic>
+      <p:sp>
+        <p:nvSpPr>
+          <p:cNvPr id="4" name="TextBox 3">
+            <a:extLst>
+              <a:ext uri="{FF2B5EF4-FFF2-40B4-BE49-F238E27FC236}">
+                <a16:creationId xmlns:a16="http://schemas.microsoft.com/office/drawing/2014/main" id="{BA77A9BF-D324-5256-BD83-4F50A9CE1EB6}"/>
+              </a:ext>
+            </a:extLst>
+          </p:cNvPr>
+          <p:cNvSpPr txBox="1"/>
+          <p:nvPr/>
+        </p:nvSpPr>
+        <p:spPr>
+          <a:xfrm>
+            <a:off x="3611417" y="357871"/>
+            <a:ext cx="8039811" cy="923330"/>
+          </a:xfrm>
+          <a:prstGeom prst="rect">
+            <a:avLst/>
+          </a:prstGeom>
+        </p:spPr>
+        <p:style>
+          <a:lnRef idx="2">
+            <a:schemeClr val="accent5"/>
+          </a:lnRef>
+          <a:fillRef idx="1">
+            <a:schemeClr val="lt1"/>
+          </a:fillRef>
+          <a:effectRef idx="0">
+            <a:schemeClr val="accent5"/>
+          </a:effectRef>
+          <a:fontRef idx="minor">
+            <a:schemeClr val="dk1"/>
+          </a:fontRef>
+        </p:style>
+        <p:txBody>
+          <a:bodyPr wrap="square" rtlCol="0">
+            <a:spAutoFit/>
+          </a:bodyPr>
+          <a:lstStyle/>
+          <a:p>
+            <a:r>
+              <a:rPr lang="ko-KR" altLang="en-US" dirty="0">
+                <a:solidFill>
+                  <a:srgbClr val="FF0000"/>
+                </a:solidFill>
+              </a:rPr>
+              <a:t>이 창이 뜨지 않을 때가 있습니다</a:t>
+            </a:r>
+            <a:r>
+              <a:rPr lang="en-US" altLang="ko-KR" dirty="0">
+                <a:solidFill>
+                  <a:srgbClr val="FF0000"/>
+                </a:solidFill>
+              </a:rPr>
+              <a:t>.</a:t>
+            </a:r>
+          </a:p>
+          <a:p>
+            <a:endParaRPr lang="en-US" altLang="ko-KR" dirty="0">
+              <a:solidFill>
+                <a:srgbClr val="FF0000"/>
+              </a:solidFill>
+            </a:endParaRPr>
+          </a:p>
+          <a:p>
+            <a:r>
+              <a:rPr lang="ko-KR" altLang="en-US" dirty="0">
+                <a:solidFill>
+                  <a:srgbClr val="FF0000"/>
+                </a:solidFill>
+              </a:rPr>
+              <a:t>보기 </a:t>
+            </a:r>
+            <a:r>
+              <a:rPr lang="en-US" altLang="ko-KR" dirty="0">
+                <a:solidFill>
+                  <a:srgbClr val="FF0000"/>
+                </a:solidFill>
+              </a:rPr>
+              <a:t>=&gt; git </a:t>
+            </a:r>
+            <a:r>
+              <a:rPr lang="ko-KR" altLang="en-US" dirty="0">
+                <a:solidFill>
+                  <a:srgbClr val="FF0000"/>
+                </a:solidFill>
+              </a:rPr>
+              <a:t>변경 내용 누르시면 나옵니다</a:t>
+            </a:r>
+            <a:r>
+              <a:rPr lang="en-US" altLang="ko-KR" dirty="0">
+                <a:solidFill>
+                  <a:srgbClr val="FF0000"/>
+                </a:solidFill>
+              </a:rPr>
+              <a:t>.</a:t>
+            </a:r>
+          </a:p>
+        </p:txBody>
+      </p:sp>
+      <p:pic>
+        <p:nvPicPr>
+          <p:cNvPr id="6" name="그림 5">
+            <a:extLst>
+              <a:ext uri="{FF2B5EF4-FFF2-40B4-BE49-F238E27FC236}">
+                <a16:creationId xmlns:a16="http://schemas.microsoft.com/office/drawing/2014/main" id="{3FE4A371-6838-3C14-79C9-993034E3BFA2}"/>
+              </a:ext>
+            </a:extLst>
+          </p:cNvPr>
+          <p:cNvPicPr>
+            <a:picLocks noChangeAspect="1"/>
+          </p:cNvPicPr>
+          <p:nvPr/>
+        </p:nvPicPr>
+        <p:blipFill>
+          <a:blip r:embed="rId3"/>
+          <a:stretch>
+            <a:fillRect/>
+          </a:stretch>
+        </p:blipFill>
+        <p:spPr>
+          <a:xfrm>
+            <a:off x="3800037" y="1653309"/>
+            <a:ext cx="3354253" cy="6858000"/>
+          </a:xfrm>
+          <a:prstGeom prst="rect">
+            <a:avLst/>
+          </a:prstGeom>
+        </p:spPr>
+      </p:pic>
+      <mc:AlternateContent xmlns:mc="http://schemas.openxmlformats.org/markup-compatibility/2006">
+        <mc:Choice xmlns:p14="http://schemas.microsoft.com/office/powerpoint/2010/main" Requires="p14">
+          <p:contentPart p14:bwMode="auto" r:id="rId4">
+            <p14:nvContentPartPr>
+              <p14:cNvPr id="7" name="잉크 6">
+                <a:extLst>
+                  <a:ext uri="{FF2B5EF4-FFF2-40B4-BE49-F238E27FC236}">
+                    <a16:creationId xmlns:a16="http://schemas.microsoft.com/office/drawing/2014/main" id="{536E137C-A753-6C43-50BF-7715062CA2D7}"/>
+                  </a:ext>
+                </a:extLst>
+              </p14:cNvPr>
+              <p14:cNvContentPartPr/>
+              <p14:nvPr/>
+            </p14:nvContentPartPr>
+            <p14:xfrm>
+              <a:off x="4238927" y="2150324"/>
+              <a:ext cx="988920" cy="446040"/>
+            </p14:xfrm>
+          </p:contentPart>
+        </mc:Choice>
+        <mc:Fallback>
+          <p:pic>
+            <p:nvPicPr>
+              <p:cNvPr id="7" name="잉크 6">
+                <a:extLst>
+                  <a:ext uri="{FF2B5EF4-FFF2-40B4-BE49-F238E27FC236}">
+                    <a16:creationId xmlns:a16="http://schemas.microsoft.com/office/drawing/2014/main" id="{536E137C-A753-6C43-50BF-7715062CA2D7}"/>
+                  </a:ext>
+                </a:extLst>
+              </p:cNvPr>
+              <p:cNvPicPr/>
+              <p:nvPr/>
+            </p:nvPicPr>
+            <p:blipFill>
+              <a:blip r:embed="rId5"/>
+              <a:stretch>
+                <a:fillRect/>
+              </a:stretch>
+            </p:blipFill>
+            <p:spPr>
+              <a:xfrm>
+                <a:off x="4232807" y="2144204"/>
+                <a:ext cx="1001160" cy="458280"/>
+              </a:xfrm>
+              <a:prstGeom prst="rect">
+                <a:avLst/>
+              </a:prstGeom>
+            </p:spPr>
+          </p:pic>
+        </mc:Fallback>
+      </mc:AlternateContent>
     </p:spTree>
     <p:extLst>
       <p:ext uri="{BB962C8B-B14F-4D97-AF65-F5344CB8AC3E}">
@@ -12227,6 +12467,36 @@
           <a:chExt cx="0" cy="0"/>
         </a:xfrm>
       </p:grpSpPr>
+      <p:pic>
+        <p:nvPicPr>
+          <p:cNvPr id="3" name="그림 2">
+            <a:extLst>
+              <a:ext uri="{FF2B5EF4-FFF2-40B4-BE49-F238E27FC236}">
+                <a16:creationId xmlns:a16="http://schemas.microsoft.com/office/drawing/2014/main" id="{6518697B-426E-783A-E9C4-9104F78F7749}"/>
+              </a:ext>
+            </a:extLst>
+          </p:cNvPr>
+          <p:cNvPicPr>
+            <a:picLocks noChangeAspect="1"/>
+          </p:cNvPicPr>
+          <p:nvPr/>
+        </p:nvPicPr>
+        <p:blipFill>
+          <a:blip r:embed="rId2"/>
+          <a:stretch>
+            <a:fillRect/>
+          </a:stretch>
+        </p:blipFill>
+        <p:spPr>
+          <a:xfrm>
+            <a:off x="671556" y="1435016"/>
+            <a:ext cx="3515216" cy="3267531"/>
+          </a:xfrm>
+          <a:prstGeom prst="rect">
+            <a:avLst/>
+          </a:prstGeom>
+        </p:spPr>
+      </p:pic>
     </p:spTree>
     <p:extLst>
       <p:ext uri="{BB962C8B-B14F-4D97-AF65-F5344CB8AC3E}">
